--- a/Travelling Salesman - Presentation.pptx
+++ b/Travelling Salesman - Presentation.pptx
@@ -14,7 +14,6 @@
     <p:sldId id="259" r:id="rId11"/>
     <p:sldId id="260" r:id="rId12"/>
     <p:sldId id="261" r:id="rId13"/>
-    <p:sldId id="262" r:id="rId14"/>
   </p:sldIdLst>
   <p:sldSz cx="24384000" cy="13716000"/>
   <p:notesSz cx="6858000" cy="9144000"/>
@@ -65,14 +64,14 @@
           <a:noFill/>
         </a:ln>
         <a:solidFill>
-          <a:srgbClr val="838787"/>
+          <a:srgbClr val="222222"/>
         </a:solidFill>
         <a:effectLst/>
         <a:uFillTx/>
-        <a:latin typeface="Avenir Next Medium"/>
-        <a:ea typeface="Avenir Next Medium"/>
-        <a:cs typeface="Avenir Next Medium"/>
-        <a:sym typeface="Avenir Next Medium"/>
+        <a:latin typeface="DIN Condensed Bold"/>
+        <a:ea typeface="DIN Condensed Bold"/>
+        <a:cs typeface="DIN Condensed Bold"/>
+        <a:sym typeface="DIN Condensed Bold"/>
       </a:defRPr>
     </a:lvl1pPr>
     <a:lvl2pPr marL="0" marR="0" indent="0" algn="l" defTabSz="825500" rtl="0" fontAlgn="auto" latinLnBrk="0" hangingPunct="0">
@@ -95,14 +94,14 @@
           <a:noFill/>
         </a:ln>
         <a:solidFill>
-          <a:srgbClr val="838787"/>
+          <a:srgbClr val="222222"/>
         </a:solidFill>
         <a:effectLst/>
         <a:uFillTx/>
-        <a:latin typeface="Avenir Next Medium"/>
-        <a:ea typeface="Avenir Next Medium"/>
-        <a:cs typeface="Avenir Next Medium"/>
-        <a:sym typeface="Avenir Next Medium"/>
+        <a:latin typeface="DIN Condensed Bold"/>
+        <a:ea typeface="DIN Condensed Bold"/>
+        <a:cs typeface="DIN Condensed Bold"/>
+        <a:sym typeface="DIN Condensed Bold"/>
       </a:defRPr>
     </a:lvl2pPr>
     <a:lvl3pPr marL="0" marR="0" indent="0" algn="l" defTabSz="825500" rtl="0" fontAlgn="auto" latinLnBrk="0" hangingPunct="0">
@@ -125,14 +124,14 @@
           <a:noFill/>
         </a:ln>
         <a:solidFill>
-          <a:srgbClr val="838787"/>
+          <a:srgbClr val="222222"/>
         </a:solidFill>
         <a:effectLst/>
         <a:uFillTx/>
-        <a:latin typeface="Avenir Next Medium"/>
-        <a:ea typeface="Avenir Next Medium"/>
-        <a:cs typeface="Avenir Next Medium"/>
-        <a:sym typeface="Avenir Next Medium"/>
+        <a:latin typeface="DIN Condensed Bold"/>
+        <a:ea typeface="DIN Condensed Bold"/>
+        <a:cs typeface="DIN Condensed Bold"/>
+        <a:sym typeface="DIN Condensed Bold"/>
       </a:defRPr>
     </a:lvl3pPr>
     <a:lvl4pPr marL="0" marR="0" indent="0" algn="l" defTabSz="825500" rtl="0" fontAlgn="auto" latinLnBrk="0" hangingPunct="0">
@@ -155,14 +154,14 @@
           <a:noFill/>
         </a:ln>
         <a:solidFill>
-          <a:srgbClr val="838787"/>
+          <a:srgbClr val="222222"/>
         </a:solidFill>
         <a:effectLst/>
         <a:uFillTx/>
-        <a:latin typeface="Avenir Next Medium"/>
-        <a:ea typeface="Avenir Next Medium"/>
-        <a:cs typeface="Avenir Next Medium"/>
-        <a:sym typeface="Avenir Next Medium"/>
+        <a:latin typeface="DIN Condensed Bold"/>
+        <a:ea typeface="DIN Condensed Bold"/>
+        <a:cs typeface="DIN Condensed Bold"/>
+        <a:sym typeface="DIN Condensed Bold"/>
       </a:defRPr>
     </a:lvl4pPr>
     <a:lvl5pPr marL="0" marR="0" indent="0" algn="l" defTabSz="825500" rtl="0" fontAlgn="auto" latinLnBrk="0" hangingPunct="0">
@@ -185,14 +184,14 @@
           <a:noFill/>
         </a:ln>
         <a:solidFill>
-          <a:srgbClr val="838787"/>
+          <a:srgbClr val="222222"/>
         </a:solidFill>
         <a:effectLst/>
         <a:uFillTx/>
-        <a:latin typeface="Avenir Next Medium"/>
-        <a:ea typeface="Avenir Next Medium"/>
-        <a:cs typeface="Avenir Next Medium"/>
-        <a:sym typeface="Avenir Next Medium"/>
+        <a:latin typeface="DIN Condensed Bold"/>
+        <a:ea typeface="DIN Condensed Bold"/>
+        <a:cs typeface="DIN Condensed Bold"/>
+        <a:sym typeface="DIN Condensed Bold"/>
       </a:defRPr>
     </a:lvl5pPr>
     <a:lvl6pPr marL="0" marR="0" indent="0" algn="l" defTabSz="825500" rtl="0" fontAlgn="auto" latinLnBrk="0" hangingPunct="0">
@@ -215,14 +214,14 @@
           <a:noFill/>
         </a:ln>
         <a:solidFill>
-          <a:srgbClr val="838787"/>
+          <a:srgbClr val="222222"/>
         </a:solidFill>
         <a:effectLst/>
         <a:uFillTx/>
-        <a:latin typeface="Avenir Next Medium"/>
-        <a:ea typeface="Avenir Next Medium"/>
-        <a:cs typeface="Avenir Next Medium"/>
-        <a:sym typeface="Avenir Next Medium"/>
+        <a:latin typeface="DIN Condensed Bold"/>
+        <a:ea typeface="DIN Condensed Bold"/>
+        <a:cs typeface="DIN Condensed Bold"/>
+        <a:sym typeface="DIN Condensed Bold"/>
       </a:defRPr>
     </a:lvl6pPr>
     <a:lvl7pPr marL="0" marR="0" indent="0" algn="l" defTabSz="825500" rtl="0" fontAlgn="auto" latinLnBrk="0" hangingPunct="0">
@@ -245,14 +244,14 @@
           <a:noFill/>
         </a:ln>
         <a:solidFill>
-          <a:srgbClr val="838787"/>
+          <a:srgbClr val="222222"/>
         </a:solidFill>
         <a:effectLst/>
         <a:uFillTx/>
-        <a:latin typeface="Avenir Next Medium"/>
-        <a:ea typeface="Avenir Next Medium"/>
-        <a:cs typeface="Avenir Next Medium"/>
-        <a:sym typeface="Avenir Next Medium"/>
+        <a:latin typeface="DIN Condensed Bold"/>
+        <a:ea typeface="DIN Condensed Bold"/>
+        <a:cs typeface="DIN Condensed Bold"/>
+        <a:sym typeface="DIN Condensed Bold"/>
       </a:defRPr>
     </a:lvl7pPr>
     <a:lvl8pPr marL="0" marR="0" indent="0" algn="l" defTabSz="825500" rtl="0" fontAlgn="auto" latinLnBrk="0" hangingPunct="0">
@@ -275,14 +274,14 @@
           <a:noFill/>
         </a:ln>
         <a:solidFill>
-          <a:srgbClr val="838787"/>
+          <a:srgbClr val="222222"/>
         </a:solidFill>
         <a:effectLst/>
         <a:uFillTx/>
-        <a:latin typeface="Avenir Next Medium"/>
-        <a:ea typeface="Avenir Next Medium"/>
-        <a:cs typeface="Avenir Next Medium"/>
-        <a:sym typeface="Avenir Next Medium"/>
+        <a:latin typeface="DIN Condensed Bold"/>
+        <a:ea typeface="DIN Condensed Bold"/>
+        <a:cs typeface="DIN Condensed Bold"/>
+        <a:sym typeface="DIN Condensed Bold"/>
       </a:defRPr>
     </a:lvl8pPr>
     <a:lvl9pPr marL="0" marR="0" indent="0" algn="l" defTabSz="825500" rtl="0" fontAlgn="auto" latinLnBrk="0" hangingPunct="0">
@@ -305,14 +304,14 @@
           <a:noFill/>
         </a:ln>
         <a:solidFill>
-          <a:srgbClr val="838787"/>
+          <a:srgbClr val="222222"/>
         </a:solidFill>
         <a:effectLst/>
         <a:uFillTx/>
-        <a:latin typeface="Avenir Next Medium"/>
-        <a:ea typeface="Avenir Next Medium"/>
-        <a:cs typeface="Avenir Next Medium"/>
-        <a:sym typeface="Avenir Next Medium"/>
+        <a:latin typeface="DIN Condensed Bold"/>
+        <a:ea typeface="DIN Condensed Bold"/>
+        <a:cs typeface="DIN Condensed Bold"/>
+        <a:sym typeface="DIN Condensed Bold"/>
       </a:defRPr>
     </a:lvl9pPr>
   </p:defaultTextStyle>
@@ -342,7 +341,7 @@
       </p:grpSpPr>
       <p:sp>
         <p:nvSpPr>
-          <p:cNvPr id="163" name="Shape 163"/>
+          <p:cNvPr id="166" name="Shape 166"/>
           <p:cNvSpPr/>
           <p:nvPr>
             <p:ph type="sldImg"/>
@@ -367,7 +366,7 @@
       </p:sp>
       <p:sp>
         <p:nvSpPr>
-          <p:cNvPr id="164" name="Shape 164"/>
+          <p:cNvPr id="167" name="Shape 167"/>
           <p:cNvSpPr/>
           <p:nvPr>
             <p:ph type="body" sz="quarter" idx="1"/>
@@ -399,9 +398,9 @@
         <a:spcPct val="117999"/>
       </a:lnSpc>
       <a:defRPr sz="2200">
-        <a:latin typeface="Helvetica Neue"/>
-        <a:ea typeface="Helvetica Neue"/>
-        <a:cs typeface="Helvetica Neue"/>
+        <a:latin typeface="+mj-lt"/>
+        <a:ea typeface="+mj-ea"/>
+        <a:cs typeface="+mj-cs"/>
         <a:sym typeface="Helvetica Neue"/>
       </a:defRPr>
     </a:lvl1pPr>
@@ -410,9 +409,9 @@
         <a:spcPct val="117999"/>
       </a:lnSpc>
       <a:defRPr sz="2200">
-        <a:latin typeface="Helvetica Neue"/>
-        <a:ea typeface="Helvetica Neue"/>
-        <a:cs typeface="Helvetica Neue"/>
+        <a:latin typeface="+mj-lt"/>
+        <a:ea typeface="+mj-ea"/>
+        <a:cs typeface="+mj-cs"/>
         <a:sym typeface="Helvetica Neue"/>
       </a:defRPr>
     </a:lvl2pPr>
@@ -421,9 +420,9 @@
         <a:spcPct val="117999"/>
       </a:lnSpc>
       <a:defRPr sz="2200">
-        <a:latin typeface="Helvetica Neue"/>
-        <a:ea typeface="Helvetica Neue"/>
-        <a:cs typeface="Helvetica Neue"/>
+        <a:latin typeface="+mj-lt"/>
+        <a:ea typeface="+mj-ea"/>
+        <a:cs typeface="+mj-cs"/>
         <a:sym typeface="Helvetica Neue"/>
       </a:defRPr>
     </a:lvl3pPr>
@@ -432,9 +431,9 @@
         <a:spcPct val="117999"/>
       </a:lnSpc>
       <a:defRPr sz="2200">
-        <a:latin typeface="Helvetica Neue"/>
-        <a:ea typeface="Helvetica Neue"/>
-        <a:cs typeface="Helvetica Neue"/>
+        <a:latin typeface="+mj-lt"/>
+        <a:ea typeface="+mj-ea"/>
+        <a:cs typeface="+mj-cs"/>
         <a:sym typeface="Helvetica Neue"/>
       </a:defRPr>
     </a:lvl4pPr>
@@ -443,9 +442,9 @@
         <a:spcPct val="117999"/>
       </a:lnSpc>
       <a:defRPr sz="2200">
-        <a:latin typeface="Helvetica Neue"/>
-        <a:ea typeface="Helvetica Neue"/>
-        <a:cs typeface="Helvetica Neue"/>
+        <a:latin typeface="+mj-lt"/>
+        <a:ea typeface="+mj-ea"/>
+        <a:cs typeface="+mj-cs"/>
         <a:sym typeface="Helvetica Neue"/>
       </a:defRPr>
     </a:lvl5pPr>
@@ -454,9 +453,9 @@
         <a:spcPct val="117999"/>
       </a:lnSpc>
       <a:defRPr sz="2200">
-        <a:latin typeface="Helvetica Neue"/>
-        <a:ea typeface="Helvetica Neue"/>
-        <a:cs typeface="Helvetica Neue"/>
+        <a:latin typeface="+mj-lt"/>
+        <a:ea typeface="+mj-ea"/>
+        <a:cs typeface="+mj-cs"/>
         <a:sym typeface="Helvetica Neue"/>
       </a:defRPr>
     </a:lvl6pPr>
@@ -465,9 +464,9 @@
         <a:spcPct val="117999"/>
       </a:lnSpc>
       <a:defRPr sz="2200">
-        <a:latin typeface="Helvetica Neue"/>
-        <a:ea typeface="Helvetica Neue"/>
-        <a:cs typeface="Helvetica Neue"/>
+        <a:latin typeface="+mj-lt"/>
+        <a:ea typeface="+mj-ea"/>
+        <a:cs typeface="+mj-cs"/>
         <a:sym typeface="Helvetica Neue"/>
       </a:defRPr>
     </a:lvl7pPr>
@@ -476,9 +475,9 @@
         <a:spcPct val="117999"/>
       </a:lnSpc>
       <a:defRPr sz="2200">
-        <a:latin typeface="Helvetica Neue"/>
-        <a:ea typeface="Helvetica Neue"/>
-        <a:cs typeface="Helvetica Neue"/>
+        <a:latin typeface="+mj-lt"/>
+        <a:ea typeface="+mj-ea"/>
+        <a:cs typeface="+mj-cs"/>
         <a:sym typeface="Helvetica Neue"/>
       </a:defRPr>
     </a:lvl8pPr>
@@ -487,9 +486,9 @@
         <a:spcPct val="117999"/>
       </a:lnSpc>
       <a:defRPr sz="2200">
-        <a:latin typeface="Helvetica Neue"/>
-        <a:ea typeface="Helvetica Neue"/>
-        <a:cs typeface="Helvetica Neue"/>
+        <a:latin typeface="+mj-lt"/>
+        <a:ea typeface="+mj-ea"/>
+        <a:cs typeface="+mj-cs"/>
         <a:sym typeface="Helvetica Neue"/>
       </a:defRPr>
     </a:lvl9pPr>
@@ -498,15 +497,8 @@
 </file>
 
 <file path=ppt/slideLayouts/slideLayout1.xml><?xml version="1.0" encoding="utf-8"?>
-<p:sldLayout xmlns:a="http://schemas.openxmlformats.org/drawingml/2006/main" xmlns:r="http://schemas.openxmlformats.org/officeDocument/2006/relationships" xmlns:p="http://schemas.openxmlformats.org/presentationml/2006/main" xmlns:m="http://schemas.openxmlformats.org/officeDocument/2006/math" xmlns:a14="http://schemas.microsoft.com/office/drawing/2010/main" type="title" showMasterSp="0" showMasterPhAnim="1">
+<p:sldLayout xmlns:a="http://schemas.openxmlformats.org/drawingml/2006/main" xmlns:r="http://schemas.openxmlformats.org/officeDocument/2006/relationships" xmlns:p="http://schemas.openxmlformats.org/presentationml/2006/main" xmlns:m="http://schemas.openxmlformats.org/officeDocument/2006/math" xmlns:a14="http://schemas.microsoft.com/office/drawing/2010/main" type="title" showMasterSp="1" showMasterPhAnim="1">
   <p:cSld name="Title &amp; Subtitle">
-    <p:bg>
-      <p:bgPr>
-        <a:solidFill>
-          <a:srgbClr val="222222"/>
-        </a:solidFill>
-      </p:bgPr>
-    </p:bg>
     <p:spTree>
       <p:nvGrpSpPr>
         <p:cNvPr id="1" name=""/>
@@ -523,73 +515,20 @@
       </p:grpSpPr>
       <p:sp>
         <p:nvSpPr>
-          <p:cNvPr id="12" name="Line"/>
-          <p:cNvSpPr/>
-          <p:nvPr/>
-        </p:nvSpPr>
-        <p:spPr>
-          <a:xfrm flipV="1">
-            <a:off x="762000" y="8635632"/>
-            <a:ext cx="22859999" cy="369"/>
-          </a:xfrm>
-          <a:prstGeom prst="line">
-            <a:avLst/>
-          </a:prstGeom>
-          <a:ln w="50800">
-            <a:solidFill>
-              <a:srgbClr val="A6AAA9"/>
-            </a:solidFill>
-            <a:miter lim="400000"/>
-          </a:ln>
-        </p:spPr>
-        <p:txBody>
-          <a:bodyPr lIns="50800" tIns="50800" rIns="50800" bIns="50800" anchor="ctr"/>
-          <a:lstStyle/>
-          <a:p>
-            <a:pPr defTabSz="457200">
-              <a:spcBef>
-                <a:spcPts val="0"/>
-              </a:spcBef>
-              <a:defRPr sz="1200">
-                <a:solidFill>
-                  <a:srgbClr val="000000"/>
-                </a:solidFill>
-                <a:latin typeface="Helvetica"/>
-                <a:ea typeface="Helvetica"/>
-                <a:cs typeface="Helvetica"/>
-                <a:sym typeface="Helvetica"/>
-              </a:defRPr>
-            </a:pPr>
-          </a:p>
-        </p:txBody>
-      </p:sp>
-      <p:sp>
-        <p:nvSpPr>
-          <p:cNvPr id="13" name="Title Text"/>
+          <p:cNvPr id="12" name="Title Text"/>
           <p:cNvSpPr txBox="1"/>
           <p:nvPr>
             <p:ph type="title"/>
           </p:nvPr>
         </p:nvSpPr>
         <p:spPr>
-          <a:xfrm>
-            <a:off x="762000" y="9042400"/>
-            <a:ext cx="22860000" cy="3810000"/>
-          </a:xfrm>
           <a:prstGeom prst="rect">
             <a:avLst/>
           </a:prstGeom>
         </p:spPr>
         <p:txBody>
           <a:bodyPr/>
-          <a:lstStyle>
-            <a:lvl1pPr>
-              <a:spcBef>
-                <a:spcPts val="0"/>
-              </a:spcBef>
-              <a:defRPr sz="30300"/>
-            </a:lvl1pPr>
-          </a:lstStyle>
+          <a:lstStyle/>
           <a:p>
             <a:pPr/>
             <a:r>
@@ -600,130 +539,20 @@
       </p:sp>
       <p:sp>
         <p:nvSpPr>
-          <p:cNvPr id="14" name="Body Level One…"/>
+          <p:cNvPr id="13" name="Body Level One…"/>
           <p:cNvSpPr txBox="1"/>
           <p:nvPr>
             <p:ph type="body" sz="quarter" idx="1"/>
           </p:nvPr>
         </p:nvSpPr>
         <p:spPr>
-          <a:xfrm>
-            <a:off x="762000" y="5994400"/>
-            <a:ext cx="22860000" cy="2540000"/>
-          </a:xfrm>
-          <a:prstGeom prst="rect">
-            <a:avLst/>
-          </a:prstGeom>
-        </p:spPr>
-        <p:txBody>
-          <a:bodyPr anchor="b"/>
-          <a:lstStyle>
-            <a:lvl1pPr marL="0" indent="0">
-              <a:lnSpc>
-                <a:spcPct val="80000"/>
-              </a:lnSpc>
-              <a:spcBef>
-                <a:spcPts val="3200"/>
-              </a:spcBef>
-              <a:buClrTx/>
-              <a:buSzTx/>
-              <a:buFontTx/>
-              <a:buNone/>
-              <a:defRPr cap="all" sz="7700">
-                <a:solidFill>
-                  <a:srgbClr val="A6AAA9"/>
-                </a:solidFill>
-                <a:latin typeface="DIN Alternate Bold"/>
-                <a:ea typeface="DIN Alternate Bold"/>
-                <a:cs typeface="DIN Alternate Bold"/>
-                <a:sym typeface="DIN Alternate Bold"/>
-              </a:defRPr>
-            </a:lvl1pPr>
-            <a:lvl2pPr marL="0" indent="0">
-              <a:lnSpc>
-                <a:spcPct val="80000"/>
-              </a:lnSpc>
-              <a:spcBef>
-                <a:spcPts val="3200"/>
-              </a:spcBef>
-              <a:buClrTx/>
-              <a:buSzTx/>
-              <a:buFontTx/>
-              <a:buNone/>
-              <a:defRPr cap="all" sz="7700">
-                <a:solidFill>
-                  <a:srgbClr val="A6AAA9"/>
-                </a:solidFill>
-                <a:latin typeface="DIN Alternate Bold"/>
-                <a:ea typeface="DIN Alternate Bold"/>
-                <a:cs typeface="DIN Alternate Bold"/>
-                <a:sym typeface="DIN Alternate Bold"/>
-              </a:defRPr>
-            </a:lvl2pPr>
-            <a:lvl3pPr marL="0" indent="0">
-              <a:lnSpc>
-                <a:spcPct val="80000"/>
-              </a:lnSpc>
-              <a:spcBef>
-                <a:spcPts val="3200"/>
-              </a:spcBef>
-              <a:buClrTx/>
-              <a:buSzTx/>
-              <a:buFontTx/>
-              <a:buNone/>
-              <a:defRPr cap="all" sz="7700">
-                <a:solidFill>
-                  <a:srgbClr val="A6AAA9"/>
-                </a:solidFill>
-                <a:latin typeface="DIN Alternate Bold"/>
-                <a:ea typeface="DIN Alternate Bold"/>
-                <a:cs typeface="DIN Alternate Bold"/>
-                <a:sym typeface="DIN Alternate Bold"/>
-              </a:defRPr>
-            </a:lvl3pPr>
-            <a:lvl4pPr marL="0" indent="0">
-              <a:lnSpc>
-                <a:spcPct val="80000"/>
-              </a:lnSpc>
-              <a:spcBef>
-                <a:spcPts val="3200"/>
-              </a:spcBef>
-              <a:buClrTx/>
-              <a:buSzTx/>
-              <a:buFontTx/>
-              <a:buNone/>
-              <a:defRPr cap="all" sz="7700">
-                <a:solidFill>
-                  <a:srgbClr val="A6AAA9"/>
-                </a:solidFill>
-                <a:latin typeface="DIN Alternate Bold"/>
-                <a:ea typeface="DIN Alternate Bold"/>
-                <a:cs typeface="DIN Alternate Bold"/>
-                <a:sym typeface="DIN Alternate Bold"/>
-              </a:defRPr>
-            </a:lvl4pPr>
-            <a:lvl5pPr marL="0" indent="0">
-              <a:lnSpc>
-                <a:spcPct val="80000"/>
-              </a:lnSpc>
-              <a:spcBef>
-                <a:spcPts val="3200"/>
-              </a:spcBef>
-              <a:buClrTx/>
-              <a:buSzTx/>
-              <a:buFontTx/>
-              <a:buNone/>
-              <a:defRPr cap="all" sz="7700">
-                <a:solidFill>
-                  <a:srgbClr val="A6AAA9"/>
-                </a:solidFill>
-                <a:latin typeface="DIN Alternate Bold"/>
-                <a:ea typeface="DIN Alternate Bold"/>
-                <a:cs typeface="DIN Alternate Bold"/>
-                <a:sym typeface="DIN Alternate Bold"/>
-              </a:defRPr>
-            </a:lvl5pPr>
-          </a:lstStyle>
+          <a:prstGeom prst="rect">
+            <a:avLst/>
+          </a:prstGeom>
+        </p:spPr>
+        <p:txBody>
+          <a:bodyPr/>
+          <a:lstStyle/>
           <a:p>
             <a:pPr/>
             <a:r>
@@ -758,17 +587,13 @@
       </p:sp>
       <p:sp>
         <p:nvSpPr>
-          <p:cNvPr id="15" name="Slide Number"/>
+          <p:cNvPr id="14" name="Slide Number"/>
           <p:cNvSpPr txBox="1"/>
           <p:nvPr>
             <p:ph type="sldNum" sz="quarter" idx="2"/>
           </p:nvPr>
         </p:nvSpPr>
         <p:spPr>
-          <a:xfrm>
-            <a:off x="23063200" y="609600"/>
-            <a:ext cx="553195" cy="635000"/>
-          </a:xfrm>
           <a:prstGeom prst="rect">
             <a:avLst/>
           </a:prstGeom>
@@ -792,15 +617,8 @@
 </file>
 
 <file path=ppt/slideLayouts/slideLayout10.xml><?xml version="1.0" encoding="utf-8"?>
-<p:sldLayout xmlns:a="http://schemas.openxmlformats.org/drawingml/2006/main" xmlns:r="http://schemas.openxmlformats.org/officeDocument/2006/relationships" xmlns:p="http://schemas.openxmlformats.org/presentationml/2006/main" xmlns:m="http://schemas.openxmlformats.org/officeDocument/2006/math" xmlns:a14="http://schemas.microsoft.com/office/drawing/2010/main" type="tx" showMasterSp="1" showMasterPhAnim="1">
+<p:sldLayout xmlns:a="http://schemas.openxmlformats.org/drawingml/2006/main" xmlns:r="http://schemas.openxmlformats.org/officeDocument/2006/relationships" xmlns:p="http://schemas.openxmlformats.org/presentationml/2006/main" xmlns:m="http://schemas.openxmlformats.org/officeDocument/2006/math" xmlns:a14="http://schemas.microsoft.com/office/drawing/2010/main" type="tx" showMasterSp="0" showMasterPhAnim="1">
   <p:cSld name="Bullets">
-    <p:bg>
-      <p:bgPr>
-        <a:solidFill>
-          <a:srgbClr val="222222"/>
-        </a:solidFill>
-      </p:bgPr>
-    </p:bg>
     <p:spTree>
       <p:nvGrpSpPr>
         <p:cNvPr id="1" name=""/>
@@ -817,10 +635,45 @@
       </p:grpSpPr>
       <p:sp>
         <p:nvSpPr>
-          <p:cNvPr id="102" name="Text"/>
+          <p:cNvPr id="103" name="Line"/>
+          <p:cNvSpPr/>
+          <p:nvPr/>
+        </p:nvSpPr>
+        <p:spPr>
+          <a:xfrm flipV="1">
+            <a:off x="761999" y="1396631"/>
+            <a:ext cx="22860000" cy="370"/>
+          </a:xfrm>
+          <a:prstGeom prst="line">
+            <a:avLst/>
+          </a:prstGeom>
+          <a:ln w="25400">
+            <a:solidFill>
+              <a:srgbClr val="A6AAA9"/>
+            </a:solidFill>
+            <a:miter lim="400000"/>
+          </a:ln>
+        </p:spPr>
+        <p:txBody>
+          <a:bodyPr lIns="45718" tIns="45718" rIns="45718" bIns="45718"/>
+          <a:lstStyle/>
+          <a:p>
+            <a:pPr>
+              <a:defRPr>
+                <a:solidFill>
+                  <a:srgbClr val="838787"/>
+                </a:solidFill>
+              </a:defRPr>
+            </a:pPr>
+          </a:p>
+        </p:txBody>
+      </p:sp>
+      <p:sp>
+        <p:nvSpPr>
+          <p:cNvPr id="104" name="Body Level One…"/>
           <p:cNvSpPr txBox="1"/>
           <p:nvPr>
-            <p:ph type="body" sz="quarter" idx="21"/>
+            <p:ph type="body" sz="quarter" idx="1"/>
           </p:nvPr>
         </p:nvSpPr>
         <p:spPr>
@@ -833,130 +686,159 @@
           </a:prstGeom>
         </p:spPr>
         <p:txBody>
-          <a:bodyPr anchor="b">
-            <a:spAutoFit/>
-          </a:bodyPr>
+          <a:bodyPr/>
           <a:lstStyle>
-            <a:lvl1pPr marL="0" indent="0" defTabSz="647700">
-              <a:lnSpc>
-                <a:spcPct val="80000"/>
-              </a:lnSpc>
+            <a:lvl1pPr defTabSz="647700">
               <a:spcBef>
                 <a:spcPts val="0"/>
               </a:spcBef>
-              <a:buClrTx/>
-              <a:buSzTx/>
-              <a:buFontTx/>
-              <a:buNone/>
-              <a:defRPr cap="all" spc="180" sz="3600">
-                <a:latin typeface="DIN Alternate Bold"/>
-                <a:ea typeface="DIN Alternate Bold"/>
-                <a:cs typeface="DIN Alternate Bold"/>
-                <a:sym typeface="DIN Alternate Bold"/>
+              <a:defRPr spc="180" sz="3600">
+                <a:solidFill>
+                  <a:srgbClr val="838787"/>
+                </a:solidFill>
               </a:defRPr>
             </a:lvl1pPr>
+            <a:lvl2pPr marL="1111250" indent="-476250" defTabSz="647700">
+              <a:spcBef>
+                <a:spcPts val="0"/>
+              </a:spcBef>
+              <a:buSzPct val="104999"/>
+              <a:buChar char="‣"/>
+              <a:defRPr spc="180" sz="3600">
+                <a:solidFill>
+                  <a:srgbClr val="838787"/>
+                </a:solidFill>
+              </a:defRPr>
+            </a:lvl2pPr>
+            <a:lvl3pPr marL="1746250" indent="-476250" defTabSz="647700">
+              <a:spcBef>
+                <a:spcPts val="0"/>
+              </a:spcBef>
+              <a:buSzPct val="104999"/>
+              <a:buChar char="‣"/>
+              <a:defRPr spc="180" sz="3600">
+                <a:solidFill>
+                  <a:srgbClr val="838787"/>
+                </a:solidFill>
+              </a:defRPr>
+            </a:lvl3pPr>
+            <a:lvl4pPr marL="2381250" indent="-476250" defTabSz="647700">
+              <a:spcBef>
+                <a:spcPts val="0"/>
+              </a:spcBef>
+              <a:buSzPct val="104999"/>
+              <a:buChar char="‣"/>
+              <a:defRPr spc="180" sz="3600">
+                <a:solidFill>
+                  <a:srgbClr val="838787"/>
+                </a:solidFill>
+              </a:defRPr>
+            </a:lvl4pPr>
+            <a:lvl5pPr marL="3016250" indent="-476250" defTabSz="647700">
+              <a:spcBef>
+                <a:spcPts val="0"/>
+              </a:spcBef>
+              <a:buSzPct val="104999"/>
+              <a:buChar char="‣"/>
+              <a:defRPr spc="180" sz="3600">
+                <a:solidFill>
+                  <a:srgbClr val="838787"/>
+                </a:solidFill>
+              </a:defRPr>
+            </a:lvl5pPr>
           </a:lstStyle>
           <a:p>
             <a:pPr/>
             <a:r>
-              <a:t>Text</a:t>
-            </a:r>
-          </a:p>
-        </p:txBody>
-      </p:sp>
-      <p:sp>
-        <p:nvSpPr>
-          <p:cNvPr id="103" name="Body Level One…"/>
+              <a:t>Body Level One</a:t>
+            </a:r>
+          </a:p>
+          <a:p>
+            <a:pPr lvl="1"/>
+            <a:r>
+              <a:t>Body Level Two</a:t>
+            </a:r>
+          </a:p>
+          <a:p>
+            <a:pPr lvl="2"/>
+            <a:r>
+              <a:t>Body Level Three</a:t>
+            </a:r>
+          </a:p>
+          <a:p>
+            <a:pPr lvl="3"/>
+            <a:r>
+              <a:t>Body Level Four</a:t>
+            </a:r>
+          </a:p>
+          <a:p>
+            <a:pPr lvl="4"/>
+            <a:r>
+              <a:t>Body Level Five</a:t>
+            </a:r>
+          </a:p>
+        </p:txBody>
+      </p:sp>
+      <p:sp>
+        <p:nvSpPr>
+          <p:cNvPr id="105" name="Body Level One…"/>
           <p:cNvSpPr txBox="1"/>
           <p:nvPr>
-            <p:ph type="body" idx="1"/>
+            <p:ph type="body" idx="21"/>
           </p:nvPr>
         </p:nvSpPr>
         <p:spPr>
-          <a:prstGeom prst="rect">
-            <a:avLst/>
-          </a:prstGeom>
-        </p:spPr>
-        <p:txBody>
-          <a:bodyPr/>
-          <a:lstStyle>
-            <a:lvl1pPr>
+          <a:xfrm>
+            <a:off x="762000" y="3860800"/>
+            <a:ext cx="22860000" cy="8585200"/>
+          </a:xfrm>
+          <a:prstGeom prst="rect">
+            <a:avLst/>
+          </a:prstGeom>
+        </p:spPr>
+        <p:txBody>
+          <a:bodyPr anchor="t"/>
+          <a:lstStyle/>
+          <a:p>
+            <a:pPr marL="635000" indent="-635000">
+              <a:lnSpc>
+                <a:spcPct val="100000"/>
+              </a:lnSpc>
+              <a:spcBef>
+                <a:spcPts val="3900"/>
+              </a:spcBef>
               <a:buClr>
                 <a:schemeClr val="accent1"/>
               </a:buClr>
               <a:buSzPct val="125000"/>
+              <a:buFont typeface="Avenir Next Regular"/>
               <a:buChar char="▸"/>
-            </a:lvl1pPr>
-            <a:lvl2pPr>
-              <a:buClr>
-                <a:schemeClr val="accent1"/>
-              </a:buClr>
-              <a:buSzPct val="125000"/>
-              <a:buChar char="▸"/>
-            </a:lvl2pPr>
-            <a:lvl3pPr>
-              <a:buClr>
-                <a:schemeClr val="accent1"/>
-              </a:buClr>
-              <a:buSzPct val="125000"/>
-              <a:buChar char="▸"/>
-            </a:lvl3pPr>
-            <a:lvl4pPr>
-              <a:buClr>
-                <a:schemeClr val="accent1"/>
-              </a:buClr>
-              <a:buSzPct val="125000"/>
-              <a:buChar char="▸"/>
-            </a:lvl4pPr>
-            <a:lvl5pPr>
-              <a:buClr>
-                <a:schemeClr val="accent1"/>
-              </a:buClr>
-              <a:buSzPct val="125000"/>
-              <a:buChar char="▸"/>
-            </a:lvl5pPr>
-          </a:lstStyle>
-          <a:p>
-            <a:pPr/>
-            <a:r>
-              <a:t>Body Level One</a:t>
-            </a:r>
-          </a:p>
-          <a:p>
-            <a:pPr lvl="1"/>
-            <a:r>
-              <a:t>Body Level Two</a:t>
-            </a:r>
-          </a:p>
-          <a:p>
-            <a:pPr lvl="2"/>
-            <a:r>
-              <a:t>Body Level Three</a:t>
-            </a:r>
-          </a:p>
-          <a:p>
-            <a:pPr lvl="3"/>
-            <a:r>
-              <a:t>Body Level Four</a:t>
-            </a:r>
-          </a:p>
-          <a:p>
-            <a:pPr lvl="4"/>
-            <a:r>
-              <a:t>Body Level Five</a:t>
-            </a:r>
-          </a:p>
-        </p:txBody>
-      </p:sp>
-      <p:sp>
-        <p:nvSpPr>
-          <p:cNvPr id="104" name="Slide Number"/>
+              <a:defRPr cap="none" sz="4800">
+                <a:solidFill>
+                  <a:srgbClr val="838787"/>
+                </a:solidFill>
+                <a:latin typeface="Avenir Next Medium"/>
+                <a:ea typeface="Avenir Next Medium"/>
+                <a:cs typeface="Avenir Next Medium"/>
+                <a:sym typeface="Avenir Next Medium"/>
+              </a:defRPr>
+            </a:pPr>
+          </a:p>
+        </p:txBody>
+      </p:sp>
+      <p:sp>
+        <p:nvSpPr>
+          <p:cNvPr id="106" name="Slide Number"/>
           <p:cNvSpPr txBox="1"/>
           <p:nvPr>
             <p:ph type="sldNum" sz="quarter" idx="2"/>
           </p:nvPr>
         </p:nvSpPr>
         <p:spPr>
+          <a:xfrm>
+            <a:off x="23059652" y="609600"/>
+            <a:ext cx="553196" cy="635000"/>
+          </a:xfrm>
           <a:prstGeom prst="rect">
             <a:avLst/>
           </a:prstGeom>
@@ -982,13 +864,6 @@
 <file path=ppt/slideLayouts/slideLayout11.xml><?xml version="1.0" encoding="utf-8"?>
 <p:sldLayout xmlns:a="http://schemas.openxmlformats.org/drawingml/2006/main" xmlns:r="http://schemas.openxmlformats.org/officeDocument/2006/relationships" xmlns:p="http://schemas.openxmlformats.org/presentationml/2006/main" xmlns:m="http://schemas.openxmlformats.org/officeDocument/2006/math" xmlns:a14="http://schemas.microsoft.com/office/drawing/2010/main" type="tx" showMasterSp="0" showMasterPhAnim="1">
   <p:cSld name="Photo - 3 Up">
-    <p:bg>
-      <p:bgPr>
-        <a:solidFill>
-          <a:srgbClr val="222222"/>
-        </a:solidFill>
-      </p:bgPr>
-    </p:bg>
     <p:spTree>
       <p:nvGrpSpPr>
         <p:cNvPr id="1" name=""/>
@@ -1005,7 +880,7 @@
       </p:grpSpPr>
       <p:sp>
         <p:nvSpPr>
-          <p:cNvPr id="111" name="Black and white photo of a solar panel"/>
+          <p:cNvPr id="113" name="Black and white photo of a solar panel"/>
           <p:cNvSpPr/>
           <p:nvPr>
             <p:ph type="pic" sz="half" idx="21"/>
@@ -1021,7 +896,7 @@
           </a:prstGeom>
         </p:spPr>
         <p:txBody>
-          <a:bodyPr lIns="91439" tIns="45719" rIns="91439" bIns="45719">
+          <a:bodyPr lIns="91439" tIns="45719" rIns="91439" bIns="45719" anchor="t">
             <a:noAutofit/>
           </a:bodyPr>
           <a:lstStyle/>
@@ -1032,7 +907,7 @@
       </p:sp>
       <p:sp>
         <p:nvSpPr>
-          <p:cNvPr id="112" name="Black and white photo of water flowing over the spillway gates of a dam"/>
+          <p:cNvPr id="114" name="Black and white photo of water flowing over the spillway gates of a dam"/>
           <p:cNvSpPr/>
           <p:nvPr>
             <p:ph type="pic" sz="half" idx="22"/>
@@ -1048,7 +923,7 @@
           </a:prstGeom>
         </p:spPr>
         <p:txBody>
-          <a:bodyPr lIns="91439" tIns="45719" rIns="91439" bIns="45719">
+          <a:bodyPr lIns="91439" tIns="45719" rIns="91439" bIns="45719" anchor="t">
             <a:noAutofit/>
           </a:bodyPr>
           <a:lstStyle/>
@@ -1059,7 +934,7 @@
       </p:sp>
       <p:sp>
         <p:nvSpPr>
-          <p:cNvPr id="113" name="Black and white photo of windmills under a cloudy sky"/>
+          <p:cNvPr id="115" name="Black and white photo of windmills under a cloudy sky"/>
           <p:cNvSpPr/>
           <p:nvPr>
             <p:ph type="pic" idx="23"/>
@@ -1075,7 +950,7 @@
           </a:prstGeom>
         </p:spPr>
         <p:txBody>
-          <a:bodyPr lIns="91439" tIns="45719" rIns="91439" bIns="45719">
+          <a:bodyPr lIns="91439" tIns="45719" rIns="91439" bIns="45719" anchor="t">
             <a:noAutofit/>
           </a:bodyPr>
           <a:lstStyle/>
@@ -1086,13 +961,17 @@
       </p:sp>
       <p:sp>
         <p:nvSpPr>
-          <p:cNvPr id="114" name="Slide Number"/>
+          <p:cNvPr id="116" name="Slide Number"/>
           <p:cNvSpPr txBox="1"/>
           <p:nvPr>
             <p:ph type="sldNum" sz="quarter" idx="2"/>
           </p:nvPr>
         </p:nvSpPr>
         <p:spPr>
+          <a:xfrm>
+            <a:off x="23059652" y="609600"/>
+            <a:ext cx="553196" cy="635000"/>
+          </a:xfrm>
           <a:prstGeom prst="rect">
             <a:avLst/>
           </a:prstGeom>
@@ -1116,15 +995,8 @@
 </file>
 
 <file path=ppt/slideLayouts/slideLayout12.xml><?xml version="1.0" encoding="utf-8"?>
-<p:sldLayout xmlns:a="http://schemas.openxmlformats.org/drawingml/2006/main" xmlns:r="http://schemas.openxmlformats.org/officeDocument/2006/relationships" xmlns:p="http://schemas.openxmlformats.org/presentationml/2006/main" xmlns:m="http://schemas.openxmlformats.org/officeDocument/2006/math" xmlns:a14="http://schemas.microsoft.com/office/drawing/2010/main" type="tx" showMasterSp="1" showMasterPhAnim="1">
+<p:sldLayout xmlns:a="http://schemas.openxmlformats.org/drawingml/2006/main" xmlns:r="http://schemas.openxmlformats.org/officeDocument/2006/relationships" xmlns:p="http://schemas.openxmlformats.org/presentationml/2006/main" xmlns:m="http://schemas.openxmlformats.org/officeDocument/2006/math" xmlns:a14="http://schemas.microsoft.com/office/drawing/2010/main" type="tx" showMasterSp="0" showMasterPhAnim="1">
   <p:cSld name="Quote">
-    <p:bg>
-      <p:bgPr>
-        <a:solidFill>
-          <a:srgbClr val="222222"/>
-        </a:solidFill>
-      </p:bgPr>
-    </p:bg>
     <p:spTree>
       <p:nvGrpSpPr>
         <p:cNvPr id="1" name=""/>
@@ -1141,14 +1013,49 @@
       </p:grpSpPr>
       <p:sp>
         <p:nvSpPr>
-          <p:cNvPr id="121" name="Callout"/>
+          <p:cNvPr id="123" name="Line"/>
           <p:cNvSpPr/>
           <p:nvPr/>
         </p:nvSpPr>
         <p:spPr>
+          <a:xfrm flipV="1">
+            <a:off x="761999" y="1396631"/>
+            <a:ext cx="22860000" cy="370"/>
+          </a:xfrm>
+          <a:prstGeom prst="line">
+            <a:avLst/>
+          </a:prstGeom>
+          <a:ln w="25400">
+            <a:solidFill>
+              <a:srgbClr val="A6AAA9"/>
+            </a:solidFill>
+            <a:miter lim="400000"/>
+          </a:ln>
+        </p:spPr>
+        <p:txBody>
+          <a:bodyPr lIns="45718" tIns="45718" rIns="45718" bIns="45718"/>
+          <a:lstStyle/>
+          <a:p>
+            <a:pPr>
+              <a:defRPr>
+                <a:solidFill>
+                  <a:srgbClr val="838787"/>
+                </a:solidFill>
+              </a:defRPr>
+            </a:pPr>
+          </a:p>
+        </p:txBody>
+      </p:sp>
+      <p:sp>
+        <p:nvSpPr>
+          <p:cNvPr id="124" name="Callout"/>
+          <p:cNvSpPr/>
+          <p:nvPr/>
+        </p:nvSpPr>
+        <p:spPr>
           <a:xfrm>
             <a:off x="876300" y="3314700"/>
-            <a:ext cx="22631400" cy="7317185"/>
+            <a:ext cx="22631400" cy="7317186"/>
           </a:xfrm>
           <a:custGeom>
             <a:avLst/>
@@ -1241,18 +1148,145 @@
                 <a:solidFill>
                   <a:srgbClr val="FFFFFF"/>
                 </a:solidFill>
-                <a:latin typeface="+mn-lt"/>
-                <a:ea typeface="+mn-ea"/>
-                <a:cs typeface="+mn-cs"/>
+              </a:defRPr>
+            </a:pPr>
+          </a:p>
+        </p:txBody>
+      </p:sp>
+      <p:sp>
+        <p:nvSpPr>
+          <p:cNvPr id="125" name="Body Level One…"/>
+          <p:cNvSpPr txBox="1"/>
+          <p:nvPr>
+            <p:ph type="body" sz="quarter" idx="1"/>
+          </p:nvPr>
+        </p:nvSpPr>
+        <p:spPr>
+          <a:xfrm>
+            <a:off x="1676400" y="4089400"/>
+            <a:ext cx="21056600" cy="1805946"/>
+          </a:xfrm>
+          <a:prstGeom prst="rect">
+            <a:avLst/>
+          </a:prstGeom>
+        </p:spPr>
+        <p:txBody>
+          <a:bodyPr anchor="t"/>
+          <a:lstStyle>
+            <a:lvl1pPr>
+              <a:spcBef>
+                <a:spcPts val="0"/>
+              </a:spcBef>
+              <a:defRPr sz="13400">
+                <a:solidFill>
+                  <a:srgbClr val="FFFFFF"/>
+                </a:solidFill>
+                <a:latin typeface="DIN Condensed Bold"/>
+                <a:ea typeface="DIN Condensed Bold"/>
+                <a:cs typeface="DIN Condensed Bold"/>
                 <a:sym typeface="DIN Condensed Bold"/>
               </a:defRPr>
-            </a:pPr>
-          </a:p>
-        </p:txBody>
-      </p:sp>
-      <p:sp>
-        <p:nvSpPr>
-          <p:cNvPr id="122" name="Type a quote here."/>
+            </a:lvl1pPr>
+            <a:lvl2pPr marL="2407708" indent="-1772708">
+              <a:spcBef>
+                <a:spcPts val="0"/>
+              </a:spcBef>
+              <a:buSzPct val="104999"/>
+              <a:buChar char="‣"/>
+              <a:defRPr sz="13400">
+                <a:solidFill>
+                  <a:srgbClr val="FFFFFF"/>
+                </a:solidFill>
+                <a:latin typeface="DIN Condensed Bold"/>
+                <a:ea typeface="DIN Condensed Bold"/>
+                <a:cs typeface="DIN Condensed Bold"/>
+                <a:sym typeface="DIN Condensed Bold"/>
+              </a:defRPr>
+            </a:lvl2pPr>
+            <a:lvl3pPr marL="3042708" indent="-1772708">
+              <a:spcBef>
+                <a:spcPts val="0"/>
+              </a:spcBef>
+              <a:buSzPct val="104999"/>
+              <a:buChar char="‣"/>
+              <a:defRPr sz="13400">
+                <a:solidFill>
+                  <a:srgbClr val="FFFFFF"/>
+                </a:solidFill>
+                <a:latin typeface="DIN Condensed Bold"/>
+                <a:ea typeface="DIN Condensed Bold"/>
+                <a:cs typeface="DIN Condensed Bold"/>
+                <a:sym typeface="DIN Condensed Bold"/>
+              </a:defRPr>
+            </a:lvl3pPr>
+            <a:lvl4pPr marL="3677708" indent="-1772708">
+              <a:spcBef>
+                <a:spcPts val="0"/>
+              </a:spcBef>
+              <a:buSzPct val="104999"/>
+              <a:buChar char="‣"/>
+              <a:defRPr sz="13400">
+                <a:solidFill>
+                  <a:srgbClr val="FFFFFF"/>
+                </a:solidFill>
+                <a:latin typeface="DIN Condensed Bold"/>
+                <a:ea typeface="DIN Condensed Bold"/>
+                <a:cs typeface="DIN Condensed Bold"/>
+                <a:sym typeface="DIN Condensed Bold"/>
+              </a:defRPr>
+            </a:lvl4pPr>
+            <a:lvl5pPr marL="4312708" indent="-1772708">
+              <a:spcBef>
+                <a:spcPts val="0"/>
+              </a:spcBef>
+              <a:buSzPct val="104999"/>
+              <a:buChar char="‣"/>
+              <a:defRPr sz="13400">
+                <a:solidFill>
+                  <a:srgbClr val="FFFFFF"/>
+                </a:solidFill>
+                <a:latin typeface="DIN Condensed Bold"/>
+                <a:ea typeface="DIN Condensed Bold"/>
+                <a:cs typeface="DIN Condensed Bold"/>
+                <a:sym typeface="DIN Condensed Bold"/>
+              </a:defRPr>
+            </a:lvl5pPr>
+          </a:lstStyle>
+          <a:p>
+            <a:pPr/>
+            <a:r>
+              <a:t>Body Level One</a:t>
+            </a:r>
+          </a:p>
+          <a:p>
+            <a:pPr lvl="1"/>
+            <a:r>
+              <a:t>Body Level Two</a:t>
+            </a:r>
+          </a:p>
+          <a:p>
+            <a:pPr lvl="2"/>
+            <a:r>
+              <a:t>Body Level Three</a:t>
+            </a:r>
+          </a:p>
+          <a:p>
+            <a:pPr lvl="3"/>
+            <a:r>
+              <a:t>Body Level Four</a:t>
+            </a:r>
+          </a:p>
+          <a:p>
+            <a:pPr lvl="4"/>
+            <a:r>
+              <a:t>Body Level Five</a:t>
+            </a:r>
+          </a:p>
+        </p:txBody>
+      </p:sp>
+      <p:sp>
+        <p:nvSpPr>
+          <p:cNvPr id="126" name="Johnny Appleseed"/>
           <p:cNvSpPr txBox="1"/>
           <p:nvPr>
             <p:ph type="body" sz="quarter" idx="21"/>
@@ -1260,51 +1294,37 @@
         </p:nvSpPr>
         <p:spPr>
           <a:xfrm>
-            <a:off x="1676400" y="4089400"/>
-            <a:ext cx="21056600" cy="1805946"/>
-          </a:xfrm>
-          <a:prstGeom prst="rect">
-            <a:avLst/>
-          </a:prstGeom>
-        </p:spPr>
-        <p:txBody>
-          <a:bodyPr>
-            <a:spAutoFit/>
-          </a:bodyPr>
-          <a:lstStyle>
-            <a:lvl1pPr marL="0" indent="0">
-              <a:lnSpc>
-                <a:spcPct val="80000"/>
-              </a:lnSpc>
+            <a:off x="762000" y="10953750"/>
+            <a:ext cx="22860000" cy="1206500"/>
+          </a:xfrm>
+          <a:prstGeom prst="rect">
+            <a:avLst/>
+          </a:prstGeom>
+        </p:spPr>
+        <p:txBody>
+          <a:bodyPr anchor="ctr"/>
+          <a:lstStyle/>
+          <a:p>
+            <a:pPr algn="r">
               <a:spcBef>
                 <a:spcPts val="0"/>
               </a:spcBef>
-              <a:buClrTx/>
-              <a:buSzTx/>
-              <a:buFontTx/>
-              <a:buNone/>
-              <a:defRPr cap="all" sz="13400">
-                <a:solidFill>
-                  <a:srgbClr val="FFFFFF"/>
-                </a:solidFill>
-                <a:latin typeface="+mn-lt"/>
-                <a:ea typeface="+mn-ea"/>
-                <a:cs typeface="+mn-cs"/>
+              <a:defRPr cap="none" sz="8700">
+                <a:solidFill>
+                  <a:srgbClr val="838787"/>
+                </a:solidFill>
+                <a:latin typeface="DIN Condensed Bold"/>
+                <a:ea typeface="DIN Condensed Bold"/>
+                <a:cs typeface="DIN Condensed Bold"/>
                 <a:sym typeface="DIN Condensed Bold"/>
               </a:defRPr>
-            </a:lvl1pPr>
-          </a:lstStyle>
-          <a:p>
-            <a:pPr/>
-            <a:r>
-              <a:t>Type a quote here.</a:t>
-            </a:r>
-          </a:p>
-        </p:txBody>
-      </p:sp>
-      <p:sp>
-        <p:nvSpPr>
-          <p:cNvPr id="123" name="Johnny Appleseed"/>
+            </a:pPr>
+          </a:p>
+        </p:txBody>
+      </p:sp>
+      <p:sp>
+        <p:nvSpPr>
+          <p:cNvPr id="127" name="Text"/>
           <p:cNvSpPr txBox="1"/>
           <p:nvPr>
             <p:ph type="body" sz="quarter" idx="22"/>
@@ -1312,103 +1332,43 @@
         </p:nvSpPr>
         <p:spPr>
           <a:xfrm>
-            <a:off x="762000" y="10953750"/>
-            <a:ext cx="22860000" cy="1206500"/>
-          </a:xfrm>
-          <a:prstGeom prst="rect">
-            <a:avLst/>
-          </a:prstGeom>
-        </p:spPr>
-        <p:txBody>
-          <a:bodyPr anchor="ctr">
-            <a:spAutoFit/>
-          </a:bodyPr>
-          <a:lstStyle>
-            <a:lvl1pPr marL="0" indent="0" algn="r">
-              <a:lnSpc>
-                <a:spcPct val="80000"/>
-              </a:lnSpc>
+            <a:off x="762000" y="635000"/>
+            <a:ext cx="20955000" cy="635000"/>
+          </a:xfrm>
+          <a:prstGeom prst="rect">
+            <a:avLst/>
+          </a:prstGeom>
+        </p:spPr>
+        <p:txBody>
+          <a:bodyPr/>
+          <a:lstStyle/>
+          <a:p>
+            <a:pPr defTabSz="647700">
               <a:spcBef>
                 <a:spcPts val="0"/>
               </a:spcBef>
-              <a:buClrTx/>
-              <a:buSzTx/>
-              <a:buFontTx/>
-              <a:buNone/>
-              <a:defRPr sz="8700">
-                <a:latin typeface="+mn-lt"/>
-                <a:ea typeface="+mn-ea"/>
-                <a:cs typeface="+mn-cs"/>
-                <a:sym typeface="DIN Condensed Bold"/>
-              </a:defRPr>
-            </a:lvl1pPr>
-          </a:lstStyle>
-          <a:p>
-            <a:pPr/>
-            <a:r>
-              <a:t>Johnny Appleseed</a:t>
-            </a:r>
-          </a:p>
-        </p:txBody>
-      </p:sp>
-      <p:sp>
-        <p:nvSpPr>
-          <p:cNvPr id="124" name="Text"/>
-          <p:cNvSpPr txBox="1"/>
-          <p:nvPr>
-            <p:ph type="body" sz="quarter" idx="23"/>
-          </p:nvPr>
-        </p:nvSpPr>
-        <p:spPr>
-          <a:xfrm>
-            <a:off x="762000" y="635000"/>
-            <a:ext cx="20955000" cy="635000"/>
-          </a:xfrm>
-          <a:prstGeom prst="rect">
-            <a:avLst/>
-          </a:prstGeom>
-        </p:spPr>
-        <p:txBody>
-          <a:bodyPr anchor="b">
-            <a:spAutoFit/>
-          </a:bodyPr>
-          <a:lstStyle>
-            <a:lvl1pPr marL="0" indent="0" defTabSz="647700">
-              <a:lnSpc>
-                <a:spcPct val="80000"/>
-              </a:lnSpc>
-              <a:spcBef>
-                <a:spcPts val="0"/>
-              </a:spcBef>
-              <a:buClrTx/>
-              <a:buSzTx/>
-              <a:buFontTx/>
-              <a:buNone/>
-              <a:defRPr cap="all" spc="180" sz="3600">
-                <a:latin typeface="DIN Alternate Bold"/>
-                <a:ea typeface="DIN Alternate Bold"/>
-                <a:cs typeface="DIN Alternate Bold"/>
-                <a:sym typeface="DIN Alternate Bold"/>
-              </a:defRPr>
-            </a:lvl1pPr>
-          </a:lstStyle>
-          <a:p>
-            <a:pPr/>
-            <a:r>
-              <a:t>Text</a:t>
-            </a:r>
-          </a:p>
-        </p:txBody>
-      </p:sp>
-      <p:sp>
-        <p:nvSpPr>
-          <p:cNvPr id="125" name="Slide Number"/>
+              <a:defRPr spc="100" sz="3600">
+                <a:solidFill>
+                  <a:srgbClr val="838787"/>
+                </a:solidFill>
+              </a:defRPr>
+            </a:pPr>
+          </a:p>
+        </p:txBody>
+      </p:sp>
+      <p:sp>
+        <p:nvSpPr>
+          <p:cNvPr id="128" name="Slide Number"/>
           <p:cNvSpPr txBox="1"/>
           <p:nvPr>
             <p:ph type="sldNum" sz="quarter" idx="2"/>
           </p:nvPr>
         </p:nvSpPr>
         <p:spPr>
+          <a:xfrm>
+            <a:off x="23059652" y="609600"/>
+            <a:ext cx="553196" cy="635000"/>
+          </a:xfrm>
           <a:prstGeom prst="rect">
             <a:avLst/>
           </a:prstGeom>
@@ -1457,10 +1417,10 @@
       </p:grpSpPr>
       <p:sp>
         <p:nvSpPr>
-          <p:cNvPr id="132" name="Type a quote here."/>
+          <p:cNvPr id="135" name="Body Level One…"/>
           <p:cNvSpPr txBox="1"/>
           <p:nvPr>
-            <p:ph type="body" sz="quarter" idx="21"/>
+            <p:ph type="body" sz="quarter" idx="1"/>
           </p:nvPr>
         </p:nvSpPr>
         <p:spPr>
@@ -1473,125 +1433,200 @@
           </a:prstGeom>
         </p:spPr>
         <p:txBody>
-          <a:bodyPr>
-            <a:spAutoFit/>
+          <a:bodyPr anchor="t"/>
+          <a:lstStyle>
+            <a:lvl1pPr>
+              <a:spcBef>
+                <a:spcPts val="0"/>
+              </a:spcBef>
+              <a:defRPr sz="13400">
+                <a:solidFill>
+                  <a:srgbClr val="FFFFFF"/>
+                </a:solidFill>
+                <a:latin typeface="DIN Condensed Bold"/>
+                <a:ea typeface="DIN Condensed Bold"/>
+                <a:cs typeface="DIN Condensed Bold"/>
+                <a:sym typeface="DIN Condensed Bold"/>
+              </a:defRPr>
+            </a:lvl1pPr>
+            <a:lvl2pPr marL="2407708" indent="-1772708">
+              <a:spcBef>
+                <a:spcPts val="0"/>
+              </a:spcBef>
+              <a:buSzPct val="104999"/>
+              <a:buChar char="‣"/>
+              <a:defRPr sz="13400">
+                <a:solidFill>
+                  <a:srgbClr val="FFFFFF"/>
+                </a:solidFill>
+                <a:latin typeface="DIN Condensed Bold"/>
+                <a:ea typeface="DIN Condensed Bold"/>
+                <a:cs typeface="DIN Condensed Bold"/>
+                <a:sym typeface="DIN Condensed Bold"/>
+              </a:defRPr>
+            </a:lvl2pPr>
+            <a:lvl3pPr marL="3042708" indent="-1772708">
+              <a:spcBef>
+                <a:spcPts val="0"/>
+              </a:spcBef>
+              <a:buSzPct val="104999"/>
+              <a:buChar char="‣"/>
+              <a:defRPr sz="13400">
+                <a:solidFill>
+                  <a:srgbClr val="FFFFFF"/>
+                </a:solidFill>
+                <a:latin typeface="DIN Condensed Bold"/>
+                <a:ea typeface="DIN Condensed Bold"/>
+                <a:cs typeface="DIN Condensed Bold"/>
+                <a:sym typeface="DIN Condensed Bold"/>
+              </a:defRPr>
+            </a:lvl3pPr>
+            <a:lvl4pPr marL="3677708" indent="-1772708">
+              <a:spcBef>
+                <a:spcPts val="0"/>
+              </a:spcBef>
+              <a:buSzPct val="104999"/>
+              <a:buChar char="‣"/>
+              <a:defRPr sz="13400">
+                <a:solidFill>
+                  <a:srgbClr val="FFFFFF"/>
+                </a:solidFill>
+                <a:latin typeface="DIN Condensed Bold"/>
+                <a:ea typeface="DIN Condensed Bold"/>
+                <a:cs typeface="DIN Condensed Bold"/>
+                <a:sym typeface="DIN Condensed Bold"/>
+              </a:defRPr>
+            </a:lvl4pPr>
+            <a:lvl5pPr marL="4312708" indent="-1772708">
+              <a:spcBef>
+                <a:spcPts val="0"/>
+              </a:spcBef>
+              <a:buSzPct val="104999"/>
+              <a:buChar char="‣"/>
+              <a:defRPr sz="13400">
+                <a:solidFill>
+                  <a:srgbClr val="FFFFFF"/>
+                </a:solidFill>
+                <a:latin typeface="DIN Condensed Bold"/>
+                <a:ea typeface="DIN Condensed Bold"/>
+                <a:cs typeface="DIN Condensed Bold"/>
+                <a:sym typeface="DIN Condensed Bold"/>
+              </a:defRPr>
+            </a:lvl5pPr>
+          </a:lstStyle>
+          <a:p>
+            <a:pPr/>
+            <a:r>
+              <a:t>Body Level One</a:t>
+            </a:r>
+          </a:p>
+          <a:p>
+            <a:pPr lvl="1"/>
+            <a:r>
+              <a:t>Body Level Two</a:t>
+            </a:r>
+          </a:p>
+          <a:p>
+            <a:pPr lvl="2"/>
+            <a:r>
+              <a:t>Body Level Three</a:t>
+            </a:r>
+          </a:p>
+          <a:p>
+            <a:pPr lvl="3"/>
+            <a:r>
+              <a:t>Body Level Four</a:t>
+            </a:r>
+          </a:p>
+          <a:p>
+            <a:pPr lvl="4"/>
+            <a:r>
+              <a:t>Body Level Five</a:t>
+            </a:r>
+          </a:p>
+        </p:txBody>
+      </p:sp>
+      <p:sp>
+        <p:nvSpPr>
+          <p:cNvPr id="136" name="Black and white photo of windmills under a cloudy sky"/>
+          <p:cNvSpPr/>
+          <p:nvPr>
+            <p:ph type="pic" idx="21"/>
+          </p:nvPr>
+        </p:nvSpPr>
+        <p:spPr>
+          <a:xfrm>
+            <a:off x="-190500" y="0"/>
+            <a:ext cx="12428272" cy="13716000"/>
+          </a:xfrm>
+          <a:prstGeom prst="rect">
+            <a:avLst/>
+          </a:prstGeom>
+        </p:spPr>
+        <p:txBody>
+          <a:bodyPr lIns="91439" tIns="45719" rIns="91439" bIns="45719" anchor="t">
+            <a:noAutofit/>
           </a:bodyPr>
-          <a:lstStyle>
-            <a:lvl1pPr marL="0" indent="0">
+          <a:lstStyle/>
+          <a:p>
+            <a:pPr/>
+          </a:p>
+        </p:txBody>
+      </p:sp>
+      <p:sp>
+        <p:nvSpPr>
+          <p:cNvPr id="137" name="Johnny Appleseed"/>
+          <p:cNvSpPr txBox="1"/>
+          <p:nvPr>
+            <p:ph type="body" sz="quarter" idx="22"/>
+          </p:nvPr>
+        </p:nvSpPr>
+        <p:spPr>
+          <a:xfrm>
+            <a:off x="11049000" y="10953750"/>
+            <a:ext cx="12573000" cy="1206500"/>
+          </a:xfrm>
+          <a:prstGeom prst="rect">
+            <a:avLst/>
+          </a:prstGeom>
+        </p:spPr>
+        <p:txBody>
+          <a:bodyPr anchor="ctr"/>
+          <a:lstStyle/>
+          <a:p>
+            <a:pPr defTabSz="647700">
               <a:lnSpc>
-                <a:spcPct val="80000"/>
+                <a:spcPct val="100000"/>
               </a:lnSpc>
               <a:spcBef>
                 <a:spcPts val="0"/>
               </a:spcBef>
-              <a:buClrTx/>
-              <a:buSzTx/>
-              <a:buFontTx/>
-              <a:buNone/>
-              <a:defRPr cap="all" sz="13400">
-                <a:solidFill>
-                  <a:srgbClr val="FFFFFF"/>
-                </a:solidFill>
-                <a:latin typeface="+mn-lt"/>
-                <a:ea typeface="+mn-ea"/>
-                <a:cs typeface="+mn-cs"/>
+              <a:defRPr cap="none" sz="8700">
+                <a:solidFill>
+                  <a:srgbClr val="232323"/>
+                </a:solidFill>
+                <a:latin typeface="DIN Condensed Bold"/>
+                <a:ea typeface="DIN Condensed Bold"/>
+                <a:cs typeface="DIN Condensed Bold"/>
                 <a:sym typeface="DIN Condensed Bold"/>
               </a:defRPr>
-            </a:lvl1pPr>
-          </a:lstStyle>
-          <a:p>
-            <a:pPr/>
-            <a:r>
-              <a:t>Type a quote here.</a:t>
-            </a:r>
-          </a:p>
-        </p:txBody>
-      </p:sp>
-      <p:sp>
-        <p:nvSpPr>
-          <p:cNvPr id="133" name="Black and white photo of windmills under a cloudy sky"/>
-          <p:cNvSpPr/>
-          <p:nvPr>
-            <p:ph type="pic" idx="22"/>
-          </p:nvPr>
-        </p:nvSpPr>
-        <p:spPr>
-          <a:xfrm>
-            <a:off x="-190500" y="0"/>
-            <a:ext cx="12428272" cy="13716000"/>
-          </a:xfrm>
-          <a:prstGeom prst="rect">
-            <a:avLst/>
-          </a:prstGeom>
-        </p:spPr>
-        <p:txBody>
-          <a:bodyPr lIns="91439" tIns="45719" rIns="91439" bIns="45719">
-            <a:noAutofit/>
-          </a:bodyPr>
-          <a:lstStyle/>
-          <a:p>
-            <a:pPr/>
-          </a:p>
-        </p:txBody>
-      </p:sp>
-      <p:sp>
-        <p:nvSpPr>
-          <p:cNvPr id="134" name="Johnny Appleseed"/>
-          <p:cNvSpPr txBox="1"/>
-          <p:nvPr>
-            <p:ph type="body" sz="quarter" idx="23"/>
-          </p:nvPr>
-        </p:nvSpPr>
-        <p:spPr>
-          <a:xfrm>
-            <a:off x="11049000" y="10953750"/>
-            <a:ext cx="12573000" cy="1206500"/>
-          </a:xfrm>
-          <a:prstGeom prst="rect">
-            <a:avLst/>
-          </a:prstGeom>
-        </p:spPr>
-        <p:txBody>
-          <a:bodyPr anchor="ctr">
-            <a:spAutoFit/>
-          </a:bodyPr>
-          <a:lstStyle>
-            <a:lvl1pPr marL="0" indent="0" defTabSz="647700">
-              <a:spcBef>
-                <a:spcPts val="0"/>
-              </a:spcBef>
-              <a:buClrTx/>
-              <a:buSzTx/>
-              <a:buFontTx/>
-              <a:buNone/>
-              <a:defRPr sz="8700">
-                <a:solidFill>
-                  <a:srgbClr val="232323"/>
-                </a:solidFill>
-                <a:latin typeface="+mn-lt"/>
-                <a:ea typeface="+mn-ea"/>
-                <a:cs typeface="+mn-cs"/>
-                <a:sym typeface="DIN Condensed Bold"/>
-              </a:defRPr>
-            </a:lvl1pPr>
-          </a:lstStyle>
-          <a:p>
-            <a:pPr/>
-            <a:r>
-              <a:t>Johnny Appleseed</a:t>
-            </a:r>
-          </a:p>
-        </p:txBody>
-      </p:sp>
-      <p:sp>
-        <p:nvSpPr>
-          <p:cNvPr id="135" name="Slide Number"/>
+            </a:pPr>
+          </a:p>
+        </p:txBody>
+      </p:sp>
+      <p:sp>
+        <p:nvSpPr>
+          <p:cNvPr id="138" name="Slide Number"/>
           <p:cNvSpPr txBox="1"/>
           <p:nvPr>
             <p:ph type="sldNum" sz="quarter" idx="2"/>
           </p:nvPr>
         </p:nvSpPr>
         <p:spPr>
+          <a:xfrm>
+            <a:off x="23059652" y="609600"/>
+            <a:ext cx="553196" cy="635000"/>
+          </a:xfrm>
           <a:prstGeom prst="rect">
             <a:avLst/>
           </a:prstGeom>
@@ -1617,6 +1652,1854 @@
 <file path=ppt/slideLayouts/slideLayout14.xml><?xml version="1.0" encoding="utf-8"?>
 <p:sldLayout xmlns:a="http://schemas.openxmlformats.org/drawingml/2006/main" xmlns:r="http://schemas.openxmlformats.org/officeDocument/2006/relationships" xmlns:p="http://schemas.openxmlformats.org/presentationml/2006/main" xmlns:m="http://schemas.openxmlformats.org/officeDocument/2006/math" xmlns:a14="http://schemas.microsoft.com/office/drawing/2010/main" type="tx" showMasterSp="0" showMasterPhAnim="1">
   <p:cSld name="Photo">
+    <p:spTree>
+      <p:nvGrpSpPr>
+        <p:cNvPr id="1" name=""/>
+        <p:cNvGrpSpPr/>
+        <p:nvPr/>
+      </p:nvGrpSpPr>
+      <p:grpSpPr>
+        <a:xfrm>
+          <a:off x="0" y="0"/>
+          <a:ext cx="0" cy="0"/>
+          <a:chOff x="0" y="0"/>
+          <a:chExt cx="0" cy="0"/>
+        </a:xfrm>
+      </p:grpSpPr>
+      <p:sp>
+        <p:nvSpPr>
+          <p:cNvPr id="145" name="Black and white aerial photo of a person standing on top of a dam"/>
+          <p:cNvSpPr/>
+          <p:nvPr>
+            <p:ph type="pic" idx="21"/>
+          </p:nvPr>
+        </p:nvSpPr>
+        <p:spPr>
+          <a:xfrm>
+            <a:off x="-38100" y="-1219200"/>
+            <a:ext cx="24460200" cy="16145934"/>
+          </a:xfrm>
+          <a:prstGeom prst="rect">
+            <a:avLst/>
+          </a:prstGeom>
+        </p:spPr>
+        <p:txBody>
+          <a:bodyPr lIns="91439" tIns="45719" rIns="91439" bIns="45719" anchor="t">
+            <a:noAutofit/>
+          </a:bodyPr>
+          <a:lstStyle/>
+          <a:p>
+            <a:pPr/>
+          </a:p>
+        </p:txBody>
+      </p:sp>
+      <p:sp>
+        <p:nvSpPr>
+          <p:cNvPr id="146" name="Slide Number"/>
+          <p:cNvSpPr txBox="1"/>
+          <p:nvPr>
+            <p:ph type="sldNum" sz="quarter" idx="2"/>
+          </p:nvPr>
+        </p:nvSpPr>
+        <p:spPr>
+          <a:xfrm>
+            <a:off x="23059652" y="609600"/>
+            <a:ext cx="553196" cy="635000"/>
+          </a:xfrm>
+          <a:prstGeom prst="rect">
+            <a:avLst/>
+          </a:prstGeom>
+        </p:spPr>
+        <p:txBody>
+          <a:bodyPr/>
+          <a:lstStyle/>
+          <a:p>
+            <a:pPr/>
+            <a:fld id="{86CB4B4D-7CA3-9044-876B-883B54F8677D}" type="slidenum"/>
+          </a:p>
+        </p:txBody>
+      </p:sp>
+    </p:spTree>
+  </p:cSld>
+  <p:clrMapOvr>
+    <a:masterClrMapping/>
+  </p:clrMapOvr>
+  <p:transition xmlns:p14="http://schemas.microsoft.com/office/powerpoint/2010/main" spd="med" advClick="1"/>
+</p:sldLayout>
+</file>
+
+<file path=ppt/slideLayouts/slideLayout15.xml><?xml version="1.0" encoding="utf-8"?>
+<p:sldLayout xmlns:a="http://schemas.openxmlformats.org/drawingml/2006/main" xmlns:r="http://schemas.openxmlformats.org/officeDocument/2006/relationships" xmlns:p="http://schemas.openxmlformats.org/presentationml/2006/main" xmlns:m="http://schemas.openxmlformats.org/officeDocument/2006/math" xmlns:a14="http://schemas.microsoft.com/office/drawing/2010/main" type="tx" showMasterSp="0" showMasterPhAnim="1">
+  <p:cSld name="Blank">
+    <p:spTree>
+      <p:nvGrpSpPr>
+        <p:cNvPr id="1" name=""/>
+        <p:cNvGrpSpPr/>
+        <p:nvPr/>
+      </p:nvGrpSpPr>
+      <p:grpSpPr>
+        <a:xfrm>
+          <a:off x="0" y="0"/>
+          <a:ext cx="0" cy="0"/>
+          <a:chOff x="0" y="0"/>
+          <a:chExt cx="0" cy="0"/>
+        </a:xfrm>
+      </p:grpSpPr>
+      <p:sp>
+        <p:nvSpPr>
+          <p:cNvPr id="153" name="Slide Number"/>
+          <p:cNvSpPr txBox="1"/>
+          <p:nvPr>
+            <p:ph type="sldNum" sz="quarter" idx="2"/>
+          </p:nvPr>
+        </p:nvSpPr>
+        <p:spPr>
+          <a:xfrm>
+            <a:off x="23059652" y="609600"/>
+            <a:ext cx="553196" cy="635000"/>
+          </a:xfrm>
+          <a:prstGeom prst="rect">
+            <a:avLst/>
+          </a:prstGeom>
+        </p:spPr>
+        <p:txBody>
+          <a:bodyPr/>
+          <a:lstStyle/>
+          <a:p>
+            <a:pPr/>
+            <a:fld id="{86CB4B4D-7CA3-9044-876B-883B54F8677D}" type="slidenum"/>
+          </a:p>
+        </p:txBody>
+      </p:sp>
+    </p:spTree>
+  </p:cSld>
+  <p:clrMapOvr>
+    <a:masterClrMapping/>
+  </p:clrMapOvr>
+  <p:transition xmlns:p14="http://schemas.microsoft.com/office/powerpoint/2010/main" spd="med" advClick="1"/>
+</p:sldLayout>
+</file>
+
+<file path=ppt/slideLayouts/slideLayout16.xml><?xml version="1.0" encoding="utf-8"?>
+<p:sldLayout xmlns:a="http://schemas.openxmlformats.org/drawingml/2006/main" xmlns:r="http://schemas.openxmlformats.org/officeDocument/2006/relationships" xmlns:p="http://schemas.openxmlformats.org/presentationml/2006/main" xmlns:m="http://schemas.openxmlformats.org/officeDocument/2006/math" xmlns:a14="http://schemas.microsoft.com/office/drawing/2010/main" type="tx" showMasterSp="0" showMasterPhAnim="1">
+  <p:cSld name="Blank Alt">
+    <p:bg>
+      <p:bgPr>
+        <a:solidFill>
+          <a:srgbClr val="FFFFFF"/>
+        </a:solidFill>
+      </p:bgPr>
+    </p:bg>
+    <p:spTree>
+      <p:nvGrpSpPr>
+        <p:cNvPr id="1" name=""/>
+        <p:cNvGrpSpPr/>
+        <p:nvPr/>
+      </p:nvGrpSpPr>
+      <p:grpSpPr>
+        <a:xfrm>
+          <a:off x="0" y="0"/>
+          <a:ext cx="0" cy="0"/>
+          <a:chOff x="0" y="0"/>
+          <a:chExt cx="0" cy="0"/>
+        </a:xfrm>
+      </p:grpSpPr>
+      <p:sp>
+        <p:nvSpPr>
+          <p:cNvPr id="160" name="Slide Number"/>
+          <p:cNvSpPr txBox="1"/>
+          <p:nvPr>
+            <p:ph type="sldNum" sz="quarter" idx="2"/>
+          </p:nvPr>
+        </p:nvSpPr>
+        <p:spPr>
+          <a:xfrm>
+            <a:off x="23059652" y="609600"/>
+            <a:ext cx="553196" cy="635000"/>
+          </a:xfrm>
+          <a:prstGeom prst="rect">
+            <a:avLst/>
+          </a:prstGeom>
+        </p:spPr>
+        <p:txBody>
+          <a:bodyPr/>
+          <a:lstStyle/>
+          <a:p>
+            <a:pPr/>
+            <a:fld id="{86CB4B4D-7CA3-9044-876B-883B54F8677D}" type="slidenum"/>
+          </a:p>
+        </p:txBody>
+      </p:sp>
+    </p:spTree>
+  </p:cSld>
+  <p:clrMapOvr>
+    <a:masterClrMapping/>
+  </p:clrMapOvr>
+  <p:transition xmlns:p14="http://schemas.microsoft.com/office/powerpoint/2010/main" spd="med" advClick="1"/>
+</p:sldLayout>
+</file>
+
+<file path=ppt/slideLayouts/slideLayout2.xml><?xml version="1.0" encoding="utf-8"?>
+<p:sldLayout xmlns:a="http://schemas.openxmlformats.org/drawingml/2006/main" xmlns:r="http://schemas.openxmlformats.org/officeDocument/2006/relationships" xmlns:p="http://schemas.openxmlformats.org/presentationml/2006/main" xmlns:m="http://schemas.openxmlformats.org/officeDocument/2006/math" xmlns:a14="http://schemas.microsoft.com/office/drawing/2010/main" type="tx" showMasterSp="1" showMasterPhAnim="1">
+  <p:cSld name="Photo - Horizontal">
+    <p:spTree>
+      <p:nvGrpSpPr>
+        <p:cNvPr id="1" name=""/>
+        <p:cNvGrpSpPr/>
+        <p:nvPr/>
+      </p:nvGrpSpPr>
+      <p:grpSpPr>
+        <a:xfrm>
+          <a:off x="0" y="0"/>
+          <a:ext cx="0" cy="0"/>
+          <a:chOff x="0" y="0"/>
+          <a:chExt cx="0" cy="0"/>
+        </a:xfrm>
+      </p:grpSpPr>
+      <p:sp>
+        <p:nvSpPr>
+          <p:cNvPr id="21" name="Black and white aerial photo of a person standing on top of a dam"/>
+          <p:cNvSpPr/>
+          <p:nvPr>
+            <p:ph type="pic" idx="21"/>
+          </p:nvPr>
+        </p:nvSpPr>
+        <p:spPr>
+          <a:xfrm>
+            <a:off x="-38100" y="-1219200"/>
+            <a:ext cx="24460200" cy="16145934"/>
+          </a:xfrm>
+          <a:prstGeom prst="rect">
+            <a:avLst/>
+          </a:prstGeom>
+        </p:spPr>
+        <p:txBody>
+          <a:bodyPr lIns="91439" tIns="45719" rIns="91439" bIns="45719" anchor="t">
+            <a:noAutofit/>
+          </a:bodyPr>
+          <a:lstStyle/>
+          <a:p>
+            <a:pPr/>
+          </a:p>
+        </p:txBody>
+      </p:sp>
+      <p:sp>
+        <p:nvSpPr>
+          <p:cNvPr id="22" name="Title Text"/>
+          <p:cNvSpPr txBox="1"/>
+          <p:nvPr>
+            <p:ph type="title"/>
+          </p:nvPr>
+        </p:nvSpPr>
+        <p:spPr>
+          <a:prstGeom prst="rect">
+            <a:avLst/>
+          </a:prstGeom>
+        </p:spPr>
+        <p:txBody>
+          <a:bodyPr/>
+          <a:lstStyle/>
+          <a:p>
+            <a:pPr/>
+            <a:r>
+              <a:t>Title Text</a:t>
+            </a:r>
+          </a:p>
+        </p:txBody>
+      </p:sp>
+      <p:sp>
+        <p:nvSpPr>
+          <p:cNvPr id="23" name="Body Level One…"/>
+          <p:cNvSpPr txBox="1"/>
+          <p:nvPr>
+            <p:ph type="body" sz="quarter" idx="1"/>
+          </p:nvPr>
+        </p:nvSpPr>
+        <p:spPr>
+          <a:prstGeom prst="rect">
+            <a:avLst/>
+          </a:prstGeom>
+        </p:spPr>
+        <p:txBody>
+          <a:bodyPr/>
+          <a:lstStyle/>
+          <a:p>
+            <a:pPr/>
+            <a:r>
+              <a:t>Body Level One</a:t>
+            </a:r>
+          </a:p>
+          <a:p>
+            <a:pPr lvl="1"/>
+            <a:r>
+              <a:t>Body Level Two</a:t>
+            </a:r>
+          </a:p>
+          <a:p>
+            <a:pPr lvl="2"/>
+            <a:r>
+              <a:t>Body Level Three</a:t>
+            </a:r>
+          </a:p>
+          <a:p>
+            <a:pPr lvl="3"/>
+            <a:r>
+              <a:t>Body Level Four</a:t>
+            </a:r>
+          </a:p>
+          <a:p>
+            <a:pPr lvl="4"/>
+            <a:r>
+              <a:t>Body Level Five</a:t>
+            </a:r>
+          </a:p>
+        </p:txBody>
+      </p:sp>
+      <p:sp>
+        <p:nvSpPr>
+          <p:cNvPr id="24" name="Slide Number"/>
+          <p:cNvSpPr txBox="1"/>
+          <p:nvPr>
+            <p:ph type="sldNum" sz="quarter" idx="2"/>
+          </p:nvPr>
+        </p:nvSpPr>
+        <p:spPr>
+          <a:prstGeom prst="rect">
+            <a:avLst/>
+          </a:prstGeom>
+        </p:spPr>
+        <p:txBody>
+          <a:bodyPr/>
+          <a:lstStyle/>
+          <a:p>
+            <a:pPr/>
+            <a:fld id="{86CB4B4D-7CA3-9044-876B-883B54F8677D}" type="slidenum"/>
+          </a:p>
+        </p:txBody>
+      </p:sp>
+    </p:spTree>
+  </p:cSld>
+  <p:clrMapOvr>
+    <a:masterClrMapping/>
+  </p:clrMapOvr>
+  <p:transition xmlns:p14="http://schemas.microsoft.com/office/powerpoint/2010/main" spd="med" advClick="1"/>
+</p:sldLayout>
+</file>
+
+<file path=ppt/slideLayouts/slideLayout3.xml><?xml version="1.0" encoding="utf-8"?>
+<p:sldLayout xmlns:a="http://schemas.openxmlformats.org/drawingml/2006/main" xmlns:r="http://schemas.openxmlformats.org/officeDocument/2006/relationships" xmlns:p="http://schemas.openxmlformats.org/presentationml/2006/main" xmlns:m="http://schemas.openxmlformats.org/officeDocument/2006/math" xmlns:a14="http://schemas.microsoft.com/office/drawing/2010/main" type="tx" showMasterSp="1" showMasterPhAnim="1">
+  <p:cSld name="Title &amp; Subtitle Alt">
+    <p:bg>
+      <p:bgPr>
+        <a:solidFill>
+          <a:srgbClr val="FFFFFF"/>
+        </a:solidFill>
+      </p:bgPr>
+    </p:bg>
+    <p:spTree>
+      <p:nvGrpSpPr>
+        <p:cNvPr id="1" name=""/>
+        <p:cNvGrpSpPr/>
+        <p:nvPr/>
+      </p:nvGrpSpPr>
+      <p:grpSpPr>
+        <a:xfrm>
+          <a:off x="0" y="0"/>
+          <a:ext cx="0" cy="0"/>
+          <a:chOff x="0" y="0"/>
+          <a:chExt cx="0" cy="0"/>
+        </a:xfrm>
+      </p:grpSpPr>
+      <p:sp>
+        <p:nvSpPr>
+          <p:cNvPr id="31" name="Title Text"/>
+          <p:cNvSpPr txBox="1"/>
+          <p:nvPr>
+            <p:ph type="title"/>
+          </p:nvPr>
+        </p:nvSpPr>
+        <p:spPr>
+          <a:prstGeom prst="rect">
+            <a:avLst/>
+          </a:prstGeom>
+        </p:spPr>
+        <p:txBody>
+          <a:bodyPr/>
+          <a:lstStyle/>
+          <a:p>
+            <a:pPr/>
+            <a:r>
+              <a:t>Title Text</a:t>
+            </a:r>
+          </a:p>
+        </p:txBody>
+      </p:sp>
+      <p:sp>
+        <p:nvSpPr>
+          <p:cNvPr id="32" name="Body Level One…"/>
+          <p:cNvSpPr txBox="1"/>
+          <p:nvPr>
+            <p:ph type="body" sz="quarter" idx="1"/>
+          </p:nvPr>
+        </p:nvSpPr>
+        <p:spPr>
+          <a:prstGeom prst="rect">
+            <a:avLst/>
+          </a:prstGeom>
+        </p:spPr>
+        <p:txBody>
+          <a:bodyPr/>
+          <a:lstStyle/>
+          <a:p>
+            <a:pPr/>
+            <a:r>
+              <a:t>Body Level One</a:t>
+            </a:r>
+          </a:p>
+          <a:p>
+            <a:pPr lvl="1"/>
+            <a:r>
+              <a:t>Body Level Two</a:t>
+            </a:r>
+          </a:p>
+          <a:p>
+            <a:pPr lvl="2"/>
+            <a:r>
+              <a:t>Body Level Three</a:t>
+            </a:r>
+          </a:p>
+          <a:p>
+            <a:pPr lvl="3"/>
+            <a:r>
+              <a:t>Body Level Four</a:t>
+            </a:r>
+          </a:p>
+          <a:p>
+            <a:pPr lvl="4"/>
+            <a:r>
+              <a:t>Body Level Five</a:t>
+            </a:r>
+          </a:p>
+        </p:txBody>
+      </p:sp>
+      <p:sp>
+        <p:nvSpPr>
+          <p:cNvPr id="33" name="Slide Number"/>
+          <p:cNvSpPr txBox="1"/>
+          <p:nvPr>
+            <p:ph type="sldNum" sz="quarter" idx="2"/>
+          </p:nvPr>
+        </p:nvSpPr>
+        <p:spPr>
+          <a:xfrm>
+            <a:off x="23013223" y="584200"/>
+            <a:ext cx="553195" cy="635000"/>
+          </a:xfrm>
+          <a:prstGeom prst="rect">
+            <a:avLst/>
+          </a:prstGeom>
+        </p:spPr>
+        <p:txBody>
+          <a:bodyPr/>
+          <a:lstStyle/>
+          <a:p>
+            <a:pPr/>
+            <a:fld id="{86CB4B4D-7CA3-9044-876B-883B54F8677D}" type="slidenum"/>
+          </a:p>
+        </p:txBody>
+      </p:sp>
+    </p:spTree>
+  </p:cSld>
+  <p:clrMapOvr>
+    <a:masterClrMapping/>
+  </p:clrMapOvr>
+  <p:transition xmlns:p14="http://schemas.microsoft.com/office/powerpoint/2010/main" spd="med" advClick="1"/>
+</p:sldLayout>
+</file>
+
+<file path=ppt/slideLayouts/slideLayout4.xml><?xml version="1.0" encoding="utf-8"?>
+<p:sldLayout xmlns:a="http://schemas.openxmlformats.org/drawingml/2006/main" xmlns:r="http://schemas.openxmlformats.org/officeDocument/2006/relationships" xmlns:p="http://schemas.openxmlformats.org/presentationml/2006/main" xmlns:m="http://schemas.openxmlformats.org/officeDocument/2006/math" xmlns:a14="http://schemas.microsoft.com/office/drawing/2010/main" type="tx" showMasterSp="0" showMasterPhAnim="1">
+  <p:cSld name="Title - Centre">
+    <p:spTree>
+      <p:nvGrpSpPr>
+        <p:cNvPr id="1" name=""/>
+        <p:cNvGrpSpPr/>
+        <p:nvPr/>
+      </p:nvGrpSpPr>
+      <p:grpSpPr>
+        <a:xfrm>
+          <a:off x="0" y="0"/>
+          <a:ext cx="0" cy="0"/>
+          <a:chOff x="0" y="0"/>
+          <a:chExt cx="0" cy="0"/>
+        </a:xfrm>
+      </p:grpSpPr>
+      <p:sp>
+        <p:nvSpPr>
+          <p:cNvPr id="40" name="Title Text"/>
+          <p:cNvSpPr txBox="1"/>
+          <p:nvPr>
+            <p:ph type="title"/>
+          </p:nvPr>
+        </p:nvSpPr>
+        <p:spPr>
+          <a:xfrm>
+            <a:off x="762000" y="5676900"/>
+            <a:ext cx="22860000" cy="6350000"/>
+          </a:xfrm>
+          <a:prstGeom prst="rect">
+            <a:avLst/>
+          </a:prstGeom>
+        </p:spPr>
+        <p:txBody>
+          <a:bodyPr/>
+          <a:lstStyle/>
+          <a:p>
+            <a:pPr/>
+            <a:r>
+              <a:t>Title Text</a:t>
+            </a:r>
+          </a:p>
+        </p:txBody>
+      </p:sp>
+      <p:sp>
+        <p:nvSpPr>
+          <p:cNvPr id="41" name="Slide Number"/>
+          <p:cNvSpPr txBox="1"/>
+          <p:nvPr>
+            <p:ph type="sldNum" sz="quarter" idx="2"/>
+          </p:nvPr>
+        </p:nvSpPr>
+        <p:spPr>
+          <a:prstGeom prst="rect">
+            <a:avLst/>
+          </a:prstGeom>
+        </p:spPr>
+        <p:txBody>
+          <a:bodyPr/>
+          <a:lstStyle/>
+          <a:p>
+            <a:pPr/>
+            <a:fld id="{86CB4B4D-7CA3-9044-876B-883B54F8677D}" type="slidenum"/>
+          </a:p>
+        </p:txBody>
+      </p:sp>
+    </p:spTree>
+  </p:cSld>
+  <p:clrMapOvr>
+    <a:masterClrMapping/>
+  </p:clrMapOvr>
+  <p:transition xmlns:p14="http://schemas.microsoft.com/office/powerpoint/2010/main" spd="med" advClick="1"/>
+</p:sldLayout>
+</file>
+
+<file path=ppt/slideLayouts/slideLayout5.xml><?xml version="1.0" encoding="utf-8"?>
+<p:sldLayout xmlns:a="http://schemas.openxmlformats.org/drawingml/2006/main" xmlns:r="http://schemas.openxmlformats.org/officeDocument/2006/relationships" xmlns:p="http://schemas.openxmlformats.org/presentationml/2006/main" xmlns:m="http://schemas.openxmlformats.org/officeDocument/2006/math" xmlns:a14="http://schemas.microsoft.com/office/drawing/2010/main" type="tx" showMasterSp="0" showMasterPhAnim="1">
+  <p:cSld name="Photo - Vertical">
+    <p:spTree>
+      <p:nvGrpSpPr>
+        <p:cNvPr id="1" name=""/>
+        <p:cNvGrpSpPr/>
+        <p:nvPr/>
+      </p:nvGrpSpPr>
+      <p:grpSpPr>
+        <a:xfrm>
+          <a:off x="0" y="0"/>
+          <a:ext cx="0" cy="0"/>
+          <a:chOff x="0" y="0"/>
+          <a:chExt cx="0" cy="0"/>
+        </a:xfrm>
+      </p:grpSpPr>
+      <p:sp>
+        <p:nvSpPr>
+          <p:cNvPr id="48" name="Line"/>
+          <p:cNvSpPr/>
+          <p:nvPr/>
+        </p:nvSpPr>
+        <p:spPr>
+          <a:xfrm flipV="1">
+            <a:off x="11049000" y="8635797"/>
+            <a:ext cx="12572997" cy="204"/>
+          </a:xfrm>
+          <a:prstGeom prst="line">
+            <a:avLst/>
+          </a:prstGeom>
+          <a:ln w="50800">
+            <a:solidFill>
+              <a:srgbClr val="A6AAA9"/>
+            </a:solidFill>
+            <a:miter lim="400000"/>
+          </a:ln>
+        </p:spPr>
+        <p:txBody>
+          <a:bodyPr lIns="45718" tIns="45718" rIns="45718" bIns="45718"/>
+          <a:lstStyle/>
+          <a:p>
+            <a:pPr>
+              <a:defRPr>
+                <a:solidFill>
+                  <a:srgbClr val="838787"/>
+                </a:solidFill>
+              </a:defRPr>
+            </a:pPr>
+          </a:p>
+        </p:txBody>
+      </p:sp>
+      <p:sp>
+        <p:nvSpPr>
+          <p:cNvPr id="49" name="Black and white photo of windmills under a cloudy sky"/>
+          <p:cNvSpPr/>
+          <p:nvPr>
+            <p:ph type="pic" idx="21"/>
+          </p:nvPr>
+        </p:nvSpPr>
+        <p:spPr>
+          <a:xfrm>
+            <a:off x="-190500" y="0"/>
+            <a:ext cx="12428272" cy="13716000"/>
+          </a:xfrm>
+          <a:prstGeom prst="rect">
+            <a:avLst/>
+          </a:prstGeom>
+        </p:spPr>
+        <p:txBody>
+          <a:bodyPr lIns="91439" tIns="45719" rIns="91439" bIns="45719" anchor="t">
+            <a:noAutofit/>
+          </a:bodyPr>
+          <a:lstStyle/>
+          <a:p>
+            <a:pPr/>
+          </a:p>
+        </p:txBody>
+      </p:sp>
+      <p:sp>
+        <p:nvSpPr>
+          <p:cNvPr id="50" name="Title Text"/>
+          <p:cNvSpPr txBox="1"/>
+          <p:nvPr>
+            <p:ph type="title"/>
+          </p:nvPr>
+        </p:nvSpPr>
+        <p:spPr>
+          <a:xfrm>
+            <a:off x="11049000" y="9042400"/>
+            <a:ext cx="12573000" cy="3810000"/>
+          </a:xfrm>
+          <a:prstGeom prst="rect">
+            <a:avLst/>
+          </a:prstGeom>
+        </p:spPr>
+        <p:txBody>
+          <a:bodyPr/>
+          <a:lstStyle/>
+          <a:p>
+            <a:pPr/>
+            <a:r>
+              <a:t>Title Text</a:t>
+            </a:r>
+          </a:p>
+        </p:txBody>
+      </p:sp>
+      <p:sp>
+        <p:nvSpPr>
+          <p:cNvPr id="51" name="Body Level One…"/>
+          <p:cNvSpPr txBox="1"/>
+          <p:nvPr>
+            <p:ph type="body" sz="quarter" idx="1"/>
+          </p:nvPr>
+        </p:nvSpPr>
+        <p:spPr>
+          <a:xfrm>
+            <a:off x="11049000" y="5994400"/>
+            <a:ext cx="12573000" cy="2540000"/>
+          </a:xfrm>
+          <a:prstGeom prst="rect">
+            <a:avLst/>
+          </a:prstGeom>
+        </p:spPr>
+        <p:txBody>
+          <a:bodyPr/>
+          <a:lstStyle/>
+          <a:p>
+            <a:pPr/>
+            <a:r>
+              <a:t>Body Level One</a:t>
+            </a:r>
+          </a:p>
+          <a:p>
+            <a:pPr lvl="1"/>
+            <a:r>
+              <a:t>Body Level Two</a:t>
+            </a:r>
+          </a:p>
+          <a:p>
+            <a:pPr lvl="2"/>
+            <a:r>
+              <a:t>Body Level Three</a:t>
+            </a:r>
+          </a:p>
+          <a:p>
+            <a:pPr lvl="3"/>
+            <a:r>
+              <a:t>Body Level Four</a:t>
+            </a:r>
+          </a:p>
+          <a:p>
+            <a:pPr lvl="4"/>
+            <a:r>
+              <a:t>Body Level Five</a:t>
+            </a:r>
+          </a:p>
+        </p:txBody>
+      </p:sp>
+      <p:sp>
+        <p:nvSpPr>
+          <p:cNvPr id="52" name="Slide Number"/>
+          <p:cNvSpPr txBox="1"/>
+          <p:nvPr>
+            <p:ph type="sldNum" sz="quarter" idx="2"/>
+          </p:nvPr>
+        </p:nvSpPr>
+        <p:spPr>
+          <a:prstGeom prst="rect">
+            <a:avLst/>
+          </a:prstGeom>
+        </p:spPr>
+        <p:txBody>
+          <a:bodyPr/>
+          <a:lstStyle/>
+          <a:p>
+            <a:pPr/>
+            <a:fld id="{86CB4B4D-7CA3-9044-876B-883B54F8677D}" type="slidenum"/>
+          </a:p>
+        </p:txBody>
+      </p:sp>
+    </p:spTree>
+  </p:cSld>
+  <p:clrMapOvr>
+    <a:masterClrMapping/>
+  </p:clrMapOvr>
+  <p:transition xmlns:p14="http://schemas.microsoft.com/office/powerpoint/2010/main" spd="med" advClick="1"/>
+</p:sldLayout>
+</file>
+
+<file path=ppt/slideLayouts/slideLayout6.xml><?xml version="1.0" encoding="utf-8"?>
+<p:sldLayout xmlns:a="http://schemas.openxmlformats.org/drawingml/2006/main" xmlns:r="http://schemas.openxmlformats.org/officeDocument/2006/relationships" xmlns:p="http://schemas.openxmlformats.org/presentationml/2006/main" xmlns:m="http://schemas.openxmlformats.org/officeDocument/2006/math" xmlns:a14="http://schemas.microsoft.com/office/drawing/2010/main" type="tx" showMasterSp="0" showMasterPhAnim="1">
+  <p:cSld name="Title - Top">
+    <p:bg>
+      <p:bgPr>
+        <a:solidFill>
+          <a:srgbClr val="FFFFFF"/>
+        </a:solidFill>
+      </p:bgPr>
+    </p:bg>
+    <p:spTree>
+      <p:nvGrpSpPr>
+        <p:cNvPr id="1" name=""/>
+        <p:cNvGrpSpPr/>
+        <p:nvPr/>
+      </p:nvGrpSpPr>
+      <p:grpSpPr>
+        <a:xfrm>
+          <a:off x="0" y="0"/>
+          <a:ext cx="0" cy="0"/>
+          <a:chOff x="0" y="0"/>
+          <a:chExt cx="0" cy="0"/>
+        </a:xfrm>
+      </p:grpSpPr>
+      <p:sp>
+        <p:nvSpPr>
+          <p:cNvPr id="59" name="Line"/>
+          <p:cNvSpPr/>
+          <p:nvPr/>
+        </p:nvSpPr>
+        <p:spPr>
+          <a:xfrm flipV="1">
+            <a:off x="761999" y="1396631"/>
+            <a:ext cx="22860000" cy="370"/>
+          </a:xfrm>
+          <a:prstGeom prst="line">
+            <a:avLst/>
+          </a:prstGeom>
+          <a:ln w="25400">
+            <a:solidFill>
+              <a:srgbClr val="A6AAA9"/>
+            </a:solidFill>
+            <a:miter lim="400000"/>
+          </a:ln>
+        </p:spPr>
+        <p:txBody>
+          <a:bodyPr lIns="45718" tIns="45718" rIns="45718" bIns="45718"/>
+          <a:lstStyle/>
+          <a:p>
+            <a:pPr>
+              <a:defRPr>
+                <a:solidFill>
+                  <a:srgbClr val="838787"/>
+                </a:solidFill>
+              </a:defRPr>
+            </a:pPr>
+          </a:p>
+        </p:txBody>
+      </p:sp>
+      <p:sp>
+        <p:nvSpPr>
+          <p:cNvPr id="60" name="Body Level One…"/>
+          <p:cNvSpPr txBox="1"/>
+          <p:nvPr>
+            <p:ph type="body" sz="quarter" idx="1"/>
+          </p:nvPr>
+        </p:nvSpPr>
+        <p:spPr>
+          <a:xfrm>
+            <a:off x="762000" y="635000"/>
+            <a:ext cx="20955000" cy="635000"/>
+          </a:xfrm>
+          <a:prstGeom prst="rect">
+            <a:avLst/>
+          </a:prstGeom>
+        </p:spPr>
+        <p:txBody>
+          <a:bodyPr/>
+          <a:lstStyle>
+            <a:lvl1pPr defTabSz="647700">
+              <a:spcBef>
+                <a:spcPts val="0"/>
+              </a:spcBef>
+              <a:defRPr spc="180" sz="3600">
+                <a:solidFill>
+                  <a:srgbClr val="838787"/>
+                </a:solidFill>
+              </a:defRPr>
+            </a:lvl1pPr>
+            <a:lvl2pPr marL="1111250" indent="-476250" defTabSz="647700">
+              <a:spcBef>
+                <a:spcPts val="0"/>
+              </a:spcBef>
+              <a:buSzPct val="104999"/>
+              <a:buChar char="‣"/>
+              <a:defRPr spc="180" sz="3600">
+                <a:solidFill>
+                  <a:srgbClr val="838787"/>
+                </a:solidFill>
+              </a:defRPr>
+            </a:lvl2pPr>
+            <a:lvl3pPr marL="1746250" indent="-476250" defTabSz="647700">
+              <a:spcBef>
+                <a:spcPts val="0"/>
+              </a:spcBef>
+              <a:buSzPct val="104999"/>
+              <a:buChar char="‣"/>
+              <a:defRPr spc="180" sz="3600">
+                <a:solidFill>
+                  <a:srgbClr val="838787"/>
+                </a:solidFill>
+              </a:defRPr>
+            </a:lvl3pPr>
+            <a:lvl4pPr marL="2381250" indent="-476250" defTabSz="647700">
+              <a:spcBef>
+                <a:spcPts val="0"/>
+              </a:spcBef>
+              <a:buSzPct val="104999"/>
+              <a:buChar char="‣"/>
+              <a:defRPr spc="180" sz="3600">
+                <a:solidFill>
+                  <a:srgbClr val="838787"/>
+                </a:solidFill>
+              </a:defRPr>
+            </a:lvl4pPr>
+            <a:lvl5pPr marL="3016250" indent="-476250" defTabSz="647700">
+              <a:spcBef>
+                <a:spcPts val="0"/>
+              </a:spcBef>
+              <a:buSzPct val="104999"/>
+              <a:buChar char="‣"/>
+              <a:defRPr spc="180" sz="3600">
+                <a:solidFill>
+                  <a:srgbClr val="838787"/>
+                </a:solidFill>
+              </a:defRPr>
+            </a:lvl5pPr>
+          </a:lstStyle>
+          <a:p>
+            <a:pPr/>
+            <a:r>
+              <a:t>Body Level One</a:t>
+            </a:r>
+          </a:p>
+          <a:p>
+            <a:pPr lvl="1"/>
+            <a:r>
+              <a:t>Body Level Two</a:t>
+            </a:r>
+          </a:p>
+          <a:p>
+            <a:pPr lvl="2"/>
+            <a:r>
+              <a:t>Body Level Three</a:t>
+            </a:r>
+          </a:p>
+          <a:p>
+            <a:pPr lvl="3"/>
+            <a:r>
+              <a:t>Body Level Four</a:t>
+            </a:r>
+          </a:p>
+          <a:p>
+            <a:pPr lvl="4"/>
+            <a:r>
+              <a:t>Body Level Five</a:t>
+            </a:r>
+          </a:p>
+        </p:txBody>
+      </p:sp>
+      <p:sp>
+        <p:nvSpPr>
+          <p:cNvPr id="61" name="Title Text"/>
+          <p:cNvSpPr txBox="1"/>
+          <p:nvPr>
+            <p:ph type="title"/>
+          </p:nvPr>
+        </p:nvSpPr>
+        <p:spPr>
+          <a:xfrm>
+            <a:off x="762000" y="2159000"/>
+            <a:ext cx="22860000" cy="1016000"/>
+          </a:xfrm>
+          <a:prstGeom prst="rect">
+            <a:avLst/>
+          </a:prstGeom>
+        </p:spPr>
+        <p:txBody>
+          <a:bodyPr/>
+          <a:lstStyle>
+            <a:lvl1pPr>
+              <a:spcBef>
+                <a:spcPts val="3900"/>
+              </a:spcBef>
+              <a:defRPr sz="8700"/>
+            </a:lvl1pPr>
+          </a:lstStyle>
+          <a:p>
+            <a:pPr/>
+            <a:r>
+              <a:t>Title Text</a:t>
+            </a:r>
+          </a:p>
+        </p:txBody>
+      </p:sp>
+      <p:sp>
+        <p:nvSpPr>
+          <p:cNvPr id="62" name="Slide Number"/>
+          <p:cNvSpPr txBox="1"/>
+          <p:nvPr>
+            <p:ph type="sldNum" sz="quarter" idx="2"/>
+          </p:nvPr>
+        </p:nvSpPr>
+        <p:spPr>
+          <a:xfrm>
+            <a:off x="23059652" y="609600"/>
+            <a:ext cx="553196" cy="635000"/>
+          </a:xfrm>
+          <a:prstGeom prst="rect">
+            <a:avLst/>
+          </a:prstGeom>
+        </p:spPr>
+        <p:txBody>
+          <a:bodyPr/>
+          <a:lstStyle/>
+          <a:p>
+            <a:pPr/>
+            <a:fld id="{86CB4B4D-7CA3-9044-876B-883B54F8677D}" type="slidenum"/>
+          </a:p>
+        </p:txBody>
+      </p:sp>
+    </p:spTree>
+  </p:cSld>
+  <p:clrMapOvr>
+    <a:masterClrMapping/>
+  </p:clrMapOvr>
+  <p:transition xmlns:p14="http://schemas.microsoft.com/office/powerpoint/2010/main" spd="med" advClick="1"/>
+</p:sldLayout>
+</file>
+
+<file path=ppt/slideLayouts/slideLayout7.xml><?xml version="1.0" encoding="utf-8"?>
+<p:sldLayout xmlns:a="http://schemas.openxmlformats.org/drawingml/2006/main" xmlns:r="http://schemas.openxmlformats.org/officeDocument/2006/relationships" xmlns:p="http://schemas.openxmlformats.org/presentationml/2006/main" xmlns:m="http://schemas.openxmlformats.org/officeDocument/2006/math" xmlns:a14="http://schemas.microsoft.com/office/drawing/2010/main" type="tx" showMasterSp="0" showMasterPhAnim="1">
+  <p:cSld name="Title &amp; Bullets">
+    <p:spTree>
+      <p:nvGrpSpPr>
+        <p:cNvPr id="1" name=""/>
+        <p:cNvGrpSpPr/>
+        <p:nvPr/>
+      </p:nvGrpSpPr>
+      <p:grpSpPr>
+        <a:xfrm>
+          <a:off x="0" y="0"/>
+          <a:ext cx="0" cy="0"/>
+          <a:chOff x="0" y="0"/>
+          <a:chExt cx="0" cy="0"/>
+        </a:xfrm>
+      </p:grpSpPr>
+      <p:sp>
+        <p:nvSpPr>
+          <p:cNvPr id="69" name="Line"/>
+          <p:cNvSpPr/>
+          <p:nvPr/>
+        </p:nvSpPr>
+        <p:spPr>
+          <a:xfrm flipV="1">
+            <a:off x="761999" y="1396631"/>
+            <a:ext cx="22860000" cy="370"/>
+          </a:xfrm>
+          <a:prstGeom prst="line">
+            <a:avLst/>
+          </a:prstGeom>
+          <a:ln w="25400">
+            <a:solidFill>
+              <a:srgbClr val="A6AAA9"/>
+            </a:solidFill>
+            <a:miter lim="400000"/>
+          </a:ln>
+        </p:spPr>
+        <p:txBody>
+          <a:bodyPr lIns="45718" tIns="45718" rIns="45718" bIns="45718"/>
+          <a:lstStyle/>
+          <a:p>
+            <a:pPr>
+              <a:defRPr>
+                <a:solidFill>
+                  <a:srgbClr val="838787"/>
+                </a:solidFill>
+              </a:defRPr>
+            </a:pPr>
+          </a:p>
+        </p:txBody>
+      </p:sp>
+      <p:sp>
+        <p:nvSpPr>
+          <p:cNvPr id="70" name="Body Level One…"/>
+          <p:cNvSpPr txBox="1"/>
+          <p:nvPr>
+            <p:ph type="body" sz="quarter" idx="1"/>
+          </p:nvPr>
+        </p:nvSpPr>
+        <p:spPr>
+          <a:xfrm>
+            <a:off x="762000" y="635000"/>
+            <a:ext cx="20955000" cy="635000"/>
+          </a:xfrm>
+          <a:prstGeom prst="rect">
+            <a:avLst/>
+          </a:prstGeom>
+        </p:spPr>
+        <p:txBody>
+          <a:bodyPr/>
+          <a:lstStyle>
+            <a:lvl1pPr defTabSz="647700">
+              <a:spcBef>
+                <a:spcPts val="0"/>
+              </a:spcBef>
+              <a:defRPr spc="180" sz="3600">
+                <a:solidFill>
+                  <a:srgbClr val="838787"/>
+                </a:solidFill>
+              </a:defRPr>
+            </a:lvl1pPr>
+            <a:lvl2pPr marL="1111250" indent="-476250" defTabSz="647700">
+              <a:spcBef>
+                <a:spcPts val="0"/>
+              </a:spcBef>
+              <a:buSzPct val="104999"/>
+              <a:buChar char="‣"/>
+              <a:defRPr spc="180" sz="3600">
+                <a:solidFill>
+                  <a:srgbClr val="838787"/>
+                </a:solidFill>
+              </a:defRPr>
+            </a:lvl2pPr>
+            <a:lvl3pPr marL="1746250" indent="-476250" defTabSz="647700">
+              <a:spcBef>
+                <a:spcPts val="0"/>
+              </a:spcBef>
+              <a:buSzPct val="104999"/>
+              <a:buChar char="‣"/>
+              <a:defRPr spc="180" sz="3600">
+                <a:solidFill>
+                  <a:srgbClr val="838787"/>
+                </a:solidFill>
+              </a:defRPr>
+            </a:lvl3pPr>
+            <a:lvl4pPr marL="2381250" indent="-476250" defTabSz="647700">
+              <a:spcBef>
+                <a:spcPts val="0"/>
+              </a:spcBef>
+              <a:buSzPct val="104999"/>
+              <a:buChar char="‣"/>
+              <a:defRPr spc="180" sz="3600">
+                <a:solidFill>
+                  <a:srgbClr val="838787"/>
+                </a:solidFill>
+              </a:defRPr>
+            </a:lvl4pPr>
+            <a:lvl5pPr marL="3016250" indent="-476250" defTabSz="647700">
+              <a:spcBef>
+                <a:spcPts val="0"/>
+              </a:spcBef>
+              <a:buSzPct val="104999"/>
+              <a:buChar char="‣"/>
+              <a:defRPr spc="180" sz="3600">
+                <a:solidFill>
+                  <a:srgbClr val="838787"/>
+                </a:solidFill>
+              </a:defRPr>
+            </a:lvl5pPr>
+          </a:lstStyle>
+          <a:p>
+            <a:pPr/>
+            <a:r>
+              <a:t>Body Level One</a:t>
+            </a:r>
+          </a:p>
+          <a:p>
+            <a:pPr lvl="1"/>
+            <a:r>
+              <a:t>Body Level Two</a:t>
+            </a:r>
+          </a:p>
+          <a:p>
+            <a:pPr lvl="2"/>
+            <a:r>
+              <a:t>Body Level Three</a:t>
+            </a:r>
+          </a:p>
+          <a:p>
+            <a:pPr lvl="3"/>
+            <a:r>
+              <a:t>Body Level Four</a:t>
+            </a:r>
+          </a:p>
+          <a:p>
+            <a:pPr lvl="4"/>
+            <a:r>
+              <a:t>Body Level Five</a:t>
+            </a:r>
+          </a:p>
+        </p:txBody>
+      </p:sp>
+      <p:sp>
+        <p:nvSpPr>
+          <p:cNvPr id="71" name="Title Text"/>
+          <p:cNvSpPr txBox="1"/>
+          <p:nvPr>
+            <p:ph type="title"/>
+          </p:nvPr>
+        </p:nvSpPr>
+        <p:spPr>
+          <a:xfrm>
+            <a:off x="762000" y="2159000"/>
+            <a:ext cx="22860000" cy="1016000"/>
+          </a:xfrm>
+          <a:prstGeom prst="rect">
+            <a:avLst/>
+          </a:prstGeom>
+        </p:spPr>
+        <p:txBody>
+          <a:bodyPr/>
+          <a:lstStyle>
+            <a:lvl1pPr>
+              <a:spcBef>
+                <a:spcPts val="3900"/>
+              </a:spcBef>
+              <a:defRPr sz="8700"/>
+            </a:lvl1pPr>
+          </a:lstStyle>
+          <a:p>
+            <a:pPr/>
+            <a:r>
+              <a:t>Title Text</a:t>
+            </a:r>
+          </a:p>
+        </p:txBody>
+      </p:sp>
+      <p:sp>
+        <p:nvSpPr>
+          <p:cNvPr id="72" name="Body Level One…"/>
+          <p:cNvSpPr txBox="1"/>
+          <p:nvPr>
+            <p:ph type="body" idx="21"/>
+          </p:nvPr>
+        </p:nvSpPr>
+        <p:spPr>
+          <a:xfrm>
+            <a:off x="762000" y="3860800"/>
+            <a:ext cx="22860000" cy="8585200"/>
+          </a:xfrm>
+          <a:prstGeom prst="rect">
+            <a:avLst/>
+          </a:prstGeom>
+        </p:spPr>
+        <p:txBody>
+          <a:bodyPr anchor="t"/>
+          <a:lstStyle/>
+          <a:p>
+            <a:pPr marL="635000" indent="-635000">
+              <a:lnSpc>
+                <a:spcPct val="100000"/>
+              </a:lnSpc>
+              <a:spcBef>
+                <a:spcPts val="3900"/>
+              </a:spcBef>
+              <a:buClr>
+                <a:schemeClr val="accent1"/>
+              </a:buClr>
+              <a:buSzPct val="104999"/>
+              <a:buFont typeface="Avenir Next Regular"/>
+              <a:buChar char="▸"/>
+              <a:defRPr cap="none" sz="4800">
+                <a:solidFill>
+                  <a:srgbClr val="838787"/>
+                </a:solidFill>
+                <a:latin typeface="Avenir Next Medium"/>
+                <a:ea typeface="Avenir Next Medium"/>
+                <a:cs typeface="Avenir Next Medium"/>
+                <a:sym typeface="Avenir Next Medium"/>
+              </a:defRPr>
+            </a:pPr>
+          </a:p>
+        </p:txBody>
+      </p:sp>
+      <p:sp>
+        <p:nvSpPr>
+          <p:cNvPr id="73" name="Slide Number"/>
+          <p:cNvSpPr txBox="1"/>
+          <p:nvPr>
+            <p:ph type="sldNum" sz="quarter" idx="2"/>
+          </p:nvPr>
+        </p:nvSpPr>
+        <p:spPr>
+          <a:xfrm>
+            <a:off x="23059652" y="609600"/>
+            <a:ext cx="553196" cy="635000"/>
+          </a:xfrm>
+          <a:prstGeom prst="rect">
+            <a:avLst/>
+          </a:prstGeom>
+        </p:spPr>
+        <p:txBody>
+          <a:bodyPr/>
+          <a:lstStyle/>
+          <a:p>
+            <a:pPr/>
+            <a:fld id="{86CB4B4D-7CA3-9044-876B-883B54F8677D}" type="slidenum"/>
+          </a:p>
+        </p:txBody>
+      </p:sp>
+    </p:spTree>
+  </p:cSld>
+  <p:clrMapOvr>
+    <a:masterClrMapping/>
+  </p:clrMapOvr>
+  <p:transition xmlns:p14="http://schemas.microsoft.com/office/powerpoint/2010/main" spd="med" advClick="1"/>
+</p:sldLayout>
+</file>
+
+<file path=ppt/slideLayouts/slideLayout8.xml><?xml version="1.0" encoding="utf-8"?>
+<p:sldLayout xmlns:a="http://schemas.openxmlformats.org/drawingml/2006/main" xmlns:r="http://schemas.openxmlformats.org/officeDocument/2006/relationships" xmlns:p="http://schemas.openxmlformats.org/presentationml/2006/main" xmlns:m="http://schemas.openxmlformats.org/officeDocument/2006/math" xmlns:a14="http://schemas.microsoft.com/office/drawing/2010/main" type="tx" showMasterSp="0" showMasterPhAnim="1">
+  <p:cSld name="Title &amp; Bullets Alt">
+    <p:bg>
+      <p:bgPr>
+        <a:solidFill>
+          <a:srgbClr val="FFFFFF"/>
+        </a:solidFill>
+      </p:bgPr>
+    </p:bg>
+    <p:spTree>
+      <p:nvGrpSpPr>
+        <p:cNvPr id="1" name=""/>
+        <p:cNvGrpSpPr/>
+        <p:nvPr/>
+      </p:nvGrpSpPr>
+      <p:grpSpPr>
+        <a:xfrm>
+          <a:off x="0" y="0"/>
+          <a:ext cx="0" cy="0"/>
+          <a:chOff x="0" y="0"/>
+          <a:chExt cx="0" cy="0"/>
+        </a:xfrm>
+      </p:grpSpPr>
+      <p:sp>
+        <p:nvSpPr>
+          <p:cNvPr id="80" name="Line"/>
+          <p:cNvSpPr/>
+          <p:nvPr/>
+        </p:nvSpPr>
+        <p:spPr>
+          <a:xfrm flipV="1">
+            <a:off x="761999" y="1396631"/>
+            <a:ext cx="22860000" cy="370"/>
+          </a:xfrm>
+          <a:prstGeom prst="line">
+            <a:avLst/>
+          </a:prstGeom>
+          <a:ln w="25400">
+            <a:solidFill>
+              <a:srgbClr val="A6AAA9"/>
+            </a:solidFill>
+            <a:miter lim="400000"/>
+          </a:ln>
+        </p:spPr>
+        <p:txBody>
+          <a:bodyPr lIns="45718" tIns="45718" rIns="45718" bIns="45718"/>
+          <a:lstStyle/>
+          <a:p>
+            <a:pPr>
+              <a:defRPr>
+                <a:solidFill>
+                  <a:srgbClr val="838787"/>
+                </a:solidFill>
+              </a:defRPr>
+            </a:pPr>
+          </a:p>
+        </p:txBody>
+      </p:sp>
+      <p:sp>
+        <p:nvSpPr>
+          <p:cNvPr id="81" name="Body Level One…"/>
+          <p:cNvSpPr txBox="1"/>
+          <p:nvPr>
+            <p:ph type="body" sz="quarter" idx="1"/>
+          </p:nvPr>
+        </p:nvSpPr>
+        <p:spPr>
+          <a:xfrm>
+            <a:off x="762000" y="635000"/>
+            <a:ext cx="20955000" cy="635000"/>
+          </a:xfrm>
+          <a:prstGeom prst="rect">
+            <a:avLst/>
+          </a:prstGeom>
+        </p:spPr>
+        <p:txBody>
+          <a:bodyPr/>
+          <a:lstStyle>
+            <a:lvl1pPr defTabSz="647700">
+              <a:spcBef>
+                <a:spcPts val="0"/>
+              </a:spcBef>
+              <a:defRPr spc="180" sz="3600">
+                <a:solidFill>
+                  <a:srgbClr val="838787"/>
+                </a:solidFill>
+              </a:defRPr>
+            </a:lvl1pPr>
+            <a:lvl2pPr marL="1111250" indent="-476250" defTabSz="647700">
+              <a:spcBef>
+                <a:spcPts val="0"/>
+              </a:spcBef>
+              <a:buSzPct val="104999"/>
+              <a:buChar char="‣"/>
+              <a:defRPr spc="180" sz="3600">
+                <a:solidFill>
+                  <a:srgbClr val="838787"/>
+                </a:solidFill>
+              </a:defRPr>
+            </a:lvl2pPr>
+            <a:lvl3pPr marL="1746250" indent="-476250" defTabSz="647700">
+              <a:spcBef>
+                <a:spcPts val="0"/>
+              </a:spcBef>
+              <a:buSzPct val="104999"/>
+              <a:buChar char="‣"/>
+              <a:defRPr spc="180" sz="3600">
+                <a:solidFill>
+                  <a:srgbClr val="838787"/>
+                </a:solidFill>
+              </a:defRPr>
+            </a:lvl3pPr>
+            <a:lvl4pPr marL="2381250" indent="-476250" defTabSz="647700">
+              <a:spcBef>
+                <a:spcPts val="0"/>
+              </a:spcBef>
+              <a:buSzPct val="104999"/>
+              <a:buChar char="‣"/>
+              <a:defRPr spc="180" sz="3600">
+                <a:solidFill>
+                  <a:srgbClr val="838787"/>
+                </a:solidFill>
+              </a:defRPr>
+            </a:lvl4pPr>
+            <a:lvl5pPr marL="3016250" indent="-476250" defTabSz="647700">
+              <a:spcBef>
+                <a:spcPts val="0"/>
+              </a:spcBef>
+              <a:buSzPct val="104999"/>
+              <a:buChar char="‣"/>
+              <a:defRPr spc="180" sz="3600">
+                <a:solidFill>
+                  <a:srgbClr val="838787"/>
+                </a:solidFill>
+              </a:defRPr>
+            </a:lvl5pPr>
+          </a:lstStyle>
+          <a:p>
+            <a:pPr/>
+            <a:r>
+              <a:t>Body Level One</a:t>
+            </a:r>
+          </a:p>
+          <a:p>
+            <a:pPr lvl="1"/>
+            <a:r>
+              <a:t>Body Level Two</a:t>
+            </a:r>
+          </a:p>
+          <a:p>
+            <a:pPr lvl="2"/>
+            <a:r>
+              <a:t>Body Level Three</a:t>
+            </a:r>
+          </a:p>
+          <a:p>
+            <a:pPr lvl="3"/>
+            <a:r>
+              <a:t>Body Level Four</a:t>
+            </a:r>
+          </a:p>
+          <a:p>
+            <a:pPr lvl="4"/>
+            <a:r>
+              <a:t>Body Level Five</a:t>
+            </a:r>
+          </a:p>
+        </p:txBody>
+      </p:sp>
+      <p:sp>
+        <p:nvSpPr>
+          <p:cNvPr id="82" name="Title Text"/>
+          <p:cNvSpPr txBox="1"/>
+          <p:nvPr>
+            <p:ph type="title"/>
+          </p:nvPr>
+        </p:nvSpPr>
+        <p:spPr>
+          <a:xfrm>
+            <a:off x="762000" y="2159000"/>
+            <a:ext cx="22860000" cy="1016000"/>
+          </a:xfrm>
+          <a:prstGeom prst="rect">
+            <a:avLst/>
+          </a:prstGeom>
+        </p:spPr>
+        <p:txBody>
+          <a:bodyPr/>
+          <a:lstStyle>
+            <a:lvl1pPr>
+              <a:spcBef>
+                <a:spcPts val="3900"/>
+              </a:spcBef>
+              <a:defRPr sz="8700"/>
+            </a:lvl1pPr>
+          </a:lstStyle>
+          <a:p>
+            <a:pPr/>
+            <a:r>
+              <a:t>Title Text</a:t>
+            </a:r>
+          </a:p>
+        </p:txBody>
+      </p:sp>
+      <p:sp>
+        <p:nvSpPr>
+          <p:cNvPr id="83" name="Body Level One…"/>
+          <p:cNvSpPr txBox="1"/>
+          <p:nvPr>
+            <p:ph type="body" idx="21"/>
+          </p:nvPr>
+        </p:nvSpPr>
+        <p:spPr>
+          <a:xfrm>
+            <a:off x="762000" y="3860800"/>
+            <a:ext cx="22860000" cy="8585200"/>
+          </a:xfrm>
+          <a:prstGeom prst="rect">
+            <a:avLst/>
+          </a:prstGeom>
+        </p:spPr>
+        <p:txBody>
+          <a:bodyPr anchor="t"/>
+          <a:lstStyle/>
+          <a:p>
+            <a:pPr marL="635000" indent="-635000">
+              <a:lnSpc>
+                <a:spcPct val="100000"/>
+              </a:lnSpc>
+              <a:spcBef>
+                <a:spcPts val="3900"/>
+              </a:spcBef>
+              <a:buClr>
+                <a:schemeClr val="accent1"/>
+              </a:buClr>
+              <a:buSzPct val="104999"/>
+              <a:buFont typeface="Avenir Next Regular"/>
+              <a:buChar char="▸"/>
+              <a:defRPr cap="none" sz="4800">
+                <a:solidFill>
+                  <a:srgbClr val="838787"/>
+                </a:solidFill>
+                <a:latin typeface="Avenir Next Medium"/>
+                <a:ea typeface="Avenir Next Medium"/>
+                <a:cs typeface="Avenir Next Medium"/>
+                <a:sym typeface="Avenir Next Medium"/>
+              </a:defRPr>
+            </a:pPr>
+          </a:p>
+        </p:txBody>
+      </p:sp>
+      <p:sp>
+        <p:nvSpPr>
+          <p:cNvPr id="84" name="Slide Number"/>
+          <p:cNvSpPr txBox="1"/>
+          <p:nvPr>
+            <p:ph type="sldNum" sz="quarter" idx="2"/>
+          </p:nvPr>
+        </p:nvSpPr>
+        <p:spPr>
+          <a:xfrm>
+            <a:off x="23059652" y="609600"/>
+            <a:ext cx="553196" cy="635000"/>
+          </a:xfrm>
+          <a:prstGeom prst="rect">
+            <a:avLst/>
+          </a:prstGeom>
+        </p:spPr>
+        <p:txBody>
+          <a:bodyPr/>
+          <a:lstStyle/>
+          <a:p>
+            <a:pPr/>
+            <a:fld id="{86CB4B4D-7CA3-9044-876B-883B54F8677D}" type="slidenum"/>
+          </a:p>
+        </p:txBody>
+      </p:sp>
+    </p:spTree>
+  </p:cSld>
+  <p:clrMapOvr>
+    <a:masterClrMapping/>
+  </p:clrMapOvr>
+  <p:transition xmlns:p14="http://schemas.microsoft.com/office/powerpoint/2010/main" spd="med" advClick="1"/>
+</p:sldLayout>
+</file>
+
+<file path=ppt/slideLayouts/slideLayout9.xml><?xml version="1.0" encoding="utf-8"?>
+<p:sldLayout xmlns:a="http://schemas.openxmlformats.org/drawingml/2006/main" xmlns:r="http://schemas.openxmlformats.org/officeDocument/2006/relationships" xmlns:p="http://schemas.openxmlformats.org/presentationml/2006/main" xmlns:m="http://schemas.openxmlformats.org/officeDocument/2006/math" xmlns:a14="http://schemas.microsoft.com/office/drawing/2010/main" type="tx" showMasterSp="0" showMasterPhAnim="1">
+  <p:cSld name="Title, Bullets &amp; Photo">
+    <p:spTree>
+      <p:nvGrpSpPr>
+        <p:cNvPr id="1" name=""/>
+        <p:cNvGrpSpPr/>
+        <p:nvPr/>
+      </p:nvGrpSpPr>
+      <p:grpSpPr>
+        <a:xfrm>
+          <a:off x="0" y="0"/>
+          <a:ext cx="0" cy="0"/>
+          <a:chOff x="0" y="0"/>
+          <a:chExt cx="0" cy="0"/>
+        </a:xfrm>
+      </p:grpSpPr>
+      <p:sp>
+        <p:nvSpPr>
+          <p:cNvPr id="91" name="Line"/>
+          <p:cNvSpPr/>
+          <p:nvPr/>
+        </p:nvSpPr>
+        <p:spPr>
+          <a:xfrm flipV="1">
+            <a:off x="761999" y="1396631"/>
+            <a:ext cx="22860000" cy="370"/>
+          </a:xfrm>
+          <a:prstGeom prst="line">
+            <a:avLst/>
+          </a:prstGeom>
+          <a:ln w="25400">
+            <a:solidFill>
+              <a:srgbClr val="A6AAA9"/>
+            </a:solidFill>
+            <a:miter lim="400000"/>
+          </a:ln>
+        </p:spPr>
+        <p:txBody>
+          <a:bodyPr lIns="45718" tIns="45718" rIns="45718" bIns="45718"/>
+          <a:lstStyle/>
+          <a:p>
+            <a:pPr>
+              <a:defRPr>
+                <a:solidFill>
+                  <a:srgbClr val="838787"/>
+                </a:solidFill>
+              </a:defRPr>
+            </a:pPr>
+          </a:p>
+        </p:txBody>
+      </p:sp>
+      <p:sp>
+        <p:nvSpPr>
+          <p:cNvPr id="92" name="Body Level One…"/>
+          <p:cNvSpPr txBox="1"/>
+          <p:nvPr>
+            <p:ph type="body" sz="quarter" idx="1"/>
+          </p:nvPr>
+        </p:nvSpPr>
+        <p:spPr>
+          <a:xfrm>
+            <a:off x="762000" y="635000"/>
+            <a:ext cx="20955000" cy="635000"/>
+          </a:xfrm>
+          <a:prstGeom prst="rect">
+            <a:avLst/>
+          </a:prstGeom>
+        </p:spPr>
+        <p:txBody>
+          <a:bodyPr/>
+          <a:lstStyle>
+            <a:lvl1pPr defTabSz="647700">
+              <a:spcBef>
+                <a:spcPts val="0"/>
+              </a:spcBef>
+              <a:defRPr spc="180" sz="3600">
+                <a:solidFill>
+                  <a:srgbClr val="838787"/>
+                </a:solidFill>
+              </a:defRPr>
+            </a:lvl1pPr>
+            <a:lvl2pPr marL="1111250" indent="-476250" defTabSz="647700">
+              <a:spcBef>
+                <a:spcPts val="0"/>
+              </a:spcBef>
+              <a:buSzPct val="104999"/>
+              <a:buChar char="‣"/>
+              <a:defRPr spc="180" sz="3600">
+                <a:solidFill>
+                  <a:srgbClr val="838787"/>
+                </a:solidFill>
+              </a:defRPr>
+            </a:lvl2pPr>
+            <a:lvl3pPr marL="1746250" indent="-476250" defTabSz="647700">
+              <a:spcBef>
+                <a:spcPts val="0"/>
+              </a:spcBef>
+              <a:buSzPct val="104999"/>
+              <a:buChar char="‣"/>
+              <a:defRPr spc="180" sz="3600">
+                <a:solidFill>
+                  <a:srgbClr val="838787"/>
+                </a:solidFill>
+              </a:defRPr>
+            </a:lvl3pPr>
+            <a:lvl4pPr marL="2381250" indent="-476250" defTabSz="647700">
+              <a:spcBef>
+                <a:spcPts val="0"/>
+              </a:spcBef>
+              <a:buSzPct val="104999"/>
+              <a:buChar char="‣"/>
+              <a:defRPr spc="180" sz="3600">
+                <a:solidFill>
+                  <a:srgbClr val="838787"/>
+                </a:solidFill>
+              </a:defRPr>
+            </a:lvl4pPr>
+            <a:lvl5pPr marL="3016250" indent="-476250" defTabSz="647700">
+              <a:spcBef>
+                <a:spcPts val="0"/>
+              </a:spcBef>
+              <a:buSzPct val="104999"/>
+              <a:buChar char="‣"/>
+              <a:defRPr spc="180" sz="3600">
+                <a:solidFill>
+                  <a:srgbClr val="838787"/>
+                </a:solidFill>
+              </a:defRPr>
+            </a:lvl5pPr>
+          </a:lstStyle>
+          <a:p>
+            <a:pPr/>
+            <a:r>
+              <a:t>Body Level One</a:t>
+            </a:r>
+          </a:p>
+          <a:p>
+            <a:pPr lvl="1"/>
+            <a:r>
+              <a:t>Body Level Two</a:t>
+            </a:r>
+          </a:p>
+          <a:p>
+            <a:pPr lvl="2"/>
+            <a:r>
+              <a:t>Body Level Three</a:t>
+            </a:r>
+          </a:p>
+          <a:p>
+            <a:pPr lvl="3"/>
+            <a:r>
+              <a:t>Body Level Four</a:t>
+            </a:r>
+          </a:p>
+          <a:p>
+            <a:pPr lvl="4"/>
+            <a:r>
+              <a:t>Body Level Five</a:t>
+            </a:r>
+          </a:p>
+        </p:txBody>
+      </p:sp>
+      <p:sp>
+        <p:nvSpPr>
+          <p:cNvPr id="93" name="Black and white photo of windmills under a cloudy sky"/>
+          <p:cNvSpPr/>
+          <p:nvPr>
+            <p:ph type="pic" idx="21"/>
+          </p:nvPr>
+        </p:nvSpPr>
+        <p:spPr>
+          <a:xfrm>
+            <a:off x="13258800" y="0"/>
+            <a:ext cx="12428272" cy="13716000"/>
+          </a:xfrm>
+          <a:prstGeom prst="rect">
+            <a:avLst/>
+          </a:prstGeom>
+        </p:spPr>
+        <p:txBody>
+          <a:bodyPr lIns="91439" tIns="45719" rIns="91439" bIns="45719" anchor="t">
+            <a:noAutofit/>
+          </a:bodyPr>
+          <a:lstStyle/>
+          <a:p>
+            <a:pPr/>
+          </a:p>
+        </p:txBody>
+      </p:sp>
+      <p:sp>
+        <p:nvSpPr>
+          <p:cNvPr id="94" name="Title Text"/>
+          <p:cNvSpPr txBox="1"/>
+          <p:nvPr>
+            <p:ph type="title"/>
+          </p:nvPr>
+        </p:nvSpPr>
+        <p:spPr>
+          <a:xfrm>
+            <a:off x="762000" y="2159000"/>
+            <a:ext cx="11811000" cy="1016000"/>
+          </a:xfrm>
+          <a:prstGeom prst="rect">
+            <a:avLst/>
+          </a:prstGeom>
+        </p:spPr>
+        <p:txBody>
+          <a:bodyPr/>
+          <a:lstStyle>
+            <a:lvl1pPr>
+              <a:spcBef>
+                <a:spcPts val="3900"/>
+              </a:spcBef>
+              <a:defRPr sz="8700"/>
+            </a:lvl1pPr>
+          </a:lstStyle>
+          <a:p>
+            <a:pPr/>
+            <a:r>
+              <a:t>Title Text</a:t>
+            </a:r>
+          </a:p>
+        </p:txBody>
+      </p:sp>
+      <p:sp>
+        <p:nvSpPr>
+          <p:cNvPr id="95" name="Body Level One…"/>
+          <p:cNvSpPr txBox="1"/>
+          <p:nvPr>
+            <p:ph type="body" sz="half" idx="22"/>
+          </p:nvPr>
+        </p:nvSpPr>
+        <p:spPr>
+          <a:xfrm>
+            <a:off x="762000" y="3860800"/>
+            <a:ext cx="11811000" cy="8585200"/>
+          </a:xfrm>
+          <a:prstGeom prst="rect">
+            <a:avLst/>
+          </a:prstGeom>
+        </p:spPr>
+        <p:txBody>
+          <a:bodyPr anchor="t"/>
+          <a:lstStyle/>
+          <a:p>
+            <a:pPr marL="635000" indent="-635000">
+              <a:lnSpc>
+                <a:spcPct val="100000"/>
+              </a:lnSpc>
+              <a:spcBef>
+                <a:spcPts val="3900"/>
+              </a:spcBef>
+              <a:buClr>
+                <a:schemeClr val="accent1"/>
+              </a:buClr>
+              <a:buSzPct val="104999"/>
+              <a:buFont typeface="Avenir Next Regular"/>
+              <a:buChar char="▸"/>
+              <a:defRPr cap="none" sz="4000">
+                <a:solidFill>
+                  <a:srgbClr val="838787"/>
+                </a:solidFill>
+                <a:latin typeface="Avenir Next Medium"/>
+                <a:ea typeface="Avenir Next Medium"/>
+                <a:cs typeface="Avenir Next Medium"/>
+                <a:sym typeface="Avenir Next Medium"/>
+              </a:defRPr>
+            </a:pPr>
+          </a:p>
+        </p:txBody>
+      </p:sp>
+      <p:sp>
+        <p:nvSpPr>
+          <p:cNvPr id="96" name="Slide Number"/>
+          <p:cNvSpPr txBox="1"/>
+          <p:nvPr>
+            <p:ph type="sldNum" sz="quarter" idx="2"/>
+          </p:nvPr>
+        </p:nvSpPr>
+        <p:spPr>
+          <a:xfrm>
+            <a:off x="23059652" y="609600"/>
+            <a:ext cx="553196" cy="635000"/>
+          </a:xfrm>
+          <a:prstGeom prst="rect">
+            <a:avLst/>
+          </a:prstGeom>
+        </p:spPr>
+        <p:txBody>
+          <a:bodyPr/>
+          <a:lstStyle/>
+          <a:p>
+            <a:pPr/>
+            <a:fld id="{86CB4B4D-7CA3-9044-876B-883B54F8677D}" type="slidenum"/>
+          </a:p>
+        </p:txBody>
+      </p:sp>
+    </p:spTree>
+  </p:cSld>
+  <p:clrMapOvr>
+    <a:masterClrMapping/>
+  </p:clrMapOvr>
+  <p:transition xmlns:p14="http://schemas.microsoft.com/office/powerpoint/2010/main" spd="med" advClick="1"/>
+</p:sldLayout>
+</file>
+
+<file path=ppt/slideMasters/slideMaster1.xml><?xml version="1.0" encoding="utf-8"?>
+<p:sldMaster xmlns:a="http://schemas.openxmlformats.org/drawingml/2006/main" xmlns:r="http://schemas.openxmlformats.org/officeDocument/2006/relationships" xmlns:p="http://schemas.openxmlformats.org/presentationml/2006/main" xmlns:m="http://schemas.openxmlformats.org/officeDocument/2006/math" xmlns:a14="http://schemas.microsoft.com/office/drawing/2010/main">
+  <p:cSld>
     <p:bg>
       <p:bgPr>
         <a:solidFill>
@@ -1640,226 +3523,14 @@
       </p:grpSpPr>
       <p:sp>
         <p:nvSpPr>
-          <p:cNvPr id="142" name="Black and white aerial photo of a person standing on top of a dam"/>
-          <p:cNvSpPr/>
-          <p:nvPr>
-            <p:ph type="pic" idx="21"/>
-          </p:nvPr>
-        </p:nvSpPr>
-        <p:spPr>
-          <a:xfrm>
-            <a:off x="-38100" y="-1219200"/>
-            <a:ext cx="24460200" cy="16145934"/>
-          </a:xfrm>
-          <a:prstGeom prst="rect">
-            <a:avLst/>
-          </a:prstGeom>
-        </p:spPr>
-        <p:txBody>
-          <a:bodyPr lIns="91439" tIns="45719" rIns="91439" bIns="45719">
-            <a:noAutofit/>
-          </a:bodyPr>
-          <a:lstStyle/>
-          <a:p>
-            <a:pPr/>
-          </a:p>
-        </p:txBody>
-      </p:sp>
-      <p:sp>
-        <p:nvSpPr>
-          <p:cNvPr id="143" name="Slide Number"/>
-          <p:cNvSpPr txBox="1"/>
-          <p:nvPr>
-            <p:ph type="sldNum" sz="quarter" idx="2"/>
-          </p:nvPr>
-        </p:nvSpPr>
-        <p:spPr>
-          <a:prstGeom prst="rect">
-            <a:avLst/>
-          </a:prstGeom>
-        </p:spPr>
-        <p:txBody>
-          <a:bodyPr/>
-          <a:lstStyle/>
-          <a:p>
-            <a:pPr/>
-            <a:fld id="{86CB4B4D-7CA3-9044-876B-883B54F8677D}" type="slidenum"/>
-          </a:p>
-        </p:txBody>
-      </p:sp>
-    </p:spTree>
-  </p:cSld>
-  <p:clrMapOvr>
-    <a:masterClrMapping/>
-  </p:clrMapOvr>
-  <p:transition xmlns:p14="http://schemas.microsoft.com/office/powerpoint/2010/main" spd="med" advClick="1"/>
-</p:sldLayout>
-</file>
-
-<file path=ppt/slideLayouts/slideLayout15.xml><?xml version="1.0" encoding="utf-8"?>
-<p:sldLayout xmlns:a="http://schemas.openxmlformats.org/drawingml/2006/main" xmlns:r="http://schemas.openxmlformats.org/officeDocument/2006/relationships" xmlns:p="http://schemas.openxmlformats.org/presentationml/2006/main" xmlns:m="http://schemas.openxmlformats.org/officeDocument/2006/math" xmlns:a14="http://schemas.microsoft.com/office/drawing/2010/main" type="tx" showMasterSp="0" showMasterPhAnim="1">
-  <p:cSld name="Blank">
-    <p:bg>
-      <p:bgPr>
-        <a:solidFill>
-          <a:srgbClr val="222222"/>
-        </a:solidFill>
-      </p:bgPr>
-    </p:bg>
-    <p:spTree>
-      <p:nvGrpSpPr>
-        <p:cNvPr id="1" name=""/>
-        <p:cNvGrpSpPr/>
-        <p:nvPr/>
-      </p:nvGrpSpPr>
-      <p:grpSpPr>
-        <a:xfrm>
-          <a:off x="0" y="0"/>
-          <a:ext cx="0" cy="0"/>
-          <a:chOff x="0" y="0"/>
-          <a:chExt cx="0" cy="0"/>
-        </a:xfrm>
-      </p:grpSpPr>
-      <p:sp>
-        <p:nvSpPr>
-          <p:cNvPr id="150" name="Slide Number"/>
-          <p:cNvSpPr txBox="1"/>
-          <p:nvPr>
-            <p:ph type="sldNum" sz="quarter" idx="2"/>
-          </p:nvPr>
-        </p:nvSpPr>
-        <p:spPr>
-          <a:prstGeom prst="rect">
-            <a:avLst/>
-          </a:prstGeom>
-        </p:spPr>
-        <p:txBody>
-          <a:bodyPr/>
-          <a:lstStyle/>
-          <a:p>
-            <a:pPr/>
-            <a:fld id="{86CB4B4D-7CA3-9044-876B-883B54F8677D}" type="slidenum"/>
-          </a:p>
-        </p:txBody>
-      </p:sp>
-    </p:spTree>
-  </p:cSld>
-  <p:clrMapOvr>
-    <a:masterClrMapping/>
-  </p:clrMapOvr>
-  <p:transition xmlns:p14="http://schemas.microsoft.com/office/powerpoint/2010/main" spd="med" advClick="1"/>
-</p:sldLayout>
-</file>
-
-<file path=ppt/slideLayouts/slideLayout16.xml><?xml version="1.0" encoding="utf-8"?>
-<p:sldLayout xmlns:a="http://schemas.openxmlformats.org/drawingml/2006/main" xmlns:r="http://schemas.openxmlformats.org/officeDocument/2006/relationships" xmlns:p="http://schemas.openxmlformats.org/presentationml/2006/main" xmlns:m="http://schemas.openxmlformats.org/officeDocument/2006/math" xmlns:a14="http://schemas.microsoft.com/office/drawing/2010/main" type="tx" showMasterSp="0" showMasterPhAnim="1">
-  <p:cSld name="Blank Alt">
-    <p:spTree>
-      <p:nvGrpSpPr>
-        <p:cNvPr id="1" name=""/>
-        <p:cNvGrpSpPr/>
-        <p:nvPr/>
-      </p:nvGrpSpPr>
-      <p:grpSpPr>
-        <a:xfrm>
-          <a:off x="0" y="0"/>
-          <a:ext cx="0" cy="0"/>
-          <a:chOff x="0" y="0"/>
-          <a:chExt cx="0" cy="0"/>
-        </a:xfrm>
-      </p:grpSpPr>
-      <p:sp>
-        <p:nvSpPr>
-          <p:cNvPr id="157" name="Slide Number"/>
-          <p:cNvSpPr txBox="1"/>
-          <p:nvPr>
-            <p:ph type="sldNum" sz="quarter" idx="2"/>
-          </p:nvPr>
-        </p:nvSpPr>
-        <p:spPr>
-          <a:prstGeom prst="rect">
-            <a:avLst/>
-          </a:prstGeom>
-        </p:spPr>
-        <p:txBody>
-          <a:bodyPr/>
-          <a:lstStyle/>
-          <a:p>
-            <a:pPr/>
-            <a:fld id="{86CB4B4D-7CA3-9044-876B-883B54F8677D}" type="slidenum"/>
-          </a:p>
-        </p:txBody>
-      </p:sp>
-    </p:spTree>
-  </p:cSld>
-  <p:clrMapOvr>
-    <a:masterClrMapping/>
-  </p:clrMapOvr>
-  <p:transition xmlns:p14="http://schemas.microsoft.com/office/powerpoint/2010/main" spd="med" advClick="1"/>
-</p:sldLayout>
-</file>
-
-<file path=ppt/slideLayouts/slideLayout2.xml><?xml version="1.0" encoding="utf-8"?>
-<p:sldLayout xmlns:a="http://schemas.openxmlformats.org/drawingml/2006/main" xmlns:r="http://schemas.openxmlformats.org/officeDocument/2006/relationships" xmlns:p="http://schemas.openxmlformats.org/presentationml/2006/main" xmlns:m="http://schemas.openxmlformats.org/officeDocument/2006/math" xmlns:a14="http://schemas.microsoft.com/office/drawing/2010/main" type="tx" showMasterSp="0" showMasterPhAnim="1">
-  <p:cSld name="Photo - Horizontal">
-    <p:bg>
-      <p:bgPr>
-        <a:solidFill>
-          <a:srgbClr val="222222"/>
-        </a:solidFill>
-      </p:bgPr>
-    </p:bg>
-    <p:spTree>
-      <p:nvGrpSpPr>
-        <p:cNvPr id="1" name=""/>
-        <p:cNvGrpSpPr/>
-        <p:nvPr/>
-      </p:nvGrpSpPr>
-      <p:grpSpPr>
-        <a:xfrm>
-          <a:off x="0" y="0"/>
-          <a:ext cx="0" cy="0"/>
-          <a:chOff x="0" y="0"/>
-          <a:chExt cx="0" cy="0"/>
-        </a:xfrm>
-      </p:grpSpPr>
-      <p:sp>
-        <p:nvSpPr>
-          <p:cNvPr id="22" name="Black and white aerial photo of a person standing on top of a dam"/>
-          <p:cNvSpPr/>
-          <p:nvPr>
-            <p:ph type="pic" idx="21"/>
-          </p:nvPr>
-        </p:nvSpPr>
-        <p:spPr>
-          <a:xfrm>
-            <a:off x="-38100" y="-1219200"/>
-            <a:ext cx="24460200" cy="16145934"/>
-          </a:xfrm>
-          <a:prstGeom prst="rect">
-            <a:avLst/>
-          </a:prstGeom>
-        </p:spPr>
-        <p:txBody>
-          <a:bodyPr lIns="91439" tIns="45719" rIns="91439" bIns="45719">
-            <a:noAutofit/>
-          </a:bodyPr>
-          <a:lstStyle/>
-          <a:p>
-            <a:pPr/>
-          </a:p>
-        </p:txBody>
-      </p:sp>
-      <p:sp>
-        <p:nvSpPr>
-          <p:cNvPr id="23" name="Line"/>
+          <p:cNvPr id="2" name="Line"/>
           <p:cNvSpPr/>
           <p:nvPr/>
         </p:nvSpPr>
         <p:spPr>
           <a:xfrm flipV="1">
-            <a:off x="762000" y="8635632"/>
-            <a:ext cx="22859999" cy="369"/>
+            <a:off x="761999" y="8635631"/>
+            <a:ext cx="22860000" cy="370"/>
           </a:xfrm>
           <a:prstGeom prst="line">
             <a:avLst/>
@@ -1872,1792 +3543,14 @@
           </a:ln>
         </p:spPr>
         <p:txBody>
-          <a:bodyPr lIns="50800" tIns="50800" rIns="50800" bIns="50800" anchor="ctr"/>
+          <a:bodyPr lIns="45718" tIns="45718" rIns="45718" bIns="45718"/>
           <a:lstStyle/>
           <a:p>
-            <a:pPr defTabSz="457200">
-              <a:spcBef>
-                <a:spcPts val="0"/>
-              </a:spcBef>
-              <a:defRPr sz="1200">
-                <a:solidFill>
-                  <a:srgbClr val="000000"/>
-                </a:solidFill>
-                <a:latin typeface="Helvetica"/>
-                <a:ea typeface="Helvetica"/>
-                <a:cs typeface="Helvetica"/>
-                <a:sym typeface="Helvetica"/>
-              </a:defRPr>
-            </a:pPr>
-          </a:p>
-        </p:txBody>
-      </p:sp>
-      <p:sp>
-        <p:nvSpPr>
-          <p:cNvPr id="24" name="Title Text"/>
-          <p:cNvSpPr txBox="1"/>
-          <p:nvPr>
-            <p:ph type="title"/>
-          </p:nvPr>
-        </p:nvSpPr>
-        <p:spPr>
-          <a:xfrm>
-            <a:off x="762000" y="9042400"/>
-            <a:ext cx="22860000" cy="3810000"/>
-          </a:xfrm>
-          <a:prstGeom prst="rect">
-            <a:avLst/>
-          </a:prstGeom>
-        </p:spPr>
-        <p:txBody>
-          <a:bodyPr/>
-          <a:lstStyle>
-            <a:lvl1pPr>
-              <a:spcBef>
-                <a:spcPts val="0"/>
-              </a:spcBef>
-              <a:defRPr sz="30300"/>
-            </a:lvl1pPr>
-          </a:lstStyle>
-          <a:p>
-            <a:pPr/>
-            <a:r>
-              <a:t>Title Text</a:t>
-            </a:r>
-          </a:p>
-        </p:txBody>
-      </p:sp>
-      <p:sp>
-        <p:nvSpPr>
-          <p:cNvPr id="25" name="Body Level One…"/>
-          <p:cNvSpPr txBox="1"/>
-          <p:nvPr>
-            <p:ph type="body" sz="quarter" idx="1"/>
-          </p:nvPr>
-        </p:nvSpPr>
-        <p:spPr>
-          <a:xfrm>
-            <a:off x="762000" y="5994400"/>
-            <a:ext cx="22860000" cy="2540000"/>
-          </a:xfrm>
-          <a:prstGeom prst="rect">
-            <a:avLst/>
-          </a:prstGeom>
-        </p:spPr>
-        <p:txBody>
-          <a:bodyPr anchor="b"/>
-          <a:lstStyle>
-            <a:lvl1pPr marL="0" indent="0">
-              <a:lnSpc>
-                <a:spcPct val="80000"/>
-              </a:lnSpc>
-              <a:spcBef>
-                <a:spcPts val="3200"/>
-              </a:spcBef>
-              <a:buClrTx/>
-              <a:buSzTx/>
-              <a:buFontTx/>
-              <a:buNone/>
-              <a:defRPr cap="all" sz="7700">
-                <a:solidFill>
-                  <a:srgbClr val="A6AAA9"/>
-                </a:solidFill>
-                <a:latin typeface="DIN Alternate Bold"/>
-                <a:ea typeface="DIN Alternate Bold"/>
-                <a:cs typeface="DIN Alternate Bold"/>
-                <a:sym typeface="DIN Alternate Bold"/>
-              </a:defRPr>
-            </a:lvl1pPr>
-            <a:lvl2pPr marL="0" indent="0">
-              <a:lnSpc>
-                <a:spcPct val="80000"/>
-              </a:lnSpc>
-              <a:spcBef>
-                <a:spcPts val="3200"/>
-              </a:spcBef>
-              <a:buClrTx/>
-              <a:buSzTx/>
-              <a:buFontTx/>
-              <a:buNone/>
-              <a:defRPr cap="all" sz="7700">
-                <a:solidFill>
-                  <a:srgbClr val="A6AAA9"/>
-                </a:solidFill>
-                <a:latin typeface="DIN Alternate Bold"/>
-                <a:ea typeface="DIN Alternate Bold"/>
-                <a:cs typeface="DIN Alternate Bold"/>
-                <a:sym typeface="DIN Alternate Bold"/>
-              </a:defRPr>
-            </a:lvl2pPr>
-            <a:lvl3pPr marL="0" indent="0">
-              <a:lnSpc>
-                <a:spcPct val="80000"/>
-              </a:lnSpc>
-              <a:spcBef>
-                <a:spcPts val="3200"/>
-              </a:spcBef>
-              <a:buClrTx/>
-              <a:buSzTx/>
-              <a:buFontTx/>
-              <a:buNone/>
-              <a:defRPr cap="all" sz="7700">
-                <a:solidFill>
-                  <a:srgbClr val="A6AAA9"/>
-                </a:solidFill>
-                <a:latin typeface="DIN Alternate Bold"/>
-                <a:ea typeface="DIN Alternate Bold"/>
-                <a:cs typeface="DIN Alternate Bold"/>
-                <a:sym typeface="DIN Alternate Bold"/>
-              </a:defRPr>
-            </a:lvl3pPr>
-            <a:lvl4pPr marL="0" indent="0">
-              <a:lnSpc>
-                <a:spcPct val="80000"/>
-              </a:lnSpc>
-              <a:spcBef>
-                <a:spcPts val="3200"/>
-              </a:spcBef>
-              <a:buClrTx/>
-              <a:buSzTx/>
-              <a:buFontTx/>
-              <a:buNone/>
-              <a:defRPr cap="all" sz="7700">
-                <a:solidFill>
-                  <a:srgbClr val="A6AAA9"/>
-                </a:solidFill>
-                <a:latin typeface="DIN Alternate Bold"/>
-                <a:ea typeface="DIN Alternate Bold"/>
-                <a:cs typeface="DIN Alternate Bold"/>
-                <a:sym typeface="DIN Alternate Bold"/>
-              </a:defRPr>
-            </a:lvl4pPr>
-            <a:lvl5pPr marL="0" indent="0">
-              <a:lnSpc>
-                <a:spcPct val="80000"/>
-              </a:lnSpc>
-              <a:spcBef>
-                <a:spcPts val="3200"/>
-              </a:spcBef>
-              <a:buClrTx/>
-              <a:buSzTx/>
-              <a:buFontTx/>
-              <a:buNone/>
-              <a:defRPr cap="all" sz="7700">
-                <a:solidFill>
-                  <a:srgbClr val="A6AAA9"/>
-                </a:solidFill>
-                <a:latin typeface="DIN Alternate Bold"/>
-                <a:ea typeface="DIN Alternate Bold"/>
-                <a:cs typeface="DIN Alternate Bold"/>
-                <a:sym typeface="DIN Alternate Bold"/>
-              </a:defRPr>
-            </a:lvl5pPr>
-          </a:lstStyle>
-          <a:p>
-            <a:pPr/>
-            <a:r>
-              <a:t>Body Level One</a:t>
-            </a:r>
-          </a:p>
-          <a:p>
-            <a:pPr lvl="1"/>
-            <a:r>
-              <a:t>Body Level Two</a:t>
-            </a:r>
-          </a:p>
-          <a:p>
-            <a:pPr lvl="2"/>
-            <a:r>
-              <a:t>Body Level Three</a:t>
-            </a:r>
-          </a:p>
-          <a:p>
-            <a:pPr lvl="3"/>
-            <a:r>
-              <a:t>Body Level Four</a:t>
-            </a:r>
-          </a:p>
-          <a:p>
-            <a:pPr lvl="4"/>
-            <a:r>
-              <a:t>Body Level Five</a:t>
-            </a:r>
-          </a:p>
-        </p:txBody>
-      </p:sp>
-      <p:sp>
-        <p:nvSpPr>
-          <p:cNvPr id="26" name="Slide Number"/>
-          <p:cNvSpPr txBox="1"/>
-          <p:nvPr>
-            <p:ph type="sldNum" sz="quarter" idx="2"/>
-          </p:nvPr>
-        </p:nvSpPr>
-        <p:spPr>
-          <a:xfrm>
-            <a:off x="23063200" y="609600"/>
-            <a:ext cx="553195" cy="635000"/>
-          </a:xfrm>
-          <a:prstGeom prst="rect">
-            <a:avLst/>
-          </a:prstGeom>
-        </p:spPr>
-        <p:txBody>
-          <a:bodyPr/>
-          <a:lstStyle/>
-          <a:p>
-            <a:pPr/>
-            <a:fld id="{86CB4B4D-7CA3-9044-876B-883B54F8677D}" type="slidenum"/>
-          </a:p>
-        </p:txBody>
-      </p:sp>
-    </p:spTree>
-  </p:cSld>
-  <p:clrMapOvr>
-    <a:masterClrMapping/>
-  </p:clrMapOvr>
-  <p:transition xmlns:p14="http://schemas.microsoft.com/office/powerpoint/2010/main" spd="med" advClick="1"/>
-</p:sldLayout>
-</file>
-
-<file path=ppt/slideLayouts/slideLayout3.xml><?xml version="1.0" encoding="utf-8"?>
-<p:sldLayout xmlns:a="http://schemas.openxmlformats.org/drawingml/2006/main" xmlns:r="http://schemas.openxmlformats.org/officeDocument/2006/relationships" xmlns:p="http://schemas.openxmlformats.org/presentationml/2006/main" xmlns:m="http://schemas.openxmlformats.org/officeDocument/2006/math" xmlns:a14="http://schemas.microsoft.com/office/drawing/2010/main" type="tx" showMasterSp="0" showMasterPhAnim="1">
-  <p:cSld name="Title &amp; Subtitle Alt">
-    <p:spTree>
-      <p:nvGrpSpPr>
-        <p:cNvPr id="1" name=""/>
-        <p:cNvGrpSpPr/>
-        <p:nvPr/>
-      </p:nvGrpSpPr>
-      <p:grpSpPr>
-        <a:xfrm>
-          <a:off x="0" y="0"/>
-          <a:ext cx="0" cy="0"/>
-          <a:chOff x="0" y="0"/>
-          <a:chExt cx="0" cy="0"/>
-        </a:xfrm>
-      </p:grpSpPr>
-      <p:sp>
-        <p:nvSpPr>
-          <p:cNvPr id="33" name="Line"/>
-          <p:cNvSpPr/>
-          <p:nvPr/>
-        </p:nvSpPr>
-        <p:spPr>
-          <a:xfrm flipV="1">
-            <a:off x="762000" y="8635632"/>
-            <a:ext cx="22859999" cy="369"/>
-          </a:xfrm>
-          <a:prstGeom prst="line">
-            <a:avLst/>
-          </a:prstGeom>
-          <a:ln w="50800">
-            <a:solidFill>
-              <a:srgbClr val="A6AAA9"/>
-            </a:solidFill>
-            <a:miter lim="400000"/>
-          </a:ln>
-        </p:spPr>
-        <p:txBody>
-          <a:bodyPr lIns="50800" tIns="50800" rIns="50800" bIns="50800" anchor="ctr"/>
-          <a:lstStyle/>
-          <a:p>
-            <a:pPr defTabSz="457200">
-              <a:spcBef>
-                <a:spcPts val="0"/>
-              </a:spcBef>
-              <a:defRPr sz="1200">
-                <a:solidFill>
-                  <a:srgbClr val="000000"/>
-                </a:solidFill>
-                <a:latin typeface="Helvetica"/>
-                <a:ea typeface="Helvetica"/>
-                <a:cs typeface="Helvetica"/>
-                <a:sym typeface="Helvetica"/>
-              </a:defRPr>
-            </a:pPr>
-          </a:p>
-        </p:txBody>
-      </p:sp>
-      <p:sp>
-        <p:nvSpPr>
-          <p:cNvPr id="34" name="Title Text"/>
-          <p:cNvSpPr txBox="1"/>
-          <p:nvPr>
-            <p:ph type="title"/>
-          </p:nvPr>
-        </p:nvSpPr>
-        <p:spPr>
-          <a:xfrm>
-            <a:off x="762000" y="9042400"/>
-            <a:ext cx="22860000" cy="3810000"/>
-          </a:xfrm>
-          <a:prstGeom prst="rect">
-            <a:avLst/>
-          </a:prstGeom>
-        </p:spPr>
-        <p:txBody>
-          <a:bodyPr/>
-          <a:lstStyle>
-            <a:lvl1pPr>
-              <a:spcBef>
-                <a:spcPts val="0"/>
-              </a:spcBef>
-              <a:defRPr sz="30300"/>
-            </a:lvl1pPr>
-          </a:lstStyle>
-          <a:p>
-            <a:pPr/>
-            <a:r>
-              <a:t>Title Text</a:t>
-            </a:r>
-          </a:p>
-        </p:txBody>
-      </p:sp>
-      <p:sp>
-        <p:nvSpPr>
-          <p:cNvPr id="35" name="Body Level One…"/>
-          <p:cNvSpPr txBox="1"/>
-          <p:nvPr>
-            <p:ph type="body" sz="quarter" idx="1"/>
-          </p:nvPr>
-        </p:nvSpPr>
-        <p:spPr>
-          <a:xfrm>
-            <a:off x="762000" y="5994400"/>
-            <a:ext cx="22860000" cy="2540000"/>
-          </a:xfrm>
-          <a:prstGeom prst="rect">
-            <a:avLst/>
-          </a:prstGeom>
-        </p:spPr>
-        <p:txBody>
-          <a:bodyPr anchor="b"/>
-          <a:lstStyle>
-            <a:lvl1pPr marL="0" indent="0">
-              <a:lnSpc>
-                <a:spcPct val="80000"/>
-              </a:lnSpc>
-              <a:spcBef>
-                <a:spcPts val="3200"/>
-              </a:spcBef>
-              <a:buClrTx/>
-              <a:buSzTx/>
-              <a:buFontTx/>
-              <a:buNone/>
-              <a:defRPr cap="all" sz="7700">
-                <a:solidFill>
-                  <a:srgbClr val="A6AAA9"/>
-                </a:solidFill>
-                <a:latin typeface="DIN Alternate Bold"/>
-                <a:ea typeface="DIN Alternate Bold"/>
-                <a:cs typeface="DIN Alternate Bold"/>
-                <a:sym typeface="DIN Alternate Bold"/>
-              </a:defRPr>
-            </a:lvl1pPr>
-            <a:lvl2pPr marL="0" indent="0">
-              <a:lnSpc>
-                <a:spcPct val="80000"/>
-              </a:lnSpc>
-              <a:spcBef>
-                <a:spcPts val="3200"/>
-              </a:spcBef>
-              <a:buClrTx/>
-              <a:buSzTx/>
-              <a:buFontTx/>
-              <a:buNone/>
-              <a:defRPr cap="all" sz="7700">
-                <a:solidFill>
-                  <a:srgbClr val="A6AAA9"/>
-                </a:solidFill>
-                <a:latin typeface="DIN Alternate Bold"/>
-                <a:ea typeface="DIN Alternate Bold"/>
-                <a:cs typeface="DIN Alternate Bold"/>
-                <a:sym typeface="DIN Alternate Bold"/>
-              </a:defRPr>
-            </a:lvl2pPr>
-            <a:lvl3pPr marL="0" indent="0">
-              <a:lnSpc>
-                <a:spcPct val="80000"/>
-              </a:lnSpc>
-              <a:spcBef>
-                <a:spcPts val="3200"/>
-              </a:spcBef>
-              <a:buClrTx/>
-              <a:buSzTx/>
-              <a:buFontTx/>
-              <a:buNone/>
-              <a:defRPr cap="all" sz="7700">
-                <a:solidFill>
-                  <a:srgbClr val="A6AAA9"/>
-                </a:solidFill>
-                <a:latin typeface="DIN Alternate Bold"/>
-                <a:ea typeface="DIN Alternate Bold"/>
-                <a:cs typeface="DIN Alternate Bold"/>
-                <a:sym typeface="DIN Alternate Bold"/>
-              </a:defRPr>
-            </a:lvl3pPr>
-            <a:lvl4pPr marL="0" indent="0">
-              <a:lnSpc>
-                <a:spcPct val="80000"/>
-              </a:lnSpc>
-              <a:spcBef>
-                <a:spcPts val="3200"/>
-              </a:spcBef>
-              <a:buClrTx/>
-              <a:buSzTx/>
-              <a:buFontTx/>
-              <a:buNone/>
-              <a:defRPr cap="all" sz="7700">
-                <a:solidFill>
-                  <a:srgbClr val="A6AAA9"/>
-                </a:solidFill>
-                <a:latin typeface="DIN Alternate Bold"/>
-                <a:ea typeface="DIN Alternate Bold"/>
-                <a:cs typeface="DIN Alternate Bold"/>
-                <a:sym typeface="DIN Alternate Bold"/>
-              </a:defRPr>
-            </a:lvl4pPr>
-            <a:lvl5pPr marL="0" indent="0">
-              <a:lnSpc>
-                <a:spcPct val="80000"/>
-              </a:lnSpc>
-              <a:spcBef>
-                <a:spcPts val="3200"/>
-              </a:spcBef>
-              <a:buClrTx/>
-              <a:buSzTx/>
-              <a:buFontTx/>
-              <a:buNone/>
-              <a:defRPr cap="all" sz="7700">
-                <a:solidFill>
-                  <a:srgbClr val="A6AAA9"/>
-                </a:solidFill>
-                <a:latin typeface="DIN Alternate Bold"/>
-                <a:ea typeface="DIN Alternate Bold"/>
-                <a:cs typeface="DIN Alternate Bold"/>
-                <a:sym typeface="DIN Alternate Bold"/>
-              </a:defRPr>
-            </a:lvl5pPr>
-          </a:lstStyle>
-          <a:p>
-            <a:pPr/>
-            <a:r>
-              <a:t>Body Level One</a:t>
-            </a:r>
-          </a:p>
-          <a:p>
-            <a:pPr lvl="1"/>
-            <a:r>
-              <a:t>Body Level Two</a:t>
-            </a:r>
-          </a:p>
-          <a:p>
-            <a:pPr lvl="2"/>
-            <a:r>
-              <a:t>Body Level Three</a:t>
-            </a:r>
-          </a:p>
-          <a:p>
-            <a:pPr lvl="3"/>
-            <a:r>
-              <a:t>Body Level Four</a:t>
-            </a:r>
-          </a:p>
-          <a:p>
-            <a:pPr lvl="4"/>
-            <a:r>
-              <a:t>Body Level Five</a:t>
-            </a:r>
-          </a:p>
-        </p:txBody>
-      </p:sp>
-      <p:sp>
-        <p:nvSpPr>
-          <p:cNvPr id="36" name="Slide Number"/>
-          <p:cNvSpPr txBox="1"/>
-          <p:nvPr>
-            <p:ph type="sldNum" sz="quarter" idx="2"/>
-          </p:nvPr>
-        </p:nvSpPr>
-        <p:spPr>
-          <a:xfrm>
-            <a:off x="23013221" y="584200"/>
-            <a:ext cx="553195" cy="635000"/>
-          </a:xfrm>
-          <a:prstGeom prst="rect">
-            <a:avLst/>
-          </a:prstGeom>
-        </p:spPr>
-        <p:txBody>
-          <a:bodyPr/>
-          <a:lstStyle/>
-          <a:p>
-            <a:pPr/>
-            <a:fld id="{86CB4B4D-7CA3-9044-876B-883B54F8677D}" type="slidenum"/>
-          </a:p>
-        </p:txBody>
-      </p:sp>
-    </p:spTree>
-  </p:cSld>
-  <p:clrMapOvr>
-    <a:masterClrMapping/>
-  </p:clrMapOvr>
-  <p:transition xmlns:p14="http://schemas.microsoft.com/office/powerpoint/2010/main" spd="med" advClick="1"/>
-</p:sldLayout>
-</file>
-
-<file path=ppt/slideLayouts/slideLayout4.xml><?xml version="1.0" encoding="utf-8"?>
-<p:sldLayout xmlns:a="http://schemas.openxmlformats.org/drawingml/2006/main" xmlns:r="http://schemas.openxmlformats.org/officeDocument/2006/relationships" xmlns:p="http://schemas.openxmlformats.org/presentationml/2006/main" xmlns:m="http://schemas.openxmlformats.org/officeDocument/2006/math" xmlns:a14="http://schemas.microsoft.com/office/drawing/2010/main" type="tx" showMasterSp="0" showMasterPhAnim="1">
-  <p:cSld name="Title - Centre">
-    <p:bg>
-      <p:bgPr>
-        <a:solidFill>
-          <a:srgbClr val="222222"/>
-        </a:solidFill>
-      </p:bgPr>
-    </p:bg>
-    <p:spTree>
-      <p:nvGrpSpPr>
-        <p:cNvPr id="1" name=""/>
-        <p:cNvGrpSpPr/>
-        <p:nvPr/>
-      </p:nvGrpSpPr>
-      <p:grpSpPr>
-        <a:xfrm>
-          <a:off x="0" y="0"/>
-          <a:ext cx="0" cy="0"/>
-          <a:chOff x="0" y="0"/>
-          <a:chExt cx="0" cy="0"/>
-        </a:xfrm>
-      </p:grpSpPr>
-      <p:sp>
-        <p:nvSpPr>
-          <p:cNvPr id="43" name="Title Text"/>
-          <p:cNvSpPr txBox="1"/>
-          <p:nvPr>
-            <p:ph type="title"/>
-          </p:nvPr>
-        </p:nvSpPr>
-        <p:spPr>
-          <a:xfrm>
-            <a:off x="762000" y="5676900"/>
-            <a:ext cx="22860000" cy="6350000"/>
-          </a:xfrm>
-          <a:prstGeom prst="rect">
-            <a:avLst/>
-          </a:prstGeom>
-        </p:spPr>
-        <p:txBody>
-          <a:bodyPr/>
-          <a:lstStyle>
-            <a:lvl1pPr>
-              <a:spcBef>
-                <a:spcPts val="0"/>
-              </a:spcBef>
-              <a:defRPr sz="30300"/>
-            </a:lvl1pPr>
-          </a:lstStyle>
-          <a:p>
-            <a:pPr/>
-            <a:r>
-              <a:t>Title Text</a:t>
-            </a:r>
-          </a:p>
-        </p:txBody>
-      </p:sp>
-      <p:sp>
-        <p:nvSpPr>
-          <p:cNvPr id="44" name="Slide Number"/>
-          <p:cNvSpPr txBox="1"/>
-          <p:nvPr>
-            <p:ph type="sldNum" sz="quarter" idx="2"/>
-          </p:nvPr>
-        </p:nvSpPr>
-        <p:spPr>
-          <a:xfrm>
-            <a:off x="23063200" y="609600"/>
-            <a:ext cx="553195" cy="635000"/>
-          </a:xfrm>
-          <a:prstGeom prst="rect">
-            <a:avLst/>
-          </a:prstGeom>
-        </p:spPr>
-        <p:txBody>
-          <a:bodyPr/>
-          <a:lstStyle/>
-          <a:p>
-            <a:pPr/>
-            <a:fld id="{86CB4B4D-7CA3-9044-876B-883B54F8677D}" type="slidenum"/>
-          </a:p>
-        </p:txBody>
-      </p:sp>
-    </p:spTree>
-  </p:cSld>
-  <p:clrMapOvr>
-    <a:masterClrMapping/>
-  </p:clrMapOvr>
-  <p:transition xmlns:p14="http://schemas.microsoft.com/office/powerpoint/2010/main" spd="med" advClick="1"/>
-</p:sldLayout>
-</file>
-
-<file path=ppt/slideLayouts/slideLayout5.xml><?xml version="1.0" encoding="utf-8"?>
-<p:sldLayout xmlns:a="http://schemas.openxmlformats.org/drawingml/2006/main" xmlns:r="http://schemas.openxmlformats.org/officeDocument/2006/relationships" xmlns:p="http://schemas.openxmlformats.org/presentationml/2006/main" xmlns:m="http://schemas.openxmlformats.org/officeDocument/2006/math" xmlns:a14="http://schemas.microsoft.com/office/drawing/2010/main" type="tx" showMasterSp="0" showMasterPhAnim="1">
-  <p:cSld name="Photo - Vertical">
-    <p:bg>
-      <p:bgPr>
-        <a:solidFill>
-          <a:srgbClr val="222222"/>
-        </a:solidFill>
-      </p:bgPr>
-    </p:bg>
-    <p:spTree>
-      <p:nvGrpSpPr>
-        <p:cNvPr id="1" name=""/>
-        <p:cNvGrpSpPr/>
-        <p:nvPr/>
-      </p:nvGrpSpPr>
-      <p:grpSpPr>
-        <a:xfrm>
-          <a:off x="0" y="0"/>
-          <a:ext cx="0" cy="0"/>
-          <a:chOff x="0" y="0"/>
-          <a:chExt cx="0" cy="0"/>
-        </a:xfrm>
-      </p:grpSpPr>
-      <p:sp>
-        <p:nvSpPr>
-          <p:cNvPr id="51" name="Line"/>
-          <p:cNvSpPr/>
-          <p:nvPr/>
-        </p:nvSpPr>
-        <p:spPr>
-          <a:xfrm flipV="1">
-            <a:off x="11049000" y="8635798"/>
-            <a:ext cx="12572997" cy="203"/>
-          </a:xfrm>
-          <a:prstGeom prst="line">
-            <a:avLst/>
-          </a:prstGeom>
-          <a:ln w="50800">
-            <a:solidFill>
-              <a:srgbClr val="A6AAA9"/>
-            </a:solidFill>
-            <a:miter lim="400000"/>
-          </a:ln>
-        </p:spPr>
-        <p:txBody>
-          <a:bodyPr lIns="50800" tIns="50800" rIns="50800" bIns="50800" anchor="ctr"/>
-          <a:lstStyle/>
-          <a:p>
-            <a:pPr defTabSz="457200">
-              <a:spcBef>
-                <a:spcPts val="0"/>
-              </a:spcBef>
-              <a:defRPr sz="1200">
-                <a:solidFill>
-                  <a:srgbClr val="000000"/>
-                </a:solidFill>
-                <a:latin typeface="Helvetica"/>
-                <a:ea typeface="Helvetica"/>
-                <a:cs typeface="Helvetica"/>
-                <a:sym typeface="Helvetica"/>
-              </a:defRPr>
-            </a:pPr>
-          </a:p>
-        </p:txBody>
-      </p:sp>
-      <p:sp>
-        <p:nvSpPr>
-          <p:cNvPr id="52" name="Black and white photo of windmills under a cloudy sky"/>
-          <p:cNvSpPr/>
-          <p:nvPr>
-            <p:ph type="pic" idx="21"/>
-          </p:nvPr>
-        </p:nvSpPr>
-        <p:spPr>
-          <a:xfrm>
-            <a:off x="-190500" y="0"/>
-            <a:ext cx="12428272" cy="13716000"/>
-          </a:xfrm>
-          <a:prstGeom prst="rect">
-            <a:avLst/>
-          </a:prstGeom>
-        </p:spPr>
-        <p:txBody>
-          <a:bodyPr lIns="91439" tIns="45719" rIns="91439" bIns="45719">
-            <a:noAutofit/>
-          </a:bodyPr>
-          <a:lstStyle/>
-          <a:p>
-            <a:pPr/>
-          </a:p>
-        </p:txBody>
-      </p:sp>
-      <p:sp>
-        <p:nvSpPr>
-          <p:cNvPr id="53" name="Title Text"/>
-          <p:cNvSpPr txBox="1"/>
-          <p:nvPr>
-            <p:ph type="title"/>
-          </p:nvPr>
-        </p:nvSpPr>
-        <p:spPr>
-          <a:xfrm>
-            <a:off x="11049000" y="9042400"/>
-            <a:ext cx="12573000" cy="3810000"/>
-          </a:xfrm>
-          <a:prstGeom prst="rect">
-            <a:avLst/>
-          </a:prstGeom>
-        </p:spPr>
-        <p:txBody>
-          <a:bodyPr/>
-          <a:lstStyle>
-            <a:lvl1pPr>
-              <a:spcBef>
-                <a:spcPts val="0"/>
-              </a:spcBef>
-              <a:defRPr sz="30300"/>
-            </a:lvl1pPr>
-          </a:lstStyle>
-          <a:p>
-            <a:pPr/>
-            <a:r>
-              <a:t>Title Text</a:t>
-            </a:r>
-          </a:p>
-        </p:txBody>
-      </p:sp>
-      <p:sp>
-        <p:nvSpPr>
-          <p:cNvPr id="54" name="Body Level One…"/>
-          <p:cNvSpPr txBox="1"/>
-          <p:nvPr>
-            <p:ph type="body" sz="quarter" idx="1"/>
-          </p:nvPr>
-        </p:nvSpPr>
-        <p:spPr>
-          <a:xfrm>
-            <a:off x="11049000" y="5994400"/>
-            <a:ext cx="12573000" cy="2540000"/>
-          </a:xfrm>
-          <a:prstGeom prst="rect">
-            <a:avLst/>
-          </a:prstGeom>
-        </p:spPr>
-        <p:txBody>
-          <a:bodyPr anchor="b"/>
-          <a:lstStyle>
-            <a:lvl1pPr marL="0" indent="0">
-              <a:lnSpc>
-                <a:spcPct val="80000"/>
-              </a:lnSpc>
-              <a:spcBef>
-                <a:spcPts val="3200"/>
-              </a:spcBef>
-              <a:buClrTx/>
-              <a:buSzTx/>
-              <a:buFontTx/>
-              <a:buNone/>
-              <a:defRPr cap="all" sz="7700">
-                <a:solidFill>
-                  <a:srgbClr val="A6AAA9"/>
-                </a:solidFill>
-                <a:latin typeface="DIN Alternate Bold"/>
-                <a:ea typeface="DIN Alternate Bold"/>
-                <a:cs typeface="DIN Alternate Bold"/>
-                <a:sym typeface="DIN Alternate Bold"/>
-              </a:defRPr>
-            </a:lvl1pPr>
-            <a:lvl2pPr marL="0" indent="0">
-              <a:lnSpc>
-                <a:spcPct val="80000"/>
-              </a:lnSpc>
-              <a:spcBef>
-                <a:spcPts val="3200"/>
-              </a:spcBef>
-              <a:buClrTx/>
-              <a:buSzTx/>
-              <a:buFontTx/>
-              <a:buNone/>
-              <a:defRPr cap="all" sz="7700">
-                <a:solidFill>
-                  <a:srgbClr val="A6AAA9"/>
-                </a:solidFill>
-                <a:latin typeface="DIN Alternate Bold"/>
-                <a:ea typeface="DIN Alternate Bold"/>
-                <a:cs typeface="DIN Alternate Bold"/>
-                <a:sym typeface="DIN Alternate Bold"/>
-              </a:defRPr>
-            </a:lvl2pPr>
-            <a:lvl3pPr marL="0" indent="0">
-              <a:lnSpc>
-                <a:spcPct val="80000"/>
-              </a:lnSpc>
-              <a:spcBef>
-                <a:spcPts val="3200"/>
-              </a:spcBef>
-              <a:buClrTx/>
-              <a:buSzTx/>
-              <a:buFontTx/>
-              <a:buNone/>
-              <a:defRPr cap="all" sz="7700">
-                <a:solidFill>
-                  <a:srgbClr val="A6AAA9"/>
-                </a:solidFill>
-                <a:latin typeface="DIN Alternate Bold"/>
-                <a:ea typeface="DIN Alternate Bold"/>
-                <a:cs typeface="DIN Alternate Bold"/>
-                <a:sym typeface="DIN Alternate Bold"/>
-              </a:defRPr>
-            </a:lvl3pPr>
-            <a:lvl4pPr marL="0" indent="0">
-              <a:lnSpc>
-                <a:spcPct val="80000"/>
-              </a:lnSpc>
-              <a:spcBef>
-                <a:spcPts val="3200"/>
-              </a:spcBef>
-              <a:buClrTx/>
-              <a:buSzTx/>
-              <a:buFontTx/>
-              <a:buNone/>
-              <a:defRPr cap="all" sz="7700">
-                <a:solidFill>
-                  <a:srgbClr val="A6AAA9"/>
-                </a:solidFill>
-                <a:latin typeface="DIN Alternate Bold"/>
-                <a:ea typeface="DIN Alternate Bold"/>
-                <a:cs typeface="DIN Alternate Bold"/>
-                <a:sym typeface="DIN Alternate Bold"/>
-              </a:defRPr>
-            </a:lvl4pPr>
-            <a:lvl5pPr marL="0" indent="0">
-              <a:lnSpc>
-                <a:spcPct val="80000"/>
-              </a:lnSpc>
-              <a:spcBef>
-                <a:spcPts val="3200"/>
-              </a:spcBef>
-              <a:buClrTx/>
-              <a:buSzTx/>
-              <a:buFontTx/>
-              <a:buNone/>
-              <a:defRPr cap="all" sz="7700">
-                <a:solidFill>
-                  <a:srgbClr val="A6AAA9"/>
-                </a:solidFill>
-                <a:latin typeface="DIN Alternate Bold"/>
-                <a:ea typeface="DIN Alternate Bold"/>
-                <a:cs typeface="DIN Alternate Bold"/>
-                <a:sym typeface="DIN Alternate Bold"/>
-              </a:defRPr>
-            </a:lvl5pPr>
-          </a:lstStyle>
-          <a:p>
-            <a:pPr/>
-            <a:r>
-              <a:t>Body Level One</a:t>
-            </a:r>
-          </a:p>
-          <a:p>
-            <a:pPr lvl="1"/>
-            <a:r>
-              <a:t>Body Level Two</a:t>
-            </a:r>
-          </a:p>
-          <a:p>
-            <a:pPr lvl="2"/>
-            <a:r>
-              <a:t>Body Level Three</a:t>
-            </a:r>
-          </a:p>
-          <a:p>
-            <a:pPr lvl="3"/>
-            <a:r>
-              <a:t>Body Level Four</a:t>
-            </a:r>
-          </a:p>
-          <a:p>
-            <a:pPr lvl="4"/>
-            <a:r>
-              <a:t>Body Level Five</a:t>
-            </a:r>
-          </a:p>
-        </p:txBody>
-      </p:sp>
-      <p:sp>
-        <p:nvSpPr>
-          <p:cNvPr id="55" name="Slide Number"/>
-          <p:cNvSpPr txBox="1"/>
-          <p:nvPr>
-            <p:ph type="sldNum" sz="quarter" idx="2"/>
-          </p:nvPr>
-        </p:nvSpPr>
-        <p:spPr>
-          <a:xfrm>
-            <a:off x="23063200" y="609600"/>
-            <a:ext cx="553195" cy="635000"/>
-          </a:xfrm>
-          <a:prstGeom prst="rect">
-            <a:avLst/>
-          </a:prstGeom>
-        </p:spPr>
-        <p:txBody>
-          <a:bodyPr/>
-          <a:lstStyle/>
-          <a:p>
-            <a:pPr/>
-            <a:fld id="{86CB4B4D-7CA3-9044-876B-883B54F8677D}" type="slidenum"/>
-          </a:p>
-        </p:txBody>
-      </p:sp>
-    </p:spTree>
-  </p:cSld>
-  <p:clrMapOvr>
-    <a:masterClrMapping/>
-  </p:clrMapOvr>
-  <p:transition xmlns:p14="http://schemas.microsoft.com/office/powerpoint/2010/main" spd="med" advClick="1"/>
-</p:sldLayout>
-</file>
-
-<file path=ppt/slideLayouts/slideLayout6.xml><?xml version="1.0" encoding="utf-8"?>
-<p:sldLayout xmlns:a="http://schemas.openxmlformats.org/drawingml/2006/main" xmlns:r="http://schemas.openxmlformats.org/officeDocument/2006/relationships" xmlns:p="http://schemas.openxmlformats.org/presentationml/2006/main" xmlns:m="http://schemas.openxmlformats.org/officeDocument/2006/math" xmlns:a14="http://schemas.microsoft.com/office/drawing/2010/main" type="tx" showMasterSp="1" showMasterPhAnim="1">
-  <p:cSld name="Title - Top">
-    <p:spTree>
-      <p:nvGrpSpPr>
-        <p:cNvPr id="1" name=""/>
-        <p:cNvGrpSpPr/>
-        <p:nvPr/>
-      </p:nvGrpSpPr>
-      <p:grpSpPr>
-        <a:xfrm>
-          <a:off x="0" y="0"/>
-          <a:ext cx="0" cy="0"/>
-          <a:chOff x="0" y="0"/>
-          <a:chExt cx="0" cy="0"/>
-        </a:xfrm>
-      </p:grpSpPr>
-      <p:sp>
-        <p:nvSpPr>
-          <p:cNvPr id="62" name="Text"/>
-          <p:cNvSpPr txBox="1"/>
-          <p:nvPr>
-            <p:ph type="body" sz="quarter" idx="21"/>
-          </p:nvPr>
-        </p:nvSpPr>
-        <p:spPr>
-          <a:xfrm>
-            <a:off x="762000" y="635000"/>
-            <a:ext cx="20955000" cy="635000"/>
-          </a:xfrm>
-          <a:prstGeom prst="rect">
-            <a:avLst/>
-          </a:prstGeom>
-        </p:spPr>
-        <p:txBody>
-          <a:bodyPr anchor="b">
-            <a:spAutoFit/>
-          </a:bodyPr>
-          <a:lstStyle>
-            <a:lvl1pPr marL="0" indent="0" defTabSz="647700">
-              <a:lnSpc>
-                <a:spcPct val="80000"/>
-              </a:lnSpc>
-              <a:spcBef>
-                <a:spcPts val="0"/>
-              </a:spcBef>
-              <a:buClrTx/>
-              <a:buSzTx/>
-              <a:buFontTx/>
-              <a:buNone/>
-              <a:defRPr cap="all" spc="180" sz="3600">
-                <a:latin typeface="DIN Alternate Bold"/>
-                <a:ea typeface="DIN Alternate Bold"/>
-                <a:cs typeface="DIN Alternate Bold"/>
-                <a:sym typeface="DIN Alternate Bold"/>
-              </a:defRPr>
-            </a:lvl1pPr>
-          </a:lstStyle>
-          <a:p>
-            <a:pPr/>
-            <a:r>
-              <a:t>Text</a:t>
-            </a:r>
-          </a:p>
-        </p:txBody>
-      </p:sp>
-      <p:sp>
-        <p:nvSpPr>
-          <p:cNvPr id="63" name="Title Text"/>
-          <p:cNvSpPr txBox="1"/>
-          <p:nvPr>
-            <p:ph type="title"/>
-          </p:nvPr>
-        </p:nvSpPr>
-        <p:spPr>
-          <a:prstGeom prst="rect">
-            <a:avLst/>
-          </a:prstGeom>
-        </p:spPr>
-        <p:txBody>
-          <a:bodyPr/>
-          <a:lstStyle/>
-          <a:p>
-            <a:pPr/>
-            <a:r>
-              <a:t>Title Text</a:t>
-            </a:r>
-          </a:p>
-        </p:txBody>
-      </p:sp>
-      <p:sp>
-        <p:nvSpPr>
-          <p:cNvPr id="64" name="Slide Number"/>
-          <p:cNvSpPr txBox="1"/>
-          <p:nvPr>
-            <p:ph type="sldNum" sz="quarter" idx="2"/>
-          </p:nvPr>
-        </p:nvSpPr>
-        <p:spPr>
-          <a:prstGeom prst="rect">
-            <a:avLst/>
-          </a:prstGeom>
-        </p:spPr>
-        <p:txBody>
-          <a:bodyPr/>
-          <a:lstStyle/>
-          <a:p>
-            <a:pPr/>
-            <a:fld id="{86CB4B4D-7CA3-9044-876B-883B54F8677D}" type="slidenum"/>
-          </a:p>
-        </p:txBody>
-      </p:sp>
-    </p:spTree>
-  </p:cSld>
-  <p:clrMapOvr>
-    <a:masterClrMapping/>
-  </p:clrMapOvr>
-  <p:transition xmlns:p14="http://schemas.microsoft.com/office/powerpoint/2010/main" spd="med" advClick="1"/>
-</p:sldLayout>
-</file>
-
-<file path=ppt/slideLayouts/slideLayout7.xml><?xml version="1.0" encoding="utf-8"?>
-<p:sldLayout xmlns:a="http://schemas.openxmlformats.org/drawingml/2006/main" xmlns:r="http://schemas.openxmlformats.org/officeDocument/2006/relationships" xmlns:p="http://schemas.openxmlformats.org/presentationml/2006/main" xmlns:m="http://schemas.openxmlformats.org/officeDocument/2006/math" xmlns:a14="http://schemas.microsoft.com/office/drawing/2010/main" type="tx" showMasterSp="1" showMasterPhAnim="1">
-  <p:cSld name="Title &amp; Bullets">
-    <p:bg>
-      <p:bgPr>
-        <a:solidFill>
-          <a:srgbClr val="222222"/>
-        </a:solidFill>
-      </p:bgPr>
-    </p:bg>
-    <p:spTree>
-      <p:nvGrpSpPr>
-        <p:cNvPr id="1" name=""/>
-        <p:cNvGrpSpPr/>
-        <p:nvPr/>
-      </p:nvGrpSpPr>
-      <p:grpSpPr>
-        <a:xfrm>
-          <a:off x="0" y="0"/>
-          <a:ext cx="0" cy="0"/>
-          <a:chOff x="0" y="0"/>
-          <a:chExt cx="0" cy="0"/>
-        </a:xfrm>
-      </p:grpSpPr>
-      <p:sp>
-        <p:nvSpPr>
-          <p:cNvPr id="71" name="Text"/>
-          <p:cNvSpPr txBox="1"/>
-          <p:nvPr>
-            <p:ph type="body" sz="quarter" idx="21"/>
-          </p:nvPr>
-        </p:nvSpPr>
-        <p:spPr>
-          <a:xfrm>
-            <a:off x="762000" y="635000"/>
-            <a:ext cx="20955000" cy="635000"/>
-          </a:xfrm>
-          <a:prstGeom prst="rect">
-            <a:avLst/>
-          </a:prstGeom>
-        </p:spPr>
-        <p:txBody>
-          <a:bodyPr anchor="b">
-            <a:spAutoFit/>
-          </a:bodyPr>
-          <a:lstStyle>
-            <a:lvl1pPr marL="0" indent="0" defTabSz="647700">
-              <a:lnSpc>
-                <a:spcPct val="80000"/>
-              </a:lnSpc>
-              <a:spcBef>
-                <a:spcPts val="0"/>
-              </a:spcBef>
-              <a:buClrTx/>
-              <a:buSzTx/>
-              <a:buFontTx/>
-              <a:buNone/>
-              <a:defRPr cap="all" spc="180" sz="3600">
-                <a:latin typeface="DIN Alternate Bold"/>
-                <a:ea typeface="DIN Alternate Bold"/>
-                <a:cs typeface="DIN Alternate Bold"/>
-                <a:sym typeface="DIN Alternate Bold"/>
-              </a:defRPr>
-            </a:lvl1pPr>
-          </a:lstStyle>
-          <a:p>
-            <a:pPr/>
-            <a:r>
-              <a:t>Text</a:t>
-            </a:r>
-          </a:p>
-        </p:txBody>
-      </p:sp>
-      <p:sp>
-        <p:nvSpPr>
-          <p:cNvPr id="72" name="Title Text"/>
-          <p:cNvSpPr txBox="1"/>
-          <p:nvPr>
-            <p:ph type="title"/>
-          </p:nvPr>
-        </p:nvSpPr>
-        <p:spPr>
-          <a:prstGeom prst="rect">
-            <a:avLst/>
-          </a:prstGeom>
-        </p:spPr>
-        <p:txBody>
-          <a:bodyPr/>
-          <a:lstStyle/>
-          <a:p>
-            <a:pPr/>
-            <a:r>
-              <a:t>Title Text</a:t>
-            </a:r>
-          </a:p>
-        </p:txBody>
-      </p:sp>
-      <p:sp>
-        <p:nvSpPr>
-          <p:cNvPr id="73" name="Body Level One…"/>
-          <p:cNvSpPr txBox="1"/>
-          <p:nvPr>
-            <p:ph type="body" idx="1"/>
-          </p:nvPr>
-        </p:nvSpPr>
-        <p:spPr>
-          <a:prstGeom prst="rect">
-            <a:avLst/>
-          </a:prstGeom>
-        </p:spPr>
-        <p:txBody>
-          <a:bodyPr/>
-          <a:lstStyle>
-            <a:lvl1pPr>
-              <a:buClr>
-                <a:schemeClr val="accent1"/>
-              </a:buClr>
-              <a:buChar char="▸"/>
-            </a:lvl1pPr>
-            <a:lvl2pPr>
-              <a:buClr>
-                <a:schemeClr val="accent1"/>
-              </a:buClr>
-              <a:buChar char="▸"/>
-            </a:lvl2pPr>
-            <a:lvl3pPr>
-              <a:buClr>
-                <a:schemeClr val="accent1"/>
-              </a:buClr>
-              <a:buChar char="▸"/>
-            </a:lvl3pPr>
-            <a:lvl4pPr>
-              <a:buClr>
-                <a:schemeClr val="accent1"/>
-              </a:buClr>
-              <a:buChar char="▸"/>
-            </a:lvl4pPr>
-            <a:lvl5pPr>
-              <a:buClr>
-                <a:schemeClr val="accent1"/>
-              </a:buClr>
-              <a:buChar char="▸"/>
-            </a:lvl5pPr>
-          </a:lstStyle>
-          <a:p>
-            <a:pPr/>
-            <a:r>
-              <a:t>Body Level One</a:t>
-            </a:r>
-          </a:p>
-          <a:p>
-            <a:pPr lvl="1"/>
-            <a:r>
-              <a:t>Body Level Two</a:t>
-            </a:r>
-          </a:p>
-          <a:p>
-            <a:pPr lvl="2"/>
-            <a:r>
-              <a:t>Body Level Three</a:t>
-            </a:r>
-          </a:p>
-          <a:p>
-            <a:pPr lvl="3"/>
-            <a:r>
-              <a:t>Body Level Four</a:t>
-            </a:r>
-          </a:p>
-          <a:p>
-            <a:pPr lvl="4"/>
-            <a:r>
-              <a:t>Body Level Five</a:t>
-            </a:r>
-          </a:p>
-        </p:txBody>
-      </p:sp>
-      <p:sp>
-        <p:nvSpPr>
-          <p:cNvPr id="74" name="Slide Number"/>
-          <p:cNvSpPr txBox="1"/>
-          <p:nvPr>
-            <p:ph type="sldNum" sz="quarter" idx="2"/>
-          </p:nvPr>
-        </p:nvSpPr>
-        <p:spPr>
-          <a:prstGeom prst="rect">
-            <a:avLst/>
-          </a:prstGeom>
-        </p:spPr>
-        <p:txBody>
-          <a:bodyPr/>
-          <a:lstStyle/>
-          <a:p>
-            <a:pPr/>
-            <a:fld id="{86CB4B4D-7CA3-9044-876B-883B54F8677D}" type="slidenum"/>
-          </a:p>
-        </p:txBody>
-      </p:sp>
-    </p:spTree>
-  </p:cSld>
-  <p:clrMapOvr>
-    <a:masterClrMapping/>
-  </p:clrMapOvr>
-  <p:transition xmlns:p14="http://schemas.microsoft.com/office/powerpoint/2010/main" spd="med" advClick="1"/>
-</p:sldLayout>
-</file>
-
-<file path=ppt/slideLayouts/slideLayout8.xml><?xml version="1.0" encoding="utf-8"?>
-<p:sldLayout xmlns:a="http://schemas.openxmlformats.org/drawingml/2006/main" xmlns:r="http://schemas.openxmlformats.org/officeDocument/2006/relationships" xmlns:p="http://schemas.openxmlformats.org/presentationml/2006/main" xmlns:m="http://schemas.openxmlformats.org/officeDocument/2006/math" xmlns:a14="http://schemas.microsoft.com/office/drawing/2010/main" type="tx" showMasterSp="1" showMasterPhAnim="1">
-  <p:cSld name="Title &amp; Bullets Alt">
-    <p:spTree>
-      <p:nvGrpSpPr>
-        <p:cNvPr id="1" name=""/>
-        <p:cNvGrpSpPr/>
-        <p:nvPr/>
-      </p:nvGrpSpPr>
-      <p:grpSpPr>
-        <a:xfrm>
-          <a:off x="0" y="0"/>
-          <a:ext cx="0" cy="0"/>
-          <a:chOff x="0" y="0"/>
-          <a:chExt cx="0" cy="0"/>
-        </a:xfrm>
-      </p:grpSpPr>
-      <p:sp>
-        <p:nvSpPr>
-          <p:cNvPr id="81" name="Text"/>
-          <p:cNvSpPr txBox="1"/>
-          <p:nvPr>
-            <p:ph type="body" sz="quarter" idx="21"/>
-          </p:nvPr>
-        </p:nvSpPr>
-        <p:spPr>
-          <a:xfrm>
-            <a:off x="762000" y="635000"/>
-            <a:ext cx="20955000" cy="635000"/>
-          </a:xfrm>
-          <a:prstGeom prst="rect">
-            <a:avLst/>
-          </a:prstGeom>
-        </p:spPr>
-        <p:txBody>
-          <a:bodyPr anchor="b">
-            <a:spAutoFit/>
-          </a:bodyPr>
-          <a:lstStyle>
-            <a:lvl1pPr marL="0" indent="0" defTabSz="647700">
-              <a:lnSpc>
-                <a:spcPct val="80000"/>
-              </a:lnSpc>
-              <a:spcBef>
-                <a:spcPts val="0"/>
-              </a:spcBef>
-              <a:buClrTx/>
-              <a:buSzTx/>
-              <a:buFontTx/>
-              <a:buNone/>
-              <a:defRPr cap="all" spc="180" sz="3600">
-                <a:latin typeface="DIN Alternate Bold"/>
-                <a:ea typeface="DIN Alternate Bold"/>
-                <a:cs typeface="DIN Alternate Bold"/>
-                <a:sym typeface="DIN Alternate Bold"/>
-              </a:defRPr>
-            </a:lvl1pPr>
-          </a:lstStyle>
-          <a:p>
-            <a:pPr/>
-            <a:r>
-              <a:t>Text</a:t>
-            </a:r>
-          </a:p>
-        </p:txBody>
-      </p:sp>
-      <p:sp>
-        <p:nvSpPr>
-          <p:cNvPr id="82" name="Title Text"/>
-          <p:cNvSpPr txBox="1"/>
-          <p:nvPr>
-            <p:ph type="title"/>
-          </p:nvPr>
-        </p:nvSpPr>
-        <p:spPr>
-          <a:prstGeom prst="rect">
-            <a:avLst/>
-          </a:prstGeom>
-        </p:spPr>
-        <p:txBody>
-          <a:bodyPr/>
-          <a:lstStyle/>
-          <a:p>
-            <a:pPr/>
-            <a:r>
-              <a:t>Title Text</a:t>
-            </a:r>
-          </a:p>
-        </p:txBody>
-      </p:sp>
-      <p:sp>
-        <p:nvSpPr>
-          <p:cNvPr id="83" name="Body Level One…"/>
-          <p:cNvSpPr txBox="1"/>
-          <p:nvPr>
-            <p:ph type="body" idx="1"/>
-          </p:nvPr>
-        </p:nvSpPr>
-        <p:spPr>
-          <a:prstGeom prst="rect">
-            <a:avLst/>
-          </a:prstGeom>
-        </p:spPr>
-        <p:txBody>
-          <a:bodyPr/>
-          <a:lstStyle>
-            <a:lvl1pPr>
-              <a:buClr>
-                <a:schemeClr val="accent1"/>
-              </a:buClr>
-              <a:buChar char="▸"/>
-            </a:lvl1pPr>
-            <a:lvl2pPr>
-              <a:buClr>
-                <a:schemeClr val="accent1"/>
-              </a:buClr>
-              <a:buChar char="▸"/>
-            </a:lvl2pPr>
-            <a:lvl3pPr>
-              <a:buClr>
-                <a:schemeClr val="accent1"/>
-              </a:buClr>
-              <a:buChar char="▸"/>
-            </a:lvl3pPr>
-            <a:lvl4pPr>
-              <a:buClr>
-                <a:schemeClr val="accent1"/>
-              </a:buClr>
-              <a:buChar char="▸"/>
-            </a:lvl4pPr>
-            <a:lvl5pPr>
-              <a:buClr>
-                <a:schemeClr val="accent1"/>
-              </a:buClr>
-              <a:buChar char="▸"/>
-            </a:lvl5pPr>
-          </a:lstStyle>
-          <a:p>
-            <a:pPr/>
-            <a:r>
-              <a:t>Body Level One</a:t>
-            </a:r>
-          </a:p>
-          <a:p>
-            <a:pPr lvl="1"/>
-            <a:r>
-              <a:t>Body Level Two</a:t>
-            </a:r>
-          </a:p>
-          <a:p>
-            <a:pPr lvl="2"/>
-            <a:r>
-              <a:t>Body Level Three</a:t>
-            </a:r>
-          </a:p>
-          <a:p>
-            <a:pPr lvl="3"/>
-            <a:r>
-              <a:t>Body Level Four</a:t>
-            </a:r>
-          </a:p>
-          <a:p>
-            <a:pPr lvl="4"/>
-            <a:r>
-              <a:t>Body Level Five</a:t>
-            </a:r>
-          </a:p>
-        </p:txBody>
-      </p:sp>
-      <p:sp>
-        <p:nvSpPr>
-          <p:cNvPr id="84" name="Slide Number"/>
-          <p:cNvSpPr txBox="1"/>
-          <p:nvPr>
-            <p:ph type="sldNum" sz="quarter" idx="2"/>
-          </p:nvPr>
-        </p:nvSpPr>
-        <p:spPr>
-          <a:prstGeom prst="rect">
-            <a:avLst/>
-          </a:prstGeom>
-        </p:spPr>
-        <p:txBody>
-          <a:bodyPr/>
-          <a:lstStyle/>
-          <a:p>
-            <a:pPr/>
-            <a:fld id="{86CB4B4D-7CA3-9044-876B-883B54F8677D}" type="slidenum"/>
-          </a:p>
-        </p:txBody>
-      </p:sp>
-    </p:spTree>
-  </p:cSld>
-  <p:clrMapOvr>
-    <a:masterClrMapping/>
-  </p:clrMapOvr>
-  <p:transition xmlns:p14="http://schemas.microsoft.com/office/powerpoint/2010/main" spd="med" advClick="1"/>
-</p:sldLayout>
-</file>
-
-<file path=ppt/slideLayouts/slideLayout9.xml><?xml version="1.0" encoding="utf-8"?>
-<p:sldLayout xmlns:a="http://schemas.openxmlformats.org/drawingml/2006/main" xmlns:r="http://schemas.openxmlformats.org/officeDocument/2006/relationships" xmlns:p="http://schemas.openxmlformats.org/presentationml/2006/main" xmlns:m="http://schemas.openxmlformats.org/officeDocument/2006/math" xmlns:a14="http://schemas.microsoft.com/office/drawing/2010/main" type="tx" showMasterSp="1" showMasterPhAnim="1">
-  <p:cSld name="Title, Bullets &amp; Photo">
-    <p:bg>
-      <p:bgPr>
-        <a:solidFill>
-          <a:srgbClr val="222222"/>
-        </a:solidFill>
-      </p:bgPr>
-    </p:bg>
-    <p:spTree>
-      <p:nvGrpSpPr>
-        <p:cNvPr id="1" name=""/>
-        <p:cNvGrpSpPr/>
-        <p:nvPr/>
-      </p:nvGrpSpPr>
-      <p:grpSpPr>
-        <a:xfrm>
-          <a:off x="0" y="0"/>
-          <a:ext cx="0" cy="0"/>
-          <a:chOff x="0" y="0"/>
-          <a:chExt cx="0" cy="0"/>
-        </a:xfrm>
-      </p:grpSpPr>
-      <p:sp>
-        <p:nvSpPr>
-          <p:cNvPr id="91" name="Text"/>
-          <p:cNvSpPr txBox="1"/>
-          <p:nvPr>
-            <p:ph type="body" sz="quarter" idx="21"/>
-          </p:nvPr>
-        </p:nvSpPr>
-        <p:spPr>
-          <a:xfrm>
-            <a:off x="762000" y="635000"/>
-            <a:ext cx="20955000" cy="635000"/>
-          </a:xfrm>
-          <a:prstGeom prst="rect">
-            <a:avLst/>
-          </a:prstGeom>
-        </p:spPr>
-        <p:txBody>
-          <a:bodyPr anchor="b">
-            <a:spAutoFit/>
-          </a:bodyPr>
-          <a:lstStyle>
-            <a:lvl1pPr marL="0" indent="0" defTabSz="647700">
-              <a:lnSpc>
-                <a:spcPct val="80000"/>
-              </a:lnSpc>
-              <a:spcBef>
-                <a:spcPts val="0"/>
-              </a:spcBef>
-              <a:buClrTx/>
-              <a:buSzTx/>
-              <a:buFontTx/>
-              <a:buNone/>
-              <a:defRPr cap="all" spc="180" sz="3600">
-                <a:latin typeface="DIN Alternate Bold"/>
-                <a:ea typeface="DIN Alternate Bold"/>
-                <a:cs typeface="DIN Alternate Bold"/>
-                <a:sym typeface="DIN Alternate Bold"/>
-              </a:defRPr>
-            </a:lvl1pPr>
-          </a:lstStyle>
-          <a:p>
-            <a:pPr/>
-            <a:r>
-              <a:t>Text</a:t>
-            </a:r>
-          </a:p>
-        </p:txBody>
-      </p:sp>
-      <p:sp>
-        <p:nvSpPr>
-          <p:cNvPr id="92" name="Black and white photo of windmills under a cloudy sky"/>
-          <p:cNvSpPr/>
-          <p:nvPr>
-            <p:ph type="pic" idx="22"/>
-          </p:nvPr>
-        </p:nvSpPr>
-        <p:spPr>
-          <a:xfrm>
-            <a:off x="13258800" y="0"/>
-            <a:ext cx="12428272" cy="13716000"/>
-          </a:xfrm>
-          <a:prstGeom prst="rect">
-            <a:avLst/>
-          </a:prstGeom>
-        </p:spPr>
-        <p:txBody>
-          <a:bodyPr lIns="91439" tIns="45719" rIns="91439" bIns="45719">
-            <a:noAutofit/>
-          </a:bodyPr>
-          <a:lstStyle/>
-          <a:p>
-            <a:pPr/>
-          </a:p>
-        </p:txBody>
-      </p:sp>
-      <p:sp>
-        <p:nvSpPr>
-          <p:cNvPr id="93" name="Title Text"/>
-          <p:cNvSpPr txBox="1"/>
-          <p:nvPr>
-            <p:ph type="title"/>
-          </p:nvPr>
-        </p:nvSpPr>
-        <p:spPr>
-          <a:xfrm>
-            <a:off x="762000" y="2159000"/>
-            <a:ext cx="11811000" cy="1016000"/>
-          </a:xfrm>
-          <a:prstGeom prst="rect">
-            <a:avLst/>
-          </a:prstGeom>
-        </p:spPr>
-        <p:txBody>
-          <a:bodyPr/>
-          <a:lstStyle/>
-          <a:p>
-            <a:pPr/>
-            <a:r>
-              <a:t>Title Text</a:t>
-            </a:r>
-          </a:p>
-        </p:txBody>
-      </p:sp>
-      <p:sp>
-        <p:nvSpPr>
-          <p:cNvPr id="94" name="Body Level One…"/>
-          <p:cNvSpPr txBox="1"/>
-          <p:nvPr>
-            <p:ph type="body" sz="half" idx="1"/>
-          </p:nvPr>
-        </p:nvSpPr>
-        <p:spPr>
-          <a:xfrm>
-            <a:off x="762000" y="3860800"/>
-            <a:ext cx="11811000" cy="8585200"/>
-          </a:xfrm>
-          <a:prstGeom prst="rect">
-            <a:avLst/>
-          </a:prstGeom>
-        </p:spPr>
-        <p:txBody>
-          <a:bodyPr/>
-          <a:lstStyle>
-            <a:lvl1pPr>
-              <a:buClr>
-                <a:schemeClr val="accent1"/>
-              </a:buClr>
-              <a:buChar char="▸"/>
-              <a:defRPr sz="4000"/>
-            </a:lvl1pPr>
-            <a:lvl2pPr>
-              <a:buClr>
-                <a:schemeClr val="accent1"/>
-              </a:buClr>
-              <a:buChar char="▸"/>
-              <a:defRPr sz="4000"/>
-            </a:lvl2pPr>
-            <a:lvl3pPr>
-              <a:buClr>
-                <a:schemeClr val="accent1"/>
-              </a:buClr>
-              <a:buChar char="▸"/>
-              <a:defRPr sz="4000"/>
-            </a:lvl3pPr>
-            <a:lvl4pPr>
-              <a:buClr>
-                <a:schemeClr val="accent1"/>
-              </a:buClr>
-              <a:buChar char="▸"/>
-              <a:defRPr sz="4000"/>
-            </a:lvl4pPr>
-            <a:lvl5pPr>
-              <a:buClr>
-                <a:schemeClr val="accent1"/>
-              </a:buClr>
-              <a:buChar char="▸"/>
-              <a:defRPr sz="4000"/>
-            </a:lvl5pPr>
-          </a:lstStyle>
-          <a:p>
-            <a:pPr/>
-            <a:r>
-              <a:t>Body Level One</a:t>
-            </a:r>
-          </a:p>
-          <a:p>
-            <a:pPr lvl="1"/>
-            <a:r>
-              <a:t>Body Level Two</a:t>
-            </a:r>
-          </a:p>
-          <a:p>
-            <a:pPr lvl="2"/>
-            <a:r>
-              <a:t>Body Level Three</a:t>
-            </a:r>
-          </a:p>
-          <a:p>
-            <a:pPr lvl="3"/>
-            <a:r>
-              <a:t>Body Level Four</a:t>
-            </a:r>
-          </a:p>
-          <a:p>
-            <a:pPr lvl="4"/>
-            <a:r>
-              <a:t>Body Level Five</a:t>
-            </a:r>
-          </a:p>
-        </p:txBody>
-      </p:sp>
-      <p:sp>
-        <p:nvSpPr>
-          <p:cNvPr id="95" name="Slide Number"/>
-          <p:cNvSpPr txBox="1"/>
-          <p:nvPr>
-            <p:ph type="sldNum" sz="quarter" idx="2"/>
-          </p:nvPr>
-        </p:nvSpPr>
-        <p:spPr>
-          <a:prstGeom prst="rect">
-            <a:avLst/>
-          </a:prstGeom>
-        </p:spPr>
-        <p:txBody>
-          <a:bodyPr/>
-          <a:lstStyle/>
-          <a:p>
-            <a:pPr/>
-            <a:fld id="{86CB4B4D-7CA3-9044-876B-883B54F8677D}" type="slidenum"/>
-          </a:p>
-        </p:txBody>
-      </p:sp>
-    </p:spTree>
-  </p:cSld>
-  <p:clrMapOvr>
-    <a:masterClrMapping/>
-  </p:clrMapOvr>
-  <p:transition xmlns:p14="http://schemas.microsoft.com/office/powerpoint/2010/main" spd="med" advClick="1"/>
-</p:sldLayout>
-</file>
-
-<file path=ppt/slideMasters/slideMaster1.xml><?xml version="1.0" encoding="utf-8"?>
-<p:sldMaster xmlns:a="http://schemas.openxmlformats.org/drawingml/2006/main" xmlns:r="http://schemas.openxmlformats.org/officeDocument/2006/relationships" xmlns:p="http://schemas.openxmlformats.org/presentationml/2006/main" xmlns:m="http://schemas.openxmlformats.org/officeDocument/2006/math" xmlns:a14="http://schemas.microsoft.com/office/drawing/2010/main">
-  <p:cSld>
-    <p:bg>
-      <p:bgPr>
-        <a:solidFill>
-          <a:srgbClr val="FFFFFF"/>
-        </a:solidFill>
-      </p:bgPr>
-    </p:bg>
-    <p:spTree>
-      <p:nvGrpSpPr>
-        <p:cNvPr id="1" name=""/>
-        <p:cNvGrpSpPr/>
-        <p:nvPr/>
-      </p:nvGrpSpPr>
-      <p:grpSpPr>
-        <a:xfrm>
-          <a:off x="0" y="0"/>
-          <a:ext cx="0" cy="0"/>
-          <a:chOff x="0" y="0"/>
-          <a:chExt cx="0" cy="0"/>
-        </a:xfrm>
-      </p:grpSpPr>
-      <p:sp>
-        <p:nvSpPr>
-          <p:cNvPr id="2" name="Line"/>
-          <p:cNvSpPr/>
-          <p:nvPr/>
-        </p:nvSpPr>
-        <p:spPr>
-          <a:xfrm flipV="1">
-            <a:off x="762000" y="1396632"/>
-            <a:ext cx="22859999" cy="369"/>
-          </a:xfrm>
-          <a:prstGeom prst="line">
-            <a:avLst/>
-          </a:prstGeom>
-          <a:ln w="25400">
-            <a:solidFill>
-              <a:srgbClr val="A6AAA9"/>
-            </a:solidFill>
-            <a:miter lim="400000"/>
-          </a:ln>
-        </p:spPr>
-        <p:txBody>
-          <a:bodyPr lIns="50800" tIns="50800" rIns="50800" bIns="50800" anchor="ctr"/>
-          <a:lstStyle/>
-          <a:p>
-            <a:pPr defTabSz="457200">
-              <a:spcBef>
-                <a:spcPts val="0"/>
-              </a:spcBef>
-              <a:defRPr sz="1200">
-                <a:solidFill>
-                  <a:srgbClr val="000000"/>
-                </a:solidFill>
-                <a:latin typeface="Helvetica"/>
-                <a:ea typeface="Helvetica"/>
-                <a:cs typeface="Helvetica"/>
-                <a:sym typeface="Helvetica"/>
+            <a:pPr>
+              <a:defRPr>
+                <a:solidFill>
+                  <a:srgbClr val="838787"/>
+                </a:solidFill>
               </a:defRPr>
             </a:pPr>
           </a:p>
@@ -3673,8 +3566,8 @@
         </p:nvSpPr>
         <p:spPr>
           <a:xfrm>
-            <a:off x="762000" y="2159000"/>
-            <a:ext cx="22860000" cy="1016000"/>
+            <a:off x="762000" y="9042400"/>
+            <a:ext cx="22860000" cy="3810000"/>
           </a:xfrm>
           <a:prstGeom prst="rect">
             <a:avLst/>
@@ -3711,8 +3604,8 @@
         </p:nvSpPr>
         <p:spPr>
           <a:xfrm>
-            <a:off x="762000" y="3860800"/>
-            <a:ext cx="22860000" cy="8585200"/>
+            <a:off x="762000" y="5994400"/>
+            <a:ext cx="22860000" cy="2540000"/>
           </a:xfrm>
           <a:prstGeom prst="rect">
             <a:avLst/>
@@ -3727,7 +3620,7 @@
           </a:extLst>
         </p:spPr>
         <p:txBody>
-          <a:bodyPr lIns="50800" tIns="50800" rIns="50800" bIns="50800">
+          <a:bodyPr lIns="50800" tIns="50800" rIns="50800" bIns="50800" anchor="b">
             <a:normAutofit fontScale="100000" lnSpcReduction="0"/>
           </a:bodyPr>
           <a:lstStyle/>
@@ -3773,8 +3666,8 @@
         </p:nvSpPr>
         <p:spPr>
           <a:xfrm>
-            <a:off x="23059652" y="609600"/>
-            <a:ext cx="553196" cy="635000"/>
+            <a:off x="23063201" y="609600"/>
+            <a:ext cx="553195" cy="635000"/>
           </a:xfrm>
           <a:prstGeom prst="rect">
             <a:avLst/>
@@ -3796,6 +3689,9 @@
                 <a:spcPts val="0"/>
               </a:spcBef>
               <a:defRPr sz="3600">
+                <a:solidFill>
+                  <a:srgbClr val="838787"/>
+                </a:solidFill>
                 <a:latin typeface="DIN Alternate Bold"/>
                 <a:ea typeface="DIN Alternate Bold"/>
                 <a:cs typeface="DIN Alternate Bold"/>
@@ -3811,7 +3707,7 @@
       </p:sp>
     </p:spTree>
   </p:cSld>
-  <p:clrMap bg1="dk1" tx1="lt1" bg2="dk2" tx2="lt2" accent1="accent1" accent2="accent2" accent3="accent3" accent4="accent4" accent5="accent5" accent6="accent6" hlink="hlink" folHlink="folHlink"/>
+  <p:clrMap bg1="lt1" tx1="dk1" bg2="lt2" tx2="dk2" accent1="accent1" accent2="accent2" accent3="accent3" accent4="accent4" accent5="accent5" accent6="accent6" hlink="hlink" folHlink="folHlink"/>
   <p:sldLayoutIdLst>
     <p:sldLayoutId id="2147483649" r:id="rId2"/>
     <p:sldLayoutId id="2147483650" r:id="rId3"/>
@@ -3838,7 +3734,7 @@
           <a:spcPct val="80000"/>
         </a:lnSpc>
         <a:spcBef>
-          <a:spcPts val="3900"/>
+          <a:spcPts val="0"/>
         </a:spcBef>
         <a:spcAft>
           <a:spcPts val="0"/>
@@ -3848,14 +3744,14 @@
         <a:buFontTx/>
         <a:buNone/>
         <a:tabLst/>
-        <a:defRPr b="0" baseline="0" cap="all" i="0" spc="0" strike="noStrike" sz="8700" u="none">
+        <a:defRPr b="0" baseline="0" cap="all" i="0" spc="0" strike="noStrike" sz="30300" u="none">
           <a:solidFill>
             <a:schemeClr val="accent1"/>
           </a:solidFill>
           <a:uFillTx/>
-          <a:latin typeface="+mn-lt"/>
-          <a:ea typeface="+mn-ea"/>
-          <a:cs typeface="+mn-cs"/>
+          <a:latin typeface="DIN Condensed Bold"/>
+          <a:ea typeface="DIN Condensed Bold"/>
+          <a:cs typeface="DIN Condensed Bold"/>
           <a:sym typeface="DIN Condensed Bold"/>
         </a:defRPr>
       </a:lvl1pPr>
@@ -3864,7 +3760,7 @@
           <a:spcPct val="80000"/>
         </a:lnSpc>
         <a:spcBef>
-          <a:spcPts val="3900"/>
+          <a:spcPts val="0"/>
         </a:spcBef>
         <a:spcAft>
           <a:spcPts val="0"/>
@@ -3874,14 +3770,14 @@
         <a:buFontTx/>
         <a:buNone/>
         <a:tabLst/>
-        <a:defRPr b="0" baseline="0" cap="all" i="0" spc="0" strike="noStrike" sz="8700" u="none">
+        <a:defRPr b="0" baseline="0" cap="all" i="0" spc="0" strike="noStrike" sz="30300" u="none">
           <a:solidFill>
             <a:schemeClr val="accent1"/>
           </a:solidFill>
           <a:uFillTx/>
-          <a:latin typeface="+mn-lt"/>
-          <a:ea typeface="+mn-ea"/>
-          <a:cs typeface="+mn-cs"/>
+          <a:latin typeface="DIN Condensed Bold"/>
+          <a:ea typeface="DIN Condensed Bold"/>
+          <a:cs typeface="DIN Condensed Bold"/>
           <a:sym typeface="DIN Condensed Bold"/>
         </a:defRPr>
       </a:lvl2pPr>
@@ -3890,7 +3786,7 @@
           <a:spcPct val="80000"/>
         </a:lnSpc>
         <a:spcBef>
-          <a:spcPts val="3900"/>
+          <a:spcPts val="0"/>
         </a:spcBef>
         <a:spcAft>
           <a:spcPts val="0"/>
@@ -3900,14 +3796,14 @@
         <a:buFontTx/>
         <a:buNone/>
         <a:tabLst/>
-        <a:defRPr b="0" baseline="0" cap="all" i="0" spc="0" strike="noStrike" sz="8700" u="none">
+        <a:defRPr b="0" baseline="0" cap="all" i="0" spc="0" strike="noStrike" sz="30300" u="none">
           <a:solidFill>
             <a:schemeClr val="accent1"/>
           </a:solidFill>
           <a:uFillTx/>
-          <a:latin typeface="+mn-lt"/>
-          <a:ea typeface="+mn-ea"/>
-          <a:cs typeface="+mn-cs"/>
+          <a:latin typeface="DIN Condensed Bold"/>
+          <a:ea typeface="DIN Condensed Bold"/>
+          <a:cs typeface="DIN Condensed Bold"/>
           <a:sym typeface="DIN Condensed Bold"/>
         </a:defRPr>
       </a:lvl3pPr>
@@ -3916,7 +3812,7 @@
           <a:spcPct val="80000"/>
         </a:lnSpc>
         <a:spcBef>
-          <a:spcPts val="3900"/>
+          <a:spcPts val="0"/>
         </a:spcBef>
         <a:spcAft>
           <a:spcPts val="0"/>
@@ -3926,14 +3822,14 @@
         <a:buFontTx/>
         <a:buNone/>
         <a:tabLst/>
-        <a:defRPr b="0" baseline="0" cap="all" i="0" spc="0" strike="noStrike" sz="8700" u="none">
+        <a:defRPr b="0" baseline="0" cap="all" i="0" spc="0" strike="noStrike" sz="30300" u="none">
           <a:solidFill>
             <a:schemeClr val="accent1"/>
           </a:solidFill>
           <a:uFillTx/>
-          <a:latin typeface="+mn-lt"/>
-          <a:ea typeface="+mn-ea"/>
-          <a:cs typeface="+mn-cs"/>
+          <a:latin typeface="DIN Condensed Bold"/>
+          <a:ea typeface="DIN Condensed Bold"/>
+          <a:cs typeface="DIN Condensed Bold"/>
           <a:sym typeface="DIN Condensed Bold"/>
         </a:defRPr>
       </a:lvl4pPr>
@@ -3942,7 +3838,7 @@
           <a:spcPct val="80000"/>
         </a:lnSpc>
         <a:spcBef>
-          <a:spcPts val="3900"/>
+          <a:spcPts val="0"/>
         </a:spcBef>
         <a:spcAft>
           <a:spcPts val="0"/>
@@ -3952,14 +3848,14 @@
         <a:buFontTx/>
         <a:buNone/>
         <a:tabLst/>
-        <a:defRPr b="0" baseline="0" cap="all" i="0" spc="0" strike="noStrike" sz="8700" u="none">
+        <a:defRPr b="0" baseline="0" cap="all" i="0" spc="0" strike="noStrike" sz="30300" u="none">
           <a:solidFill>
             <a:schemeClr val="accent1"/>
           </a:solidFill>
           <a:uFillTx/>
-          <a:latin typeface="+mn-lt"/>
-          <a:ea typeface="+mn-ea"/>
-          <a:cs typeface="+mn-cs"/>
+          <a:latin typeface="DIN Condensed Bold"/>
+          <a:ea typeface="DIN Condensed Bold"/>
+          <a:cs typeface="DIN Condensed Bold"/>
           <a:sym typeface="DIN Condensed Bold"/>
         </a:defRPr>
       </a:lvl5pPr>
@@ -3968,7 +3864,7 @@
           <a:spcPct val="80000"/>
         </a:lnSpc>
         <a:spcBef>
-          <a:spcPts val="3900"/>
+          <a:spcPts val="0"/>
         </a:spcBef>
         <a:spcAft>
           <a:spcPts val="0"/>
@@ -3978,14 +3874,14 @@
         <a:buFontTx/>
         <a:buNone/>
         <a:tabLst/>
-        <a:defRPr b="0" baseline="0" cap="all" i="0" spc="0" strike="noStrike" sz="8700" u="none">
+        <a:defRPr b="0" baseline="0" cap="all" i="0" spc="0" strike="noStrike" sz="30300" u="none">
           <a:solidFill>
             <a:schemeClr val="accent1"/>
           </a:solidFill>
           <a:uFillTx/>
-          <a:latin typeface="+mn-lt"/>
-          <a:ea typeface="+mn-ea"/>
-          <a:cs typeface="+mn-cs"/>
+          <a:latin typeface="DIN Condensed Bold"/>
+          <a:ea typeface="DIN Condensed Bold"/>
+          <a:cs typeface="DIN Condensed Bold"/>
           <a:sym typeface="DIN Condensed Bold"/>
         </a:defRPr>
       </a:lvl6pPr>
@@ -3994,7 +3890,7 @@
           <a:spcPct val="80000"/>
         </a:lnSpc>
         <a:spcBef>
-          <a:spcPts val="3900"/>
+          <a:spcPts val="0"/>
         </a:spcBef>
         <a:spcAft>
           <a:spcPts val="0"/>
@@ -4004,14 +3900,14 @@
         <a:buFontTx/>
         <a:buNone/>
         <a:tabLst/>
-        <a:defRPr b="0" baseline="0" cap="all" i="0" spc="0" strike="noStrike" sz="8700" u="none">
+        <a:defRPr b="0" baseline="0" cap="all" i="0" spc="0" strike="noStrike" sz="30300" u="none">
           <a:solidFill>
             <a:schemeClr val="accent1"/>
           </a:solidFill>
           <a:uFillTx/>
-          <a:latin typeface="+mn-lt"/>
-          <a:ea typeface="+mn-ea"/>
-          <a:cs typeface="+mn-cs"/>
+          <a:latin typeface="DIN Condensed Bold"/>
+          <a:ea typeface="DIN Condensed Bold"/>
+          <a:cs typeface="DIN Condensed Bold"/>
           <a:sym typeface="DIN Condensed Bold"/>
         </a:defRPr>
       </a:lvl7pPr>
@@ -4020,7 +3916,7 @@
           <a:spcPct val="80000"/>
         </a:lnSpc>
         <a:spcBef>
-          <a:spcPts val="3900"/>
+          <a:spcPts val="0"/>
         </a:spcBef>
         <a:spcAft>
           <a:spcPts val="0"/>
@@ -4030,14 +3926,14 @@
         <a:buFontTx/>
         <a:buNone/>
         <a:tabLst/>
-        <a:defRPr b="0" baseline="0" cap="all" i="0" spc="0" strike="noStrike" sz="8700" u="none">
+        <a:defRPr b="0" baseline="0" cap="all" i="0" spc="0" strike="noStrike" sz="30300" u="none">
           <a:solidFill>
             <a:schemeClr val="accent1"/>
           </a:solidFill>
           <a:uFillTx/>
-          <a:latin typeface="+mn-lt"/>
-          <a:ea typeface="+mn-ea"/>
-          <a:cs typeface="+mn-cs"/>
+          <a:latin typeface="DIN Condensed Bold"/>
+          <a:ea typeface="DIN Condensed Bold"/>
+          <a:cs typeface="DIN Condensed Bold"/>
           <a:sym typeface="DIN Condensed Bold"/>
         </a:defRPr>
       </a:lvl8pPr>
@@ -4046,7 +3942,7 @@
           <a:spcPct val="80000"/>
         </a:lnSpc>
         <a:spcBef>
-          <a:spcPts val="3900"/>
+          <a:spcPts val="0"/>
         </a:spcBef>
         <a:spcAft>
           <a:spcPts val="0"/>
@@ -4056,292 +3952,256 @@
         <a:buFontTx/>
         <a:buNone/>
         <a:tabLst/>
-        <a:defRPr b="0" baseline="0" cap="all" i="0" spc="0" strike="noStrike" sz="8700" u="none">
+        <a:defRPr b="0" baseline="0" cap="all" i="0" spc="0" strike="noStrike" sz="30300" u="none">
           <a:solidFill>
             <a:schemeClr val="accent1"/>
           </a:solidFill>
           <a:uFillTx/>
-          <a:latin typeface="+mn-lt"/>
-          <a:ea typeface="+mn-ea"/>
-          <a:cs typeface="+mn-cs"/>
+          <a:latin typeface="DIN Condensed Bold"/>
+          <a:ea typeface="DIN Condensed Bold"/>
+          <a:cs typeface="DIN Condensed Bold"/>
           <a:sym typeface="DIN Condensed Bold"/>
         </a:defRPr>
       </a:lvl9pPr>
     </p:titleStyle>
     <p:bodyStyle>
-      <a:lvl1pPr marL="635000" marR="0" indent="-635000" algn="l" defTabSz="825500" rtl="0" latinLnBrk="0">
+      <a:lvl1pPr marL="0" marR="0" indent="0" algn="l" defTabSz="825500" rtl="0" latinLnBrk="0">
         <a:lnSpc>
-          <a:spcPct val="100000"/>
+          <a:spcPct val="80000"/>
         </a:lnSpc>
         <a:spcBef>
-          <a:spcPts val="3900"/>
+          <a:spcPts val="3200"/>
         </a:spcBef>
         <a:spcAft>
           <a:spcPts val="0"/>
         </a:spcAft>
-        <a:buClr>
-          <a:schemeClr val="accent1">
-            <a:satOff val="-4060"/>
-          </a:schemeClr>
-        </a:buClr>
-        <a:buSzPct val="104999"/>
-        <a:buFont typeface="Avenir Next Regular"/>
-        <a:buChar char="‣"/>
+        <a:buClrTx/>
+        <a:buSzTx/>
+        <a:buFontTx/>
+        <a:buNone/>
         <a:tabLst/>
-        <a:defRPr b="0" baseline="0" cap="none" i="0" spc="0" strike="noStrike" sz="4800" u="none">
+        <a:defRPr b="0" baseline="0" cap="all" i="0" spc="0" strike="noStrike" sz="7700" u="none">
           <a:solidFill>
-            <a:srgbClr val="838787"/>
+            <a:srgbClr val="A6AAA9"/>
           </a:solidFill>
           <a:uFillTx/>
-          <a:latin typeface="Avenir Next Medium"/>
-          <a:ea typeface="Avenir Next Medium"/>
-          <a:cs typeface="Avenir Next Medium"/>
-          <a:sym typeface="Avenir Next Medium"/>
+          <a:latin typeface="DIN Alternate Bold"/>
+          <a:ea typeface="DIN Alternate Bold"/>
+          <a:cs typeface="DIN Alternate Bold"/>
+          <a:sym typeface="DIN Alternate Bold"/>
         </a:defRPr>
       </a:lvl1pPr>
-      <a:lvl2pPr marL="1270000" marR="0" indent="-635000" algn="l" defTabSz="825500" rtl="0" latinLnBrk="0">
+      <a:lvl2pPr marL="0" marR="0" indent="0" algn="l" defTabSz="825500" rtl="0" latinLnBrk="0">
         <a:lnSpc>
-          <a:spcPct val="100000"/>
+          <a:spcPct val="80000"/>
         </a:lnSpc>
         <a:spcBef>
-          <a:spcPts val="3900"/>
+          <a:spcPts val="3200"/>
         </a:spcBef>
         <a:spcAft>
           <a:spcPts val="0"/>
         </a:spcAft>
-        <a:buClr>
-          <a:schemeClr val="accent1">
-            <a:satOff val="-4060"/>
-          </a:schemeClr>
-        </a:buClr>
-        <a:buSzPct val="104999"/>
-        <a:buFont typeface="Avenir Next Regular"/>
-        <a:buChar char="‣"/>
+        <a:buClrTx/>
+        <a:buSzTx/>
+        <a:buFontTx/>
+        <a:buNone/>
         <a:tabLst/>
-        <a:defRPr b="0" baseline="0" cap="none" i="0" spc="0" strike="noStrike" sz="4800" u="none">
+        <a:defRPr b="0" baseline="0" cap="all" i="0" spc="0" strike="noStrike" sz="7700" u="none">
           <a:solidFill>
-            <a:srgbClr val="838787"/>
+            <a:srgbClr val="A6AAA9"/>
           </a:solidFill>
           <a:uFillTx/>
-          <a:latin typeface="Avenir Next Medium"/>
-          <a:ea typeface="Avenir Next Medium"/>
-          <a:cs typeface="Avenir Next Medium"/>
-          <a:sym typeface="Avenir Next Medium"/>
+          <a:latin typeface="DIN Alternate Bold"/>
+          <a:ea typeface="DIN Alternate Bold"/>
+          <a:cs typeface="DIN Alternate Bold"/>
+          <a:sym typeface="DIN Alternate Bold"/>
         </a:defRPr>
       </a:lvl2pPr>
-      <a:lvl3pPr marL="1905000" marR="0" indent="-635000" algn="l" defTabSz="825500" rtl="0" latinLnBrk="0">
+      <a:lvl3pPr marL="0" marR="0" indent="0" algn="l" defTabSz="825500" rtl="0" latinLnBrk="0">
         <a:lnSpc>
-          <a:spcPct val="100000"/>
+          <a:spcPct val="80000"/>
         </a:lnSpc>
         <a:spcBef>
-          <a:spcPts val="3900"/>
+          <a:spcPts val="3200"/>
         </a:spcBef>
         <a:spcAft>
           <a:spcPts val="0"/>
         </a:spcAft>
-        <a:buClr>
-          <a:schemeClr val="accent1">
-            <a:satOff val="-4060"/>
-          </a:schemeClr>
-        </a:buClr>
-        <a:buSzPct val="104999"/>
-        <a:buFont typeface="Avenir Next Regular"/>
-        <a:buChar char="‣"/>
+        <a:buClrTx/>
+        <a:buSzTx/>
+        <a:buFontTx/>
+        <a:buNone/>
         <a:tabLst/>
-        <a:defRPr b="0" baseline="0" cap="none" i="0" spc="0" strike="noStrike" sz="4800" u="none">
+        <a:defRPr b="0" baseline="0" cap="all" i="0" spc="0" strike="noStrike" sz="7700" u="none">
           <a:solidFill>
-            <a:srgbClr val="838787"/>
+            <a:srgbClr val="A6AAA9"/>
           </a:solidFill>
           <a:uFillTx/>
-          <a:latin typeface="Avenir Next Medium"/>
-          <a:ea typeface="Avenir Next Medium"/>
-          <a:cs typeface="Avenir Next Medium"/>
-          <a:sym typeface="Avenir Next Medium"/>
+          <a:latin typeface="DIN Alternate Bold"/>
+          <a:ea typeface="DIN Alternate Bold"/>
+          <a:cs typeface="DIN Alternate Bold"/>
+          <a:sym typeface="DIN Alternate Bold"/>
         </a:defRPr>
       </a:lvl3pPr>
-      <a:lvl4pPr marL="2540000" marR="0" indent="-635000" algn="l" defTabSz="825500" rtl="0" latinLnBrk="0">
+      <a:lvl4pPr marL="0" marR="0" indent="0" algn="l" defTabSz="825500" rtl="0" latinLnBrk="0">
         <a:lnSpc>
-          <a:spcPct val="100000"/>
+          <a:spcPct val="80000"/>
         </a:lnSpc>
         <a:spcBef>
-          <a:spcPts val="3900"/>
+          <a:spcPts val="3200"/>
         </a:spcBef>
         <a:spcAft>
           <a:spcPts val="0"/>
         </a:spcAft>
-        <a:buClr>
-          <a:schemeClr val="accent1">
-            <a:satOff val="-4060"/>
-          </a:schemeClr>
-        </a:buClr>
-        <a:buSzPct val="104999"/>
-        <a:buFont typeface="Avenir Next Regular"/>
-        <a:buChar char="‣"/>
+        <a:buClrTx/>
+        <a:buSzTx/>
+        <a:buFontTx/>
+        <a:buNone/>
         <a:tabLst/>
-        <a:defRPr b="0" baseline="0" cap="none" i="0" spc="0" strike="noStrike" sz="4800" u="none">
+        <a:defRPr b="0" baseline="0" cap="all" i="0" spc="0" strike="noStrike" sz="7700" u="none">
           <a:solidFill>
-            <a:srgbClr val="838787"/>
+            <a:srgbClr val="A6AAA9"/>
           </a:solidFill>
           <a:uFillTx/>
-          <a:latin typeface="Avenir Next Medium"/>
-          <a:ea typeface="Avenir Next Medium"/>
-          <a:cs typeface="Avenir Next Medium"/>
-          <a:sym typeface="Avenir Next Medium"/>
+          <a:latin typeface="DIN Alternate Bold"/>
+          <a:ea typeface="DIN Alternate Bold"/>
+          <a:cs typeface="DIN Alternate Bold"/>
+          <a:sym typeface="DIN Alternate Bold"/>
         </a:defRPr>
       </a:lvl4pPr>
-      <a:lvl5pPr marL="3175000" marR="0" indent="-635000" algn="l" defTabSz="825500" rtl="0" latinLnBrk="0">
+      <a:lvl5pPr marL="0" marR="0" indent="0" algn="l" defTabSz="825500" rtl="0" latinLnBrk="0">
         <a:lnSpc>
-          <a:spcPct val="100000"/>
+          <a:spcPct val="80000"/>
         </a:lnSpc>
         <a:spcBef>
-          <a:spcPts val="3900"/>
+          <a:spcPts val="3200"/>
         </a:spcBef>
         <a:spcAft>
           <a:spcPts val="0"/>
         </a:spcAft>
-        <a:buClr>
-          <a:schemeClr val="accent1">
-            <a:satOff val="-4060"/>
-          </a:schemeClr>
-        </a:buClr>
-        <a:buSzPct val="104999"/>
-        <a:buFont typeface="Avenir Next Regular"/>
-        <a:buChar char="‣"/>
+        <a:buClrTx/>
+        <a:buSzTx/>
+        <a:buFontTx/>
+        <a:buNone/>
         <a:tabLst/>
-        <a:defRPr b="0" baseline="0" cap="none" i="0" spc="0" strike="noStrike" sz="4800" u="none">
+        <a:defRPr b="0" baseline="0" cap="all" i="0" spc="0" strike="noStrike" sz="7700" u="none">
           <a:solidFill>
-            <a:srgbClr val="838787"/>
+            <a:srgbClr val="A6AAA9"/>
           </a:solidFill>
           <a:uFillTx/>
-          <a:latin typeface="Avenir Next Medium"/>
-          <a:ea typeface="Avenir Next Medium"/>
-          <a:cs typeface="Avenir Next Medium"/>
-          <a:sym typeface="Avenir Next Medium"/>
+          <a:latin typeface="DIN Alternate Bold"/>
+          <a:ea typeface="DIN Alternate Bold"/>
+          <a:cs typeface="DIN Alternate Bold"/>
+          <a:sym typeface="DIN Alternate Bold"/>
         </a:defRPr>
       </a:lvl5pPr>
-      <a:lvl6pPr marL="3810000" marR="0" indent="-635000" algn="l" defTabSz="825500" rtl="0" latinLnBrk="0">
+      <a:lvl6pPr marL="4193645" marR="0" indent="-1018645" algn="l" defTabSz="825500" rtl="0" latinLnBrk="0">
         <a:lnSpc>
-          <a:spcPct val="100000"/>
+          <a:spcPct val="80000"/>
         </a:lnSpc>
         <a:spcBef>
-          <a:spcPts val="3900"/>
+          <a:spcPts val="3200"/>
         </a:spcBef>
         <a:spcAft>
           <a:spcPts val="0"/>
         </a:spcAft>
-        <a:buClr>
-          <a:schemeClr val="accent1">
-            <a:satOff val="-4060"/>
-          </a:schemeClr>
-        </a:buClr>
+        <a:buClrTx/>
         <a:buSzPct val="104999"/>
-        <a:buFont typeface="Avenir Next Regular"/>
+        <a:buFontTx/>
         <a:buChar char="‣"/>
         <a:tabLst/>
-        <a:defRPr b="0" baseline="0" cap="none" i="0" spc="0" strike="noStrike" sz="4800" u="none">
+        <a:defRPr b="0" baseline="0" cap="all" i="0" spc="0" strike="noStrike" sz="7700" u="none">
           <a:solidFill>
-            <a:srgbClr val="838787"/>
+            <a:srgbClr val="A6AAA9"/>
           </a:solidFill>
           <a:uFillTx/>
-          <a:latin typeface="Avenir Next Medium"/>
-          <a:ea typeface="Avenir Next Medium"/>
-          <a:cs typeface="Avenir Next Medium"/>
-          <a:sym typeface="Avenir Next Medium"/>
+          <a:latin typeface="DIN Alternate Bold"/>
+          <a:ea typeface="DIN Alternate Bold"/>
+          <a:cs typeface="DIN Alternate Bold"/>
+          <a:sym typeface="DIN Alternate Bold"/>
         </a:defRPr>
       </a:lvl6pPr>
-      <a:lvl7pPr marL="4445000" marR="0" indent="-635000" algn="l" defTabSz="825500" rtl="0" latinLnBrk="0">
+      <a:lvl7pPr marL="4828645" marR="0" indent="-1018645" algn="l" defTabSz="825500" rtl="0" latinLnBrk="0">
         <a:lnSpc>
-          <a:spcPct val="100000"/>
+          <a:spcPct val="80000"/>
         </a:lnSpc>
         <a:spcBef>
-          <a:spcPts val="3900"/>
+          <a:spcPts val="3200"/>
         </a:spcBef>
         <a:spcAft>
           <a:spcPts val="0"/>
         </a:spcAft>
-        <a:buClr>
-          <a:schemeClr val="accent1">
-            <a:satOff val="-4060"/>
-          </a:schemeClr>
-        </a:buClr>
+        <a:buClrTx/>
         <a:buSzPct val="104999"/>
-        <a:buFont typeface="Avenir Next Regular"/>
+        <a:buFontTx/>
         <a:buChar char="‣"/>
         <a:tabLst/>
-        <a:defRPr b="0" baseline="0" cap="none" i="0" spc="0" strike="noStrike" sz="4800" u="none">
+        <a:defRPr b="0" baseline="0" cap="all" i="0" spc="0" strike="noStrike" sz="7700" u="none">
           <a:solidFill>
-            <a:srgbClr val="838787"/>
+            <a:srgbClr val="A6AAA9"/>
           </a:solidFill>
           <a:uFillTx/>
-          <a:latin typeface="Avenir Next Medium"/>
-          <a:ea typeface="Avenir Next Medium"/>
-          <a:cs typeface="Avenir Next Medium"/>
-          <a:sym typeface="Avenir Next Medium"/>
+          <a:latin typeface="DIN Alternate Bold"/>
+          <a:ea typeface="DIN Alternate Bold"/>
+          <a:cs typeface="DIN Alternate Bold"/>
+          <a:sym typeface="DIN Alternate Bold"/>
         </a:defRPr>
       </a:lvl7pPr>
-      <a:lvl8pPr marL="5080000" marR="0" indent="-635000" algn="l" defTabSz="825500" rtl="0" latinLnBrk="0">
+      <a:lvl8pPr marL="5463645" marR="0" indent="-1018645" algn="l" defTabSz="825500" rtl="0" latinLnBrk="0">
         <a:lnSpc>
-          <a:spcPct val="100000"/>
+          <a:spcPct val="80000"/>
         </a:lnSpc>
         <a:spcBef>
-          <a:spcPts val="3900"/>
+          <a:spcPts val="3200"/>
         </a:spcBef>
         <a:spcAft>
           <a:spcPts val="0"/>
         </a:spcAft>
-        <a:buClr>
-          <a:schemeClr val="accent1">
-            <a:satOff val="-4060"/>
-          </a:schemeClr>
-        </a:buClr>
+        <a:buClrTx/>
         <a:buSzPct val="104999"/>
-        <a:buFont typeface="Avenir Next Regular"/>
+        <a:buFontTx/>
         <a:buChar char="‣"/>
         <a:tabLst/>
-        <a:defRPr b="0" baseline="0" cap="none" i="0" spc="0" strike="noStrike" sz="4800" u="none">
+        <a:defRPr b="0" baseline="0" cap="all" i="0" spc="0" strike="noStrike" sz="7700" u="none">
           <a:solidFill>
-            <a:srgbClr val="838787"/>
+            <a:srgbClr val="A6AAA9"/>
           </a:solidFill>
           <a:uFillTx/>
-          <a:latin typeface="Avenir Next Medium"/>
-          <a:ea typeface="Avenir Next Medium"/>
-          <a:cs typeface="Avenir Next Medium"/>
-          <a:sym typeface="Avenir Next Medium"/>
+          <a:latin typeface="DIN Alternate Bold"/>
+          <a:ea typeface="DIN Alternate Bold"/>
+          <a:cs typeface="DIN Alternate Bold"/>
+          <a:sym typeface="DIN Alternate Bold"/>
         </a:defRPr>
       </a:lvl8pPr>
-      <a:lvl9pPr marL="5715000" marR="0" indent="-635000" algn="l" defTabSz="825500" rtl="0" latinLnBrk="0">
+      <a:lvl9pPr marL="6098645" marR="0" indent="-1018645" algn="l" defTabSz="825500" rtl="0" latinLnBrk="0">
         <a:lnSpc>
-          <a:spcPct val="100000"/>
+          <a:spcPct val="80000"/>
         </a:lnSpc>
         <a:spcBef>
-          <a:spcPts val="3900"/>
+          <a:spcPts val="3200"/>
         </a:spcBef>
         <a:spcAft>
           <a:spcPts val="0"/>
         </a:spcAft>
-        <a:buClr>
-          <a:schemeClr val="accent1">
-            <a:satOff val="-4060"/>
-          </a:schemeClr>
-        </a:buClr>
+        <a:buClrTx/>
         <a:buSzPct val="104999"/>
-        <a:buFont typeface="Avenir Next Regular"/>
+        <a:buFontTx/>
         <a:buChar char="‣"/>
         <a:tabLst/>
-        <a:defRPr b="0" baseline="0" cap="none" i="0" spc="0" strike="noStrike" sz="4800" u="none">
+        <a:defRPr b="0" baseline="0" cap="all" i="0" spc="0" strike="noStrike" sz="7700" u="none">
           <a:solidFill>
-            <a:srgbClr val="838787"/>
+            <a:srgbClr val="A6AAA9"/>
           </a:solidFill>
           <a:uFillTx/>
-          <a:latin typeface="Avenir Next Medium"/>
-          <a:ea typeface="Avenir Next Medium"/>
-          <a:cs typeface="Avenir Next Medium"/>
-          <a:sym typeface="Avenir Next Medium"/>
+          <a:latin typeface="DIN Alternate Bold"/>
+          <a:ea typeface="DIN Alternate Bold"/>
+          <a:cs typeface="DIN Alternate Bold"/>
+          <a:sym typeface="DIN Alternate Bold"/>
         </a:defRPr>
       </a:lvl9pPr>
     </p:bodyStyle>
     <p:otherStyle>
-      <a:lvl1pPr marL="0" marR="0" indent="0" algn="r" defTabSz="825500" latinLnBrk="0">
+      <a:lvl1pPr marL="0" marR="0" indent="0" algn="r" defTabSz="825500" rtl="0" latinLnBrk="0">
         <a:lnSpc>
           <a:spcPct val="80000"/>
         </a:lnSpc>
@@ -4367,7 +4227,7 @@
           <a:sym typeface="DIN Alternate Bold"/>
         </a:defRPr>
       </a:lvl1pPr>
-      <a:lvl2pPr marL="0" marR="0" indent="228600" algn="r" defTabSz="825500" latinLnBrk="0">
+      <a:lvl2pPr marL="0" marR="0" indent="0" algn="r" defTabSz="825500" rtl="0" latinLnBrk="0">
         <a:lnSpc>
           <a:spcPct val="80000"/>
         </a:lnSpc>
@@ -4393,7 +4253,7 @@
           <a:sym typeface="DIN Alternate Bold"/>
         </a:defRPr>
       </a:lvl2pPr>
-      <a:lvl3pPr marL="0" marR="0" indent="457200" algn="r" defTabSz="825500" latinLnBrk="0">
+      <a:lvl3pPr marL="0" marR="0" indent="0" algn="r" defTabSz="825500" rtl="0" latinLnBrk="0">
         <a:lnSpc>
           <a:spcPct val="80000"/>
         </a:lnSpc>
@@ -4419,7 +4279,7 @@
           <a:sym typeface="DIN Alternate Bold"/>
         </a:defRPr>
       </a:lvl3pPr>
-      <a:lvl4pPr marL="0" marR="0" indent="685800" algn="r" defTabSz="825500" latinLnBrk="0">
+      <a:lvl4pPr marL="0" marR="0" indent="0" algn="r" defTabSz="825500" rtl="0" latinLnBrk="0">
         <a:lnSpc>
           <a:spcPct val="80000"/>
         </a:lnSpc>
@@ -4445,7 +4305,7 @@
           <a:sym typeface="DIN Alternate Bold"/>
         </a:defRPr>
       </a:lvl4pPr>
-      <a:lvl5pPr marL="0" marR="0" indent="914400" algn="r" defTabSz="825500" latinLnBrk="0">
+      <a:lvl5pPr marL="0" marR="0" indent="0" algn="r" defTabSz="825500" rtl="0" latinLnBrk="0">
         <a:lnSpc>
           <a:spcPct val="80000"/>
         </a:lnSpc>
@@ -4471,7 +4331,7 @@
           <a:sym typeface="DIN Alternate Bold"/>
         </a:defRPr>
       </a:lvl5pPr>
-      <a:lvl6pPr marL="0" marR="0" indent="1143000" algn="r" defTabSz="825500" latinLnBrk="0">
+      <a:lvl6pPr marL="0" marR="0" indent="0" algn="r" defTabSz="825500" rtl="0" latinLnBrk="0">
         <a:lnSpc>
           <a:spcPct val="80000"/>
         </a:lnSpc>
@@ -4497,7 +4357,7 @@
           <a:sym typeface="DIN Alternate Bold"/>
         </a:defRPr>
       </a:lvl6pPr>
-      <a:lvl7pPr marL="0" marR="0" indent="1371600" algn="r" defTabSz="825500" latinLnBrk="0">
+      <a:lvl7pPr marL="0" marR="0" indent="0" algn="r" defTabSz="825500" rtl="0" latinLnBrk="0">
         <a:lnSpc>
           <a:spcPct val="80000"/>
         </a:lnSpc>
@@ -4523,7 +4383,7 @@
           <a:sym typeface="DIN Alternate Bold"/>
         </a:defRPr>
       </a:lvl7pPr>
-      <a:lvl8pPr marL="0" marR="0" indent="1600200" algn="r" defTabSz="825500" latinLnBrk="0">
+      <a:lvl8pPr marL="0" marR="0" indent="0" algn="r" defTabSz="825500" rtl="0" latinLnBrk="0">
         <a:lnSpc>
           <a:spcPct val="80000"/>
         </a:lnSpc>
@@ -4549,7 +4409,7 @@
           <a:sym typeface="DIN Alternate Bold"/>
         </a:defRPr>
       </a:lvl8pPr>
-      <a:lvl9pPr marL="0" marR="0" indent="1828800" algn="r" defTabSz="825500" latinLnBrk="0">
+      <a:lvl9pPr marL="0" marR="0" indent="0" algn="r" defTabSz="825500" rtl="0" latinLnBrk="0">
         <a:lnSpc>
           <a:spcPct val="80000"/>
         </a:lnSpc>
@@ -4599,7 +4459,7 @@
       </p:grpSpPr>
       <p:pic>
         <p:nvPicPr>
-          <p:cNvPr id="166" name="Black and white aerial photo of a person standing on top of a dam" descr="Black and white aerial photo of a person standing on top of a dam"/>
+          <p:cNvPr id="169" name="Black and white aerial photo of a person standing on top of a dam" descr="Black and white aerial photo of a person standing on top of a dam"/>
           <p:cNvPicPr>
             <a:picLocks noChangeAspect="1"/>
           </p:cNvPicPr>
@@ -4611,7 +4471,7 @@
           <a:blip r:embed="rId2">
             <a:extLst/>
           </a:blip>
-          <a:srcRect l="155" t="7551" r="155" b="7498"/>
+          <a:srcRect l="155" t="7551" r="154" b="7497"/>
           <a:stretch>
             <a:fillRect/>
           </a:stretch>
@@ -4619,7 +4479,7 @@
         <p:spPr>
           <a:xfrm>
             <a:off x="0" y="0"/>
-            <a:ext cx="24384000" cy="13716000"/>
+            <a:ext cx="24384001" cy="13716001"/>
           </a:xfrm>
           <a:prstGeom prst="rect">
             <a:avLst/>
@@ -4628,14 +4488,14 @@
       </p:pic>
       <p:sp>
         <p:nvSpPr>
-          <p:cNvPr id="167" name="Line"/>
+          <p:cNvPr id="170" name="Line"/>
           <p:cNvSpPr/>
           <p:nvPr/>
         </p:nvSpPr>
         <p:spPr>
           <a:xfrm flipV="1">
-            <a:off x="762000" y="8635632"/>
-            <a:ext cx="22859999" cy="369"/>
+            <a:off x="761999" y="8635631"/>
+            <a:ext cx="22860000" cy="370"/>
           </a:xfrm>
           <a:prstGeom prst="line">
             <a:avLst/>
@@ -4648,21 +4508,14 @@
           </a:ln>
         </p:spPr>
         <p:txBody>
-          <a:bodyPr lIns="50800" tIns="50800" rIns="50800" bIns="50800" anchor="ctr"/>
+          <a:bodyPr lIns="45718" tIns="45718" rIns="45718" bIns="45718"/>
           <a:lstStyle/>
           <a:p>
-            <a:pPr defTabSz="457200">
-              <a:spcBef>
-                <a:spcPts val="0"/>
-              </a:spcBef>
-              <a:defRPr sz="1200">
-                <a:solidFill>
-                  <a:srgbClr val="000000"/>
-                </a:solidFill>
-                <a:latin typeface="Helvetica"/>
-                <a:ea typeface="Helvetica"/>
-                <a:cs typeface="Helvetica"/>
-                <a:sym typeface="Helvetica"/>
+            <a:pPr>
+              <a:defRPr>
+                <a:solidFill>
+                  <a:srgbClr val="838787"/>
+                </a:solidFill>
               </a:defRPr>
             </a:pPr>
           </a:p>
@@ -4670,7 +4523,7 @@
       </p:sp>
       <p:sp>
         <p:nvSpPr>
-          <p:cNvPr id="168" name="Travelling salesman problem"/>
+          <p:cNvPr id="171" name="Travelling salesman problem"/>
           <p:cNvSpPr txBox="1"/>
           <p:nvPr>
             <p:ph type="title"/>
@@ -4689,7 +4542,7 @@
           <a:bodyPr/>
           <a:lstStyle>
             <a:lvl1pPr defTabSz="454025">
-              <a:defRPr sz="16665"/>
+              <a:defRPr sz="16600"/>
             </a:lvl1pPr>
           </a:lstStyle>
           <a:p>
@@ -4702,7 +4555,7 @@
       </p:sp>
       <p:sp>
         <p:nvSpPr>
-          <p:cNvPr id="169" name="NP-Problem research by Abdoulkader Haidara"/>
+          <p:cNvPr id="172" name="NP-Problem research by Abdoulkader Haidara"/>
           <p:cNvSpPr txBox="1"/>
           <p:nvPr>
             <p:ph type="body" sz="quarter" idx="1"/>
@@ -4715,20 +4568,19 @@
         </p:spPr>
         <p:txBody>
           <a:bodyPr/>
-          <a:lstStyle/>
-          <a:p>
-            <a:pPr>
+          <a:lstStyle>
+            <a:lvl1pPr>
               <a:defRPr sz="7000">
                 <a:solidFill>
                   <a:srgbClr val="FFFFFF"/>
                 </a:solidFill>
               </a:defRPr>
-            </a:pPr>
-            <a:r>
-              <a:t>NP-Problem research by </a:t>
-            </a:r>
-            <a:r>
-              <a:t>Abdoulkader Haidara</a:t>
+            </a:lvl1pPr>
+          </a:lstStyle>
+          <a:p>
+            <a:pPr/>
+            <a:r>
+              <a:t>NP-Problem research by Abdoulkader Haidara</a:t>
             </a:r>
           </a:p>
         </p:txBody>
@@ -4761,10 +4613,10 @@
       </p:grpSpPr>
       <p:sp>
         <p:nvSpPr>
-          <p:cNvPr id="171" name="Description, Complexity and some applications"/>
+          <p:cNvPr id="174" name="Description, Complexity and some applications"/>
           <p:cNvSpPr txBox="1"/>
           <p:nvPr>
-            <p:ph type="body" idx="21"/>
+            <p:ph type="body" sz="quarter" idx="1"/>
           </p:nvPr>
         </p:nvSpPr>
         <p:spPr>
@@ -4774,7 +4626,11 @@
         </p:spPr>
         <p:txBody>
           <a:bodyPr/>
-          <a:lstStyle/>
+          <a:lstStyle>
+            <a:lvl1pPr>
+              <a:defRPr spc="100"/>
+            </a:lvl1pPr>
+          </a:lstStyle>
           <a:p>
             <a:pPr/>
             <a:r>
@@ -4785,7 +4641,7 @@
       </p:sp>
       <p:pic>
         <p:nvPicPr>
-          <p:cNvPr id="172" name="initial-sample.png" descr="initial-sample.png"/>
+          <p:cNvPr id="175" name="initial-sample.png" descr="initial-sample.png"/>
           <p:cNvPicPr>
             <a:picLocks noChangeAspect="1"/>
           </p:cNvPicPr>
@@ -4802,7 +4658,7 @@
         <p:spPr>
           <a:xfrm>
             <a:off x="5385663" y="1899022"/>
-            <a:ext cx="3352801" cy="3314701"/>
+            <a:ext cx="3352802" cy="3314702"/>
           </a:xfrm>
           <a:prstGeom prst="rect">
             <a:avLst/>
@@ -4814,7 +4670,7 @@
       </p:pic>
       <p:pic>
         <p:nvPicPr>
-          <p:cNvPr id="173" name="Initial-sample-not-optimal.png" descr="Initial-sample-not-optimal.png"/>
+          <p:cNvPr id="176" name="Initial-sample-not-optimal.png" descr="Initial-sample-not-optimal.png"/>
           <p:cNvPicPr>
             <a:picLocks noChangeAspect="1"/>
           </p:cNvPicPr>
@@ -4831,7 +4687,7 @@
         <p:spPr>
           <a:xfrm>
             <a:off x="10659312" y="2076822"/>
-            <a:ext cx="2991442" cy="2959102"/>
+            <a:ext cx="2991443" cy="2959103"/>
           </a:xfrm>
           <a:prstGeom prst="rect">
             <a:avLst/>
@@ -4843,7 +4699,7 @@
       </p:pic>
       <p:pic>
         <p:nvPicPr>
-          <p:cNvPr id="174" name="initial-sample-optimal.png" descr="initial-sample-optimal.png"/>
+          <p:cNvPr id="177" name="initial-sample-optimal.png" descr="initial-sample-optimal.png"/>
           <p:cNvPicPr>
             <a:picLocks noChangeAspect="1"/>
           </p:cNvPicPr>
@@ -4860,7 +4716,7 @@
         <p:spPr>
           <a:xfrm>
             <a:off x="15889927" y="2018880"/>
-            <a:ext cx="3108410" cy="3074986"/>
+            <a:ext cx="3108411" cy="3074987"/>
           </a:xfrm>
           <a:prstGeom prst="rect">
             <a:avLst/>
@@ -4872,13 +4728,13 @@
       </p:pic>
       <p:sp>
         <p:nvSpPr>
-          <p:cNvPr id="175" name="optimal path"/>
+          <p:cNvPr id="178" name="optimal path"/>
           <p:cNvSpPr txBox="1"/>
           <p:nvPr/>
         </p:nvSpPr>
         <p:spPr>
           <a:xfrm>
-            <a:off x="16272557" y="5339075"/>
+            <a:off x="16272557" y="5339074"/>
             <a:ext cx="2343151" cy="622301"/>
           </a:xfrm>
           <a:prstGeom prst="rect">
@@ -4897,7 +4753,19 @@
           <a:bodyPr wrap="none" lIns="50800" tIns="50800" rIns="50800" bIns="50800" anchor="ctr">
             <a:spAutoFit/>
           </a:bodyPr>
-          <a:lstStyle/>
+          <a:lstStyle>
+            <a:lvl1pPr>
+              <a:defRPr>
+                <a:solidFill>
+                  <a:srgbClr val="838787"/>
+                </a:solidFill>
+                <a:latin typeface="Avenir Next Medium"/>
+                <a:ea typeface="Avenir Next Medium"/>
+                <a:cs typeface="Avenir Next Medium"/>
+                <a:sym typeface="Avenir Next Medium"/>
+              </a:defRPr>
+            </a:lvl1pPr>
+          </a:lstStyle>
           <a:p>
             <a:pPr/>
             <a:r>
@@ -4908,13 +4776,13 @@
       </p:sp>
       <p:sp>
         <p:nvSpPr>
-          <p:cNvPr id="176" name="not optimal path"/>
+          <p:cNvPr id="179" name="not optimal path"/>
           <p:cNvSpPr txBox="1"/>
           <p:nvPr/>
         </p:nvSpPr>
         <p:spPr>
           <a:xfrm>
-            <a:off x="10609887" y="5339075"/>
+            <a:off x="10609887" y="5339074"/>
             <a:ext cx="3017902" cy="622301"/>
           </a:xfrm>
           <a:prstGeom prst="rect">
@@ -4933,7 +4801,19 @@
           <a:bodyPr wrap="none" lIns="50800" tIns="50800" rIns="50800" bIns="50800" anchor="ctr">
             <a:spAutoFit/>
           </a:bodyPr>
-          <a:lstStyle/>
+          <a:lstStyle>
+            <a:lvl1pPr>
+              <a:defRPr>
+                <a:solidFill>
+                  <a:srgbClr val="838787"/>
+                </a:solidFill>
+                <a:latin typeface="Avenir Next Medium"/>
+                <a:ea typeface="Avenir Next Medium"/>
+                <a:cs typeface="Avenir Next Medium"/>
+                <a:sym typeface="Avenir Next Medium"/>
+              </a:defRPr>
+            </a:lvl1pPr>
+          </a:lstStyle>
           <a:p>
             <a:pPr/>
             <a:r>
@@ -4944,14 +4824,14 @@
       </p:sp>
       <p:sp>
         <p:nvSpPr>
-          <p:cNvPr id="177" name="problem"/>
+          <p:cNvPr id="180" name="problem"/>
           <p:cNvSpPr txBox="1"/>
           <p:nvPr/>
         </p:nvSpPr>
         <p:spPr>
           <a:xfrm>
-            <a:off x="6296322" y="5339075"/>
-            <a:ext cx="1668798" cy="622301"/>
+            <a:off x="6296321" y="5339074"/>
+            <a:ext cx="1668799" cy="622301"/>
           </a:xfrm>
           <a:prstGeom prst="rect">
             <a:avLst/>
@@ -4969,7 +4849,19 @@
           <a:bodyPr lIns="50800" tIns="50800" rIns="50800" bIns="50800" anchor="ctr">
             <a:spAutoFit/>
           </a:bodyPr>
-          <a:lstStyle/>
+          <a:lstStyle>
+            <a:lvl1pPr>
+              <a:defRPr>
+                <a:solidFill>
+                  <a:srgbClr val="838787"/>
+                </a:solidFill>
+                <a:latin typeface="Avenir Next Medium"/>
+                <a:ea typeface="Avenir Next Medium"/>
+                <a:cs typeface="Avenir Next Medium"/>
+                <a:sym typeface="Avenir Next Medium"/>
+              </a:defRPr>
+            </a:lvl1pPr>
+          </a:lstStyle>
           <a:p>
             <a:pPr/>
             <a:r>
@@ -4980,13 +4872,13 @@
       </p:sp>
       <p:sp>
         <p:nvSpPr>
-          <p:cNvPr id="178" name="Complexity"/>
+          <p:cNvPr id="181" name="Complexity"/>
           <p:cNvSpPr txBox="1"/>
           <p:nvPr/>
         </p:nvSpPr>
         <p:spPr>
           <a:xfrm>
-            <a:off x="548427" y="6546849"/>
+            <a:off x="548426" y="6546849"/>
             <a:ext cx="2247139" cy="622301"/>
           </a:xfrm>
           <a:prstGeom prst="rect">
@@ -5008,6 +4900,9 @@
           <a:lstStyle>
             <a:lvl1pPr>
               <a:defRPr b="1">
+                <a:solidFill>
+                  <a:srgbClr val="838787"/>
+                </a:solidFill>
                 <a:latin typeface="Avenir Next Regular"/>
                 <a:ea typeface="Avenir Next Regular"/>
                 <a:cs typeface="Avenir Next Regular"/>
@@ -5025,7 +4920,7 @@
       </p:sp>
       <p:sp>
         <p:nvSpPr>
-          <p:cNvPr id="179" name="The problem is NP-complete"/>
+          <p:cNvPr id="182" name="The problem is NP-complete"/>
           <p:cNvSpPr txBox="1"/>
           <p:nvPr/>
         </p:nvSpPr>
@@ -5050,7 +4945,19 @@
           <a:bodyPr wrap="none" lIns="50800" tIns="50800" rIns="50800" bIns="50800" anchor="ctr">
             <a:spAutoFit/>
           </a:bodyPr>
-          <a:lstStyle/>
+          <a:lstStyle>
+            <a:lvl1pPr>
+              <a:defRPr>
+                <a:solidFill>
+                  <a:srgbClr val="838787"/>
+                </a:solidFill>
+                <a:latin typeface="Avenir Next Medium"/>
+                <a:ea typeface="Avenir Next Medium"/>
+                <a:cs typeface="Avenir Next Medium"/>
+                <a:sym typeface="Avenir Next Medium"/>
+              </a:defRPr>
+            </a:lvl1pPr>
+          </a:lstStyle>
           <a:p>
             <a:pPr/>
             <a:r>
@@ -5061,101 +4968,14 @@
       </p:sp>
       <p:sp>
         <p:nvSpPr>
-          <p:cNvPr id="180" name="Applications…"/>
-          <p:cNvSpPr txBox="1"/>
-          <p:nvPr>
-            <p:ph type="body" sz="half" idx="4294967295"/>
-          </p:nvPr>
-        </p:nvSpPr>
-        <p:spPr>
-          <a:xfrm>
-            <a:off x="631431" y="9450075"/>
-            <a:ext cx="22859999" cy="3462001"/>
-          </a:xfrm>
-          <a:prstGeom prst="rect">
-            <a:avLst/>
-          </a:prstGeom>
-        </p:spPr>
-        <p:txBody>
-          <a:bodyPr/>
-          <a:lstStyle/>
-          <a:p>
-            <a:pPr marL="438150" indent="-438150" defTabSz="569594">
-              <a:spcBef>
-                <a:spcPts val="2600"/>
-              </a:spcBef>
-              <a:buClr>
-                <a:schemeClr val="accent1"/>
-              </a:buClr>
-              <a:buChar char="▸"/>
-              <a:defRPr b="1" sz="3312">
-                <a:latin typeface="Avenir Next Regular"/>
-                <a:ea typeface="Avenir Next Regular"/>
-                <a:cs typeface="Avenir Next Regular"/>
-                <a:sym typeface="Avenir Next Regular"/>
-              </a:defRPr>
-            </a:pPr>
-            <a:r>
-              <a:t>Applications</a:t>
-            </a:r>
-          </a:p>
-          <a:p>
-            <a:pPr lvl="1" marL="876300" indent="-438150" defTabSz="569594">
-              <a:spcBef>
-                <a:spcPts val="2600"/>
-              </a:spcBef>
-              <a:buClr>
-                <a:schemeClr val="accent1"/>
-              </a:buClr>
-              <a:buChar char="▸"/>
-              <a:defRPr sz="3312"/>
-            </a:pPr>
-            <a:r>
-              <a:t>School bus route</a:t>
-            </a:r>
-          </a:p>
-          <a:p>
-            <a:pPr lvl="1" marL="876300" indent="-438150" defTabSz="569594">
-              <a:spcBef>
-                <a:spcPts val="2600"/>
-              </a:spcBef>
-              <a:buClr>
-                <a:schemeClr val="accent1"/>
-              </a:buClr>
-              <a:buChar char="▸"/>
-              <a:defRPr sz="3312"/>
-            </a:pPr>
-            <a:r>
-              <a:t>In logistics (deliveries, post office etc…)</a:t>
-            </a:r>
-          </a:p>
-          <a:p>
-            <a:pPr lvl="1" marL="876300" indent="-438150" defTabSz="569594">
-              <a:spcBef>
-                <a:spcPts val="2600"/>
-              </a:spcBef>
-              <a:buClr>
-                <a:schemeClr val="accent1"/>
-              </a:buClr>
-              <a:buChar char="▸"/>
-              <a:defRPr sz="3312"/>
-            </a:pPr>
-            <a:r>
-              <a:t>Biology (genome sequencing for example)</a:t>
-            </a:r>
-          </a:p>
-        </p:txBody>
-      </p:sp>
-      <p:sp>
-        <p:nvSpPr>
-          <p:cNvPr id="181" name="HAM-CYCLE  &lt;= TSP"/>
+          <p:cNvPr id="183" name="Applications…"/>
           <p:cNvSpPr txBox="1"/>
           <p:nvPr/>
         </p:nvSpPr>
         <p:spPr>
           <a:xfrm>
-            <a:off x="695319" y="7323456"/>
-            <a:ext cx="3346042" cy="520701"/>
+            <a:off x="631430" y="9450075"/>
+            <a:ext cx="22860000" cy="3462002"/>
           </a:xfrm>
           <a:prstGeom prst="rect">
             <a:avLst/>
@@ -5170,6 +4990,136 @@
           </a:extLst>
         </p:spPr>
         <p:txBody>
+          <a:bodyPr lIns="50800" tIns="50800" rIns="50800" bIns="50800">
+            <a:normAutofit fontScale="100000" lnSpcReduction="0"/>
+          </a:bodyPr>
+          <a:lstStyle/>
+          <a:p>
+            <a:pPr marL="438150" indent="-438150" defTabSz="569594">
+              <a:spcBef>
+                <a:spcPts val="2600"/>
+              </a:spcBef>
+              <a:buClr>
+                <a:schemeClr val="accent1"/>
+              </a:buClr>
+              <a:buSzPct val="104999"/>
+              <a:buFont typeface="Avenir Next Regular"/>
+              <a:buChar char="▸"/>
+              <a:defRPr b="1" sz="3300">
+                <a:solidFill>
+                  <a:srgbClr val="838787"/>
+                </a:solidFill>
+                <a:latin typeface="Avenir Next Regular"/>
+                <a:ea typeface="Avenir Next Regular"/>
+                <a:cs typeface="Avenir Next Regular"/>
+                <a:sym typeface="Avenir Next Regular"/>
+              </a:defRPr>
+            </a:pPr>
+            <a:r>
+              <a:t>Applications</a:t>
+            </a:r>
+          </a:p>
+          <a:p>
+            <a:pPr lvl="1" marL="876300" indent="-438150" defTabSz="569594">
+              <a:spcBef>
+                <a:spcPts val="2600"/>
+              </a:spcBef>
+              <a:buClr>
+                <a:schemeClr val="accent1"/>
+              </a:buClr>
+              <a:buSzPct val="104999"/>
+              <a:buFont typeface="Avenir Next Regular"/>
+              <a:buChar char="▸"/>
+              <a:defRPr sz="3300">
+                <a:solidFill>
+                  <a:srgbClr val="838787"/>
+                </a:solidFill>
+                <a:latin typeface="Avenir Next Medium"/>
+                <a:ea typeface="Avenir Next Medium"/>
+                <a:cs typeface="Avenir Next Medium"/>
+                <a:sym typeface="Avenir Next Medium"/>
+              </a:defRPr>
+            </a:pPr>
+            <a:r>
+              <a:t>School bus route</a:t>
+            </a:r>
+          </a:p>
+          <a:p>
+            <a:pPr lvl="1" marL="876300" indent="-438150" defTabSz="569594">
+              <a:spcBef>
+                <a:spcPts val="2600"/>
+              </a:spcBef>
+              <a:buClr>
+                <a:schemeClr val="accent1"/>
+              </a:buClr>
+              <a:buSzPct val="104999"/>
+              <a:buFont typeface="Avenir Next Regular"/>
+              <a:buChar char="▸"/>
+              <a:defRPr sz="3300">
+                <a:solidFill>
+                  <a:srgbClr val="838787"/>
+                </a:solidFill>
+                <a:latin typeface="Avenir Next Medium"/>
+                <a:ea typeface="Avenir Next Medium"/>
+                <a:cs typeface="Avenir Next Medium"/>
+                <a:sym typeface="Avenir Next Medium"/>
+              </a:defRPr>
+            </a:pPr>
+            <a:r>
+              <a:t>In logistics (deliveries, post office etc…)</a:t>
+            </a:r>
+          </a:p>
+          <a:p>
+            <a:pPr lvl="1" marL="876300" indent="-438150" defTabSz="569594">
+              <a:spcBef>
+                <a:spcPts val="2600"/>
+              </a:spcBef>
+              <a:buClr>
+                <a:schemeClr val="accent1"/>
+              </a:buClr>
+              <a:buSzPct val="104999"/>
+              <a:buFont typeface="Avenir Next Regular"/>
+              <a:buChar char="▸"/>
+              <a:defRPr sz="3300">
+                <a:solidFill>
+                  <a:srgbClr val="838787"/>
+                </a:solidFill>
+                <a:latin typeface="Avenir Next Medium"/>
+                <a:ea typeface="Avenir Next Medium"/>
+                <a:cs typeface="Avenir Next Medium"/>
+                <a:sym typeface="Avenir Next Medium"/>
+              </a:defRPr>
+            </a:pPr>
+            <a:r>
+              <a:t>Biology (genome sequencing for example)</a:t>
+            </a:r>
+          </a:p>
+        </p:txBody>
+      </p:sp>
+      <p:sp>
+        <p:nvSpPr>
+          <p:cNvPr id="184" name="HAM-CYCLE  &lt;= TSP"/>
+          <p:cNvSpPr txBox="1"/>
+          <p:nvPr/>
+        </p:nvSpPr>
+        <p:spPr>
+          <a:xfrm>
+            <a:off x="695319" y="7332983"/>
+            <a:ext cx="3325164" cy="501648"/>
+          </a:xfrm>
+          <a:prstGeom prst="rect">
+            <a:avLst/>
+          </a:prstGeom>
+          <a:ln w="12700">
+            <a:miter lim="400000"/>
+          </a:ln>
+          <a:extLst>
+            <a:ext uri="{C572A759-6A51-4108-AA02-DFA0A04FC94B}">
+              <ma14:wrappingTextBoxFlag xmlns:ma14="http://schemas.microsoft.com/office/mac/drawingml/2011/main" val="1"/>
+            </a:ext>
+          </a:extLst>
+        </p:spPr>
+        <p:txBody>
           <a:bodyPr wrap="none" lIns="50800" tIns="50800" rIns="50800" bIns="50800" anchor="ctr">
             <a:spAutoFit/>
           </a:bodyPr>
@@ -5180,6 +5130,9 @@
                 <a:spcPts val="1200"/>
               </a:spcBef>
               <a:defRPr b="1" sz="2500">
+                <a:solidFill>
+                  <a:srgbClr val="838787"/>
+                </a:solidFill>
                 <a:latin typeface="Times Roman"/>
                 <a:ea typeface="Times Roman"/>
                 <a:cs typeface="Times Roman"/>
@@ -5190,7 +5143,7 @@
               <a:t>HAM-CYCLE  &lt;=</a:t>
             </a:r>
             <a:r>
-              <a:rPr baseline="-11999"/>
+              <a:rPr baseline="-11998"/>
               <a:t> </a:t>
             </a:r>
             <a:r>
@@ -5227,10 +5180,10 @@
       </p:grpSpPr>
       <p:sp>
         <p:nvSpPr>
-          <p:cNvPr id="183" name="Brute force solution"/>
+          <p:cNvPr id="186" name="Brute force solution"/>
           <p:cNvSpPr txBox="1"/>
           <p:nvPr>
-            <p:ph type="body" idx="21"/>
+            <p:ph type="body" sz="quarter" idx="1"/>
           </p:nvPr>
         </p:nvSpPr>
         <p:spPr>
@@ -5240,7 +5193,11 @@
         </p:spPr>
         <p:txBody>
           <a:bodyPr/>
-          <a:lstStyle/>
+          <a:lstStyle>
+            <a:lvl1pPr>
+              <a:defRPr spc="100"/>
+            </a:lvl1pPr>
+          </a:lstStyle>
           <a:p>
             <a:pPr/>
             <a:r>
@@ -5251,13 +5208,13 @@
       </p:sp>
       <p:sp>
         <p:nvSpPr>
-          <p:cNvPr id="184" name="Complexities"/>
+          <p:cNvPr id="187" name="Complexities"/>
           <p:cNvSpPr txBox="1"/>
           <p:nvPr/>
         </p:nvSpPr>
         <p:spPr>
           <a:xfrm>
-            <a:off x="18358302" y="3701792"/>
+            <a:off x="18358302" y="3701791"/>
             <a:ext cx="2505076" cy="622301"/>
           </a:xfrm>
           <a:prstGeom prst="rect">
@@ -5276,7 +5233,19 @@
           <a:bodyPr wrap="none" lIns="50800" tIns="50800" rIns="50800" bIns="50800" anchor="ctr">
             <a:spAutoFit/>
           </a:bodyPr>
-          <a:lstStyle/>
+          <a:lstStyle>
+            <a:lvl1pPr>
+              <a:defRPr>
+                <a:solidFill>
+                  <a:srgbClr val="838787"/>
+                </a:solidFill>
+                <a:latin typeface="Avenir Next Medium"/>
+                <a:ea typeface="Avenir Next Medium"/>
+                <a:cs typeface="Avenir Next Medium"/>
+                <a:sym typeface="Avenir Next Medium"/>
+              </a:defRPr>
+            </a:lvl1pPr>
+          </a:lstStyle>
           <a:p>
             <a:pPr/>
             <a:r>
@@ -5287,7 +5256,7 @@
       </p:sp>
       <p:sp>
         <p:nvSpPr>
-          <p:cNvPr id="185" name="Time: O(n!)"/>
+          <p:cNvPr id="188" name="Time: O(n!)"/>
           <p:cNvSpPr txBox="1"/>
           <p:nvPr/>
         </p:nvSpPr>
@@ -5312,7 +5281,19 @@
           <a:bodyPr wrap="none" lIns="50800" tIns="50800" rIns="50800" bIns="50800" anchor="ctr">
             <a:spAutoFit/>
           </a:bodyPr>
-          <a:lstStyle/>
+          <a:lstStyle>
+            <a:lvl1pPr>
+              <a:defRPr>
+                <a:solidFill>
+                  <a:srgbClr val="838787"/>
+                </a:solidFill>
+                <a:latin typeface="Avenir Next Medium"/>
+                <a:ea typeface="Avenir Next Medium"/>
+                <a:cs typeface="Avenir Next Medium"/>
+                <a:sym typeface="Avenir Next Medium"/>
+              </a:defRPr>
+            </a:lvl1pPr>
+          </a:lstStyle>
           <a:p>
             <a:pPr/>
             <a:r>
@@ -5323,13 +5304,13 @@
       </p:sp>
       <p:sp>
         <p:nvSpPr>
-          <p:cNvPr id="186" name="Space: O(n)"/>
+          <p:cNvPr id="189" name="Space: O(n)"/>
           <p:cNvSpPr txBox="1"/>
           <p:nvPr/>
         </p:nvSpPr>
         <p:spPr>
           <a:xfrm>
-            <a:off x="18380908" y="5014890"/>
+            <a:off x="18380907" y="5014889"/>
             <a:ext cx="2180464" cy="622301"/>
           </a:xfrm>
           <a:prstGeom prst="rect">
@@ -5348,7 +5329,19 @@
           <a:bodyPr wrap="none" lIns="50800" tIns="50800" rIns="50800" bIns="50800" anchor="ctr">
             <a:spAutoFit/>
           </a:bodyPr>
-          <a:lstStyle/>
+          <a:lstStyle>
+            <a:lvl1pPr>
+              <a:defRPr>
+                <a:solidFill>
+                  <a:srgbClr val="838787"/>
+                </a:solidFill>
+                <a:latin typeface="Avenir Next Medium"/>
+                <a:ea typeface="Avenir Next Medium"/>
+                <a:cs typeface="Avenir Next Medium"/>
+                <a:sym typeface="Avenir Next Medium"/>
+              </a:defRPr>
+            </a:lvl1pPr>
+          </a:lstStyle>
           <a:p>
             <a:pPr/>
             <a:r>
@@ -5359,7 +5352,7 @@
       </p:sp>
       <p:pic>
         <p:nvPicPr>
-          <p:cNvPr id="187" name="brute-force-solution.gif" descr="brute-force-solution.gif"/>
+          <p:cNvPr id="190" name="brute-force-solution.gif" descr="brute-force-solution.gif"/>
           <p:cNvPicPr>
             <a:picLocks noChangeAspect="0"/>
           </p:cNvPicPr>
@@ -5375,8 +5368,8 @@
         </p:blipFill>
         <p:spPr>
           <a:xfrm>
-            <a:off x="921684" y="1760514"/>
-            <a:ext cx="13611197" cy="6156449"/>
+            <a:off x="921683" y="1760514"/>
+            <a:ext cx="13611199" cy="6156450"/>
           </a:xfrm>
           <a:prstGeom prst="rect">
             <a:avLst/>
@@ -5388,13 +5381,13 @@
       </p:pic>
       <p:sp>
         <p:nvSpPr>
-          <p:cNvPr id="188" name="7 cities using brute force"/>
+          <p:cNvPr id="191" name="7 cities using brute force"/>
           <p:cNvSpPr txBox="1"/>
           <p:nvPr/>
         </p:nvSpPr>
         <p:spPr>
           <a:xfrm>
-            <a:off x="5524149" y="8550107"/>
+            <a:off x="5524148" y="8550107"/>
             <a:ext cx="4406266" cy="622301"/>
           </a:xfrm>
           <a:prstGeom prst="rect">
@@ -5413,7 +5406,19 @@
           <a:bodyPr wrap="none" lIns="50800" tIns="50800" rIns="50800" bIns="50800" anchor="ctr">
             <a:spAutoFit/>
           </a:bodyPr>
-          <a:lstStyle/>
+          <a:lstStyle>
+            <a:lvl1pPr>
+              <a:defRPr>
+                <a:solidFill>
+                  <a:srgbClr val="838787"/>
+                </a:solidFill>
+                <a:latin typeface="Avenir Next Medium"/>
+                <a:ea typeface="Avenir Next Medium"/>
+                <a:cs typeface="Avenir Next Medium"/>
+                <a:sym typeface="Avenir Next Medium"/>
+              </a:defRPr>
+            </a:lvl1pPr>
+          </a:lstStyle>
           <a:p>
             <a:pPr/>
             <a:r>
@@ -5424,13 +5429,13 @@
       </p:sp>
       <p:sp>
         <p:nvSpPr>
-          <p:cNvPr id="189" name="This solution becomes unfeasible for even 20 cities.…"/>
+          <p:cNvPr id="192" name="This solution becomes unfeasible for even 20 cities.…"/>
           <p:cNvSpPr txBox="1"/>
           <p:nvPr/>
         </p:nvSpPr>
         <p:spPr>
           <a:xfrm>
-            <a:off x="985145" y="10744016"/>
+            <a:off x="985144" y="10744016"/>
             <a:ext cx="17719366" cy="1473201"/>
           </a:xfrm>
           <a:prstGeom prst="rect">
@@ -5456,6 +5461,9 @@
                 <a:spcPts val="0"/>
               </a:spcBef>
               <a:defRPr>
+                <a:solidFill>
+                  <a:srgbClr val="838787"/>
+                </a:solidFill>
                 <a:latin typeface="Courier"/>
                 <a:ea typeface="Courier"/>
                 <a:cs typeface="Courier"/>
@@ -5472,6 +5480,9 @@
                 <a:spcPts val="0"/>
               </a:spcBef>
               <a:defRPr>
+                <a:solidFill>
+                  <a:srgbClr val="838787"/>
+                </a:solidFill>
                 <a:latin typeface="Courier"/>
                 <a:ea typeface="Courier"/>
                 <a:cs typeface="Courier"/>
@@ -5488,6 +5499,9 @@
                 <a:spcPts val="0"/>
               </a:spcBef>
               <a:defRPr>
+                <a:solidFill>
+                  <a:srgbClr val="838787"/>
+                </a:solidFill>
                 <a:latin typeface="Courier"/>
                 <a:ea typeface="Courier"/>
                 <a:cs typeface="Courier"/>
@@ -5528,10 +5542,10 @@
       </p:grpSpPr>
       <p:sp>
         <p:nvSpPr>
-          <p:cNvPr id="191" name="Dynamic programming solution(Held-karp algorithm)"/>
+          <p:cNvPr id="194" name="Dynamic programming solution(Held-karp algorithm)"/>
           <p:cNvSpPr txBox="1"/>
           <p:nvPr>
-            <p:ph type="body" idx="21"/>
+            <p:ph type="body" sz="quarter" idx="1"/>
           </p:nvPr>
         </p:nvSpPr>
         <p:spPr>
@@ -5541,7 +5555,11 @@
         </p:spPr>
         <p:txBody>
           <a:bodyPr/>
-          <a:lstStyle/>
+          <a:lstStyle>
+            <a:lvl1pPr>
+              <a:defRPr spc="100"/>
+            </a:lvl1pPr>
+          </a:lstStyle>
           <a:p>
             <a:pPr/>
             <a:r>
@@ -5552,14 +5570,14 @@
       </p:sp>
       <p:sp>
         <p:nvSpPr>
-          <p:cNvPr id="192" name="Complexities"/>
+          <p:cNvPr id="195" name="Complexities"/>
           <p:cNvSpPr txBox="1"/>
           <p:nvPr/>
         </p:nvSpPr>
         <p:spPr>
           <a:xfrm>
-            <a:off x="11293137" y="6661098"/>
-            <a:ext cx="2409826" cy="622301"/>
+            <a:off x="1120390" y="10180610"/>
+            <a:ext cx="3175001" cy="800101"/>
           </a:xfrm>
           <a:prstGeom prst="rect">
             <a:avLst/>
@@ -5577,7 +5595,19 @@
           <a:bodyPr wrap="none" lIns="50800" tIns="50800" rIns="50800" bIns="50800" anchor="ctr">
             <a:spAutoFit/>
           </a:bodyPr>
-          <a:lstStyle/>
+          <a:lstStyle>
+            <a:lvl1pPr>
+              <a:defRPr sz="4000">
+                <a:solidFill>
+                  <a:srgbClr val="838787"/>
+                </a:solidFill>
+                <a:latin typeface="Avenir Next Medium"/>
+                <a:ea typeface="Avenir Next Medium"/>
+                <a:cs typeface="Avenir Next Medium"/>
+                <a:sym typeface="Avenir Next Medium"/>
+              </a:defRPr>
+            </a:lvl1pPr>
+          </a:lstStyle>
           <a:p>
             <a:pPr/>
             <a:r>
@@ -5588,14 +5618,14 @@
       </p:sp>
       <p:sp>
         <p:nvSpPr>
-          <p:cNvPr id="193" name="Time: O(n^2*2^n)"/>
+          <p:cNvPr id="196" name="Time: O(n^2*2^n)"/>
           <p:cNvSpPr txBox="1"/>
           <p:nvPr/>
         </p:nvSpPr>
         <p:spPr>
           <a:xfrm>
-            <a:off x="11291061" y="7375614"/>
-            <a:ext cx="3331846" cy="622301"/>
+            <a:off x="1118314" y="10895126"/>
+            <a:ext cx="4404361" cy="800101"/>
           </a:xfrm>
           <a:prstGeom prst="rect">
             <a:avLst/>
@@ -5613,7 +5643,19 @@
           <a:bodyPr wrap="none" lIns="50800" tIns="50800" rIns="50800" bIns="50800" anchor="ctr">
             <a:spAutoFit/>
           </a:bodyPr>
-          <a:lstStyle/>
+          <a:lstStyle>
+            <a:lvl1pPr>
+              <a:defRPr sz="4000">
+                <a:solidFill>
+                  <a:srgbClr val="838787"/>
+                </a:solidFill>
+                <a:latin typeface="Avenir Next Medium"/>
+                <a:ea typeface="Avenir Next Medium"/>
+                <a:cs typeface="Avenir Next Medium"/>
+                <a:sym typeface="Avenir Next Medium"/>
+              </a:defRPr>
+            </a:lvl1pPr>
+          </a:lstStyle>
           <a:p>
             <a:pPr/>
             <a:r>
@@ -5624,14 +5666,14 @@
       </p:sp>
       <p:sp>
         <p:nvSpPr>
-          <p:cNvPr id="194" name="Space: O(n*2^n)"/>
+          <p:cNvPr id="197" name="Space: O(n*2^n)"/>
           <p:cNvSpPr txBox="1"/>
           <p:nvPr/>
         </p:nvSpPr>
         <p:spPr>
           <a:xfrm>
-            <a:off x="11275040" y="8073910"/>
-            <a:ext cx="3055621" cy="622301"/>
+            <a:off x="1102294" y="11593423"/>
+            <a:ext cx="4036061" cy="800101"/>
           </a:xfrm>
           <a:prstGeom prst="rect">
             <a:avLst/>
@@ -5649,15 +5691,1104 @@
           <a:bodyPr wrap="none" lIns="50800" tIns="50800" rIns="50800" bIns="50800" anchor="ctr">
             <a:spAutoFit/>
           </a:bodyPr>
+          <a:lstStyle>
+            <a:lvl1pPr>
+              <a:defRPr sz="4000">
+                <a:solidFill>
+                  <a:srgbClr val="838787"/>
+                </a:solidFill>
+                <a:latin typeface="Avenir Next Medium"/>
+                <a:ea typeface="Avenir Next Medium"/>
+                <a:cs typeface="Avenir Next Medium"/>
+                <a:sym typeface="Avenir Next Medium"/>
+              </a:defRPr>
+            </a:lvl1pPr>
+          </a:lstStyle>
+          <a:p>
+            <a:pPr/>
+            <a:r>
+              <a:t>Space: O(n*2^n)</a:t>
+            </a:r>
+          </a:p>
+        </p:txBody>
+      </p:sp>
+      <p:pic>
+        <p:nvPicPr>
+          <p:cNvPr id="198" name="Image" descr="Image"/>
+          <p:cNvPicPr>
+            <a:picLocks noChangeAspect="1"/>
+          </p:cNvPicPr>
+          <p:nvPr/>
+        </p:nvPicPr>
+        <p:blipFill>
+          <a:blip r:embed="rId2">
+            <a:extLst/>
+          </a:blip>
+          <a:stretch>
+            <a:fillRect/>
+          </a:stretch>
+        </p:blipFill>
+        <p:spPr>
+          <a:xfrm>
+            <a:off x="1179442" y="1813628"/>
+            <a:ext cx="1813932" cy="459224"/>
+          </a:xfrm>
+          <a:prstGeom prst="rect">
+            <a:avLst/>
+          </a:prstGeom>
+          <a:ln w="12700">
+            <a:miter lim="400000"/>
+          </a:ln>
+        </p:spPr>
+      </p:pic>
+      <p:sp>
+        <p:nvSpPr>
+          <p:cNvPr id="199" name="cities"/>
+          <p:cNvSpPr txBox="1"/>
+          <p:nvPr/>
+        </p:nvSpPr>
+        <p:spPr>
+          <a:xfrm>
+            <a:off x="3160726" y="1763820"/>
+            <a:ext cx="982341" cy="558801"/>
+          </a:xfrm>
+          <a:prstGeom prst="rect">
+            <a:avLst/>
+          </a:prstGeom>
+          <a:ln w="12700">
+            <a:miter lim="400000"/>
+          </a:ln>
+          <a:extLst>
+            <a:ext uri="{C572A759-6A51-4108-AA02-DFA0A04FC94B}">
+              <ma14:wrappingTextBoxFlag xmlns:ma14="http://schemas.microsoft.com/office/mac/drawingml/2011/main" val="1"/>
+            </a:ext>
+          </a:extLst>
+        </p:spPr>
+        <p:txBody>
+          <a:bodyPr wrap="none" lIns="50800" tIns="50800" rIns="50800" bIns="50800" anchor="ctr">
+            <a:spAutoFit/>
+          </a:bodyPr>
+          <a:lstStyle>
+            <a:lvl1pPr>
+              <a:defRPr>
+                <a:latin typeface="Diwan Thuluth Regular"/>
+                <a:ea typeface="Diwan Thuluth Regular"/>
+                <a:cs typeface="Diwan Thuluth Regular"/>
+                <a:sym typeface="Diwan Thuluth Regular"/>
+              </a:defRPr>
+            </a:lvl1pPr>
+          </a:lstStyle>
+          <a:p>
+            <a:pPr/>
+            <a:r>
+              <a:t>cities</a:t>
+            </a:r>
+          </a:p>
+        </p:txBody>
+      </p:sp>
+      <p:sp>
+        <p:nvSpPr>
+          <p:cNvPr id="200" name="begins by calculating, for each set of cities"/>
+          <p:cNvSpPr txBox="1"/>
+          <p:nvPr/>
+        </p:nvSpPr>
+        <p:spPr>
+          <a:xfrm>
+            <a:off x="1068477" y="2554536"/>
+            <a:ext cx="4872336" cy="406401"/>
+          </a:xfrm>
+          <a:prstGeom prst="rect">
+            <a:avLst/>
+          </a:prstGeom>
+          <a:ln w="12700">
+            <a:miter lim="400000"/>
+          </a:ln>
+          <a:extLst>
+            <a:ext uri="{C572A759-6A51-4108-AA02-DFA0A04FC94B}">
+              <ma14:wrappingTextBoxFlag xmlns:ma14="http://schemas.microsoft.com/office/mac/drawingml/2011/main" val="1"/>
+            </a:ext>
+          </a:extLst>
+        </p:spPr>
+        <p:txBody>
+          <a:bodyPr wrap="none" lIns="50800" tIns="50800" rIns="50800" bIns="50800" anchor="ctr">
+            <a:spAutoFit/>
+          </a:bodyPr>
+          <a:lstStyle>
+            <a:lvl1pPr defTabSz="457200">
+              <a:spcBef>
+                <a:spcPts val="0"/>
+              </a:spcBef>
+              <a:defRPr sz="2000">
+                <a:solidFill>
+                  <a:srgbClr val="202122"/>
+                </a:solidFill>
+                <a:latin typeface="+mn-lt"/>
+                <a:ea typeface="+mn-ea"/>
+                <a:cs typeface="+mn-cs"/>
+                <a:sym typeface="Helvetica"/>
+              </a:defRPr>
+            </a:lvl1pPr>
+          </a:lstStyle>
+          <a:p>
+            <a:pPr/>
+            <a:r>
+              <a:t>begins by calculating, for each set of cities</a:t>
+            </a:r>
+          </a:p>
+        </p:txBody>
+      </p:sp>
+      <p:pic>
+        <p:nvPicPr>
+          <p:cNvPr id="201" name="Image" descr="Image"/>
+          <p:cNvPicPr>
+            <a:picLocks noChangeAspect="1"/>
+          </p:cNvPicPr>
+          <p:nvPr/>
+        </p:nvPicPr>
+        <p:blipFill>
+          <a:blip r:embed="rId3">
+            <a:extLst/>
+          </a:blip>
+          <a:stretch>
+            <a:fillRect/>
+          </a:stretch>
+        </p:blipFill>
+        <p:spPr>
+          <a:xfrm>
+            <a:off x="6389451" y="2544541"/>
+            <a:ext cx="2169027" cy="426391"/>
+          </a:xfrm>
+          <a:prstGeom prst="rect">
+            <a:avLst/>
+          </a:prstGeom>
+          <a:ln w="12700">
+            <a:miter lim="400000"/>
+          </a:ln>
+        </p:spPr>
+      </p:pic>
+      <p:sp>
+        <p:nvSpPr>
+          <p:cNvPr id="202" name="and every city"/>
+          <p:cNvSpPr txBox="1"/>
+          <p:nvPr/>
+        </p:nvSpPr>
+        <p:spPr>
+          <a:xfrm>
+            <a:off x="9129816" y="2554536"/>
+            <a:ext cx="1751906" cy="406401"/>
+          </a:xfrm>
+          <a:prstGeom prst="rect">
+            <a:avLst/>
+          </a:prstGeom>
+          <a:ln w="12700">
+            <a:miter lim="400000"/>
+          </a:ln>
+          <a:extLst>
+            <a:ext uri="{C572A759-6A51-4108-AA02-DFA0A04FC94B}">
+              <ma14:wrappingTextBoxFlag xmlns:ma14="http://schemas.microsoft.com/office/mac/drawingml/2011/main" val="1"/>
+            </a:ext>
+          </a:extLst>
+        </p:spPr>
+        <p:txBody>
+          <a:bodyPr wrap="none" lIns="50800" tIns="50800" rIns="50800" bIns="50800" anchor="ctr">
+            <a:spAutoFit/>
+          </a:bodyPr>
+          <a:lstStyle>
+            <a:lvl1pPr defTabSz="457200">
+              <a:spcBef>
+                <a:spcPts val="0"/>
+              </a:spcBef>
+              <a:defRPr sz="2000">
+                <a:solidFill>
+                  <a:srgbClr val="202122"/>
+                </a:solidFill>
+                <a:latin typeface="+mn-lt"/>
+                <a:ea typeface="+mn-ea"/>
+                <a:cs typeface="+mn-cs"/>
+                <a:sym typeface="Helvetica"/>
+              </a:defRPr>
+            </a:lvl1pPr>
+          </a:lstStyle>
+          <a:p>
+            <a:pPr/>
+            <a:r>
+              <a:t>and every city </a:t>
+            </a:r>
+          </a:p>
+        </p:txBody>
+      </p:sp>
+      <p:pic>
+        <p:nvPicPr>
+          <p:cNvPr id="203" name="Image" descr="Image"/>
+          <p:cNvPicPr>
+            <a:picLocks noChangeAspect="1"/>
+          </p:cNvPicPr>
+          <p:nvPr/>
+        </p:nvPicPr>
+        <p:blipFill>
+          <a:blip r:embed="rId4">
+            <a:extLst/>
+          </a:blip>
+          <a:stretch>
+            <a:fillRect/>
+          </a:stretch>
+        </p:blipFill>
+        <p:spPr>
+          <a:xfrm>
+            <a:off x="11086564" y="2544541"/>
+            <a:ext cx="873085" cy="426391"/>
+          </a:xfrm>
+          <a:prstGeom prst="rect">
+            <a:avLst/>
+          </a:prstGeom>
+          <a:ln w="12700">
+            <a:miter lim="400000"/>
+          </a:ln>
+        </p:spPr>
+      </p:pic>
+      <p:sp>
+        <p:nvSpPr>
+          <p:cNvPr id="204" name="not contained in S"/>
+          <p:cNvSpPr txBox="1"/>
+          <p:nvPr/>
+        </p:nvSpPr>
+        <p:spPr>
+          <a:xfrm>
+            <a:off x="12164490" y="2522786"/>
+            <a:ext cx="2181673" cy="469901"/>
+          </a:xfrm>
+          <a:prstGeom prst="rect">
+            <a:avLst/>
+          </a:prstGeom>
+          <a:ln w="12700">
+            <a:miter lim="400000"/>
+          </a:ln>
+          <a:extLst>
+            <a:ext uri="{C572A759-6A51-4108-AA02-DFA0A04FC94B}">
+              <ma14:wrappingTextBoxFlag xmlns:ma14="http://schemas.microsoft.com/office/mac/drawingml/2011/main" val="1"/>
+            </a:ext>
+          </a:extLst>
+        </p:spPr>
+        <p:txBody>
+          <a:bodyPr wrap="none" lIns="50800" tIns="50800" rIns="50800" bIns="50800" anchor="ctr">
+            <a:spAutoFit/>
+          </a:bodyPr>
           <a:lstStyle/>
           <a:p>
+            <a:pPr defTabSz="457200">
+              <a:spcBef>
+                <a:spcPts val="0"/>
+              </a:spcBef>
+              <a:defRPr sz="2000">
+                <a:solidFill>
+                  <a:srgbClr val="202122"/>
+                </a:solidFill>
+                <a:latin typeface="+mn-lt"/>
+                <a:ea typeface="+mn-ea"/>
+                <a:cs typeface="+mn-cs"/>
+                <a:sym typeface="Helvetica"/>
+              </a:defRPr>
+            </a:pPr>
+            <a:r>
+              <a:t>not contained in </a:t>
+            </a:r>
+            <a:r>
+              <a:rPr sz="2400"/>
+              <a:t>S</a:t>
+            </a:r>
+          </a:p>
+        </p:txBody>
+      </p:sp>
+      <p:sp>
+        <p:nvSpPr>
+          <p:cNvPr id="205" name="the shortest one-way path from  to  that passes through every city in  in some order."/>
+          <p:cNvSpPr txBox="1"/>
+          <p:nvPr/>
+        </p:nvSpPr>
+        <p:spPr>
+          <a:xfrm>
+            <a:off x="1009727" y="3192852"/>
+            <a:ext cx="9573568" cy="406401"/>
+          </a:xfrm>
+          <a:prstGeom prst="rect">
+            <a:avLst/>
+          </a:prstGeom>
+          <a:ln w="12700">
+            <a:miter lim="400000"/>
+          </a:ln>
+          <a:extLst>
+            <a:ext uri="{C572A759-6A51-4108-AA02-DFA0A04FC94B}">
+              <ma14:wrappingTextBoxFlag xmlns:ma14="http://schemas.microsoft.com/office/mac/drawingml/2011/main" val="1"/>
+            </a:ext>
+          </a:extLst>
+        </p:spPr>
+        <p:txBody>
+          <a:bodyPr wrap="none" lIns="50800" tIns="50800" rIns="50800" bIns="50800" anchor="ctr">
+            <a:spAutoFit/>
+          </a:bodyPr>
+          <a:lstStyle>
+            <a:lvl1pPr defTabSz="457200">
+              <a:spcBef>
+                <a:spcPts val="0"/>
+              </a:spcBef>
+              <a:defRPr sz="2000">
+                <a:solidFill>
+                  <a:srgbClr val="202122"/>
+                </a:solidFill>
+                <a:latin typeface="+mn-lt"/>
+                <a:ea typeface="+mn-ea"/>
+                <a:cs typeface="+mn-cs"/>
+                <a:sym typeface="Helvetica"/>
+              </a:defRPr>
+            </a:lvl1pPr>
+          </a:lstStyle>
+          <a:p>
             <a:pPr/>
             <a:r>
-              <a:t>Space: O(n*2^n)</a:t>
-            </a:r>
-          </a:p>
-        </p:txBody>
-      </p:sp>
+              <a:t> the shortest one-way path from  to  that passes through every city in  in some order.</a:t>
+            </a:r>
+          </a:p>
+        </p:txBody>
+      </p:sp>
+      <p:pic>
+        <p:nvPicPr>
+          <p:cNvPr id="206" name="Image" descr="Image"/>
+          <p:cNvPicPr>
+            <a:picLocks noChangeAspect="1"/>
+          </p:cNvPicPr>
+          <p:nvPr/>
+        </p:nvPicPr>
+        <p:blipFill>
+          <a:blip r:embed="rId5">
+            <a:extLst/>
+          </a:blip>
+          <a:stretch>
+            <a:fillRect/>
+          </a:stretch>
+        </p:blipFill>
+        <p:spPr>
+          <a:xfrm>
+            <a:off x="1202235" y="4621886"/>
+            <a:ext cx="883479" cy="406401"/>
+          </a:xfrm>
+          <a:prstGeom prst="rect">
+            <a:avLst/>
+          </a:prstGeom>
+          <a:ln w="12700">
+            <a:miter lim="400000"/>
+          </a:ln>
+        </p:spPr>
+      </p:pic>
+      <p:sp>
+        <p:nvSpPr>
+          <p:cNvPr id="207" name="Example"/>
+          <p:cNvSpPr txBox="1"/>
+          <p:nvPr/>
+        </p:nvSpPr>
+        <p:spPr>
+          <a:xfrm>
+            <a:off x="1089809" y="3831168"/>
+            <a:ext cx="1108330" cy="482602"/>
+          </a:xfrm>
+          <a:prstGeom prst="rect">
+            <a:avLst/>
+          </a:prstGeom>
+          <a:ln w="12700">
+            <a:miter lim="400000"/>
+          </a:ln>
+          <a:extLst>
+            <a:ext uri="{C572A759-6A51-4108-AA02-DFA0A04FC94B}">
+              <ma14:wrappingTextBoxFlag xmlns:ma14="http://schemas.microsoft.com/office/mac/drawingml/2011/main" val="1"/>
+            </a:ext>
+          </a:extLst>
+        </p:spPr>
+        <p:txBody>
+          <a:bodyPr wrap="none" lIns="50800" tIns="50800" rIns="50800" bIns="50800" anchor="ctr">
+            <a:spAutoFit/>
+          </a:bodyPr>
+          <a:lstStyle/>
+          <a:p>
+            <a:pPr/>
+            <a:r>
+              <a:t>Example</a:t>
+            </a:r>
+          </a:p>
+        </p:txBody>
+      </p:sp>
+      <p:sp>
+        <p:nvSpPr>
+          <p:cNvPr id="208" name="= d(1, e)"/>
+          <p:cNvSpPr txBox="1"/>
+          <p:nvPr/>
+        </p:nvSpPr>
+        <p:spPr>
+          <a:xfrm>
+            <a:off x="2150693" y="4545686"/>
+            <a:ext cx="2172036" cy="558801"/>
+          </a:xfrm>
+          <a:prstGeom prst="rect">
+            <a:avLst/>
+          </a:prstGeom>
+          <a:ln w="12700">
+            <a:miter lim="400000"/>
+          </a:ln>
+          <a:extLst>
+            <a:ext uri="{C572A759-6A51-4108-AA02-DFA0A04FC94B}">
+              <ma14:wrappingTextBoxFlag xmlns:ma14="http://schemas.microsoft.com/office/mac/drawingml/2011/main" val="1"/>
+            </a:ext>
+          </a:extLst>
+        </p:spPr>
+        <p:txBody>
+          <a:bodyPr wrap="none" lIns="50800" tIns="50800" rIns="50800" bIns="50800" anchor="ctr">
+            <a:spAutoFit/>
+          </a:bodyPr>
+          <a:lstStyle>
+            <a:lvl1pPr>
+              <a:defRPr>
+                <a:latin typeface="Courier"/>
+                <a:ea typeface="Courier"/>
+                <a:cs typeface="Courier"/>
+                <a:sym typeface="Courier"/>
+              </a:defRPr>
+            </a:lvl1pPr>
+          </a:lstStyle>
+          <a:p>
+            <a:pPr/>
+            <a:r>
+              <a:t>= d(1, e)</a:t>
+            </a:r>
+          </a:p>
+        </p:txBody>
+      </p:sp>
+      <p:pic>
+        <p:nvPicPr>
+          <p:cNvPr id="209" name="Image" descr="Image"/>
+          <p:cNvPicPr>
+            <a:picLocks noChangeAspect="1"/>
+          </p:cNvPicPr>
+          <p:nvPr/>
+        </p:nvPicPr>
+        <p:blipFill>
+          <a:blip r:embed="rId6">
+            <a:extLst/>
+          </a:blip>
+          <a:stretch>
+            <a:fillRect/>
+          </a:stretch>
+        </p:blipFill>
+        <p:spPr>
+          <a:xfrm>
+            <a:off x="5372227" y="4621886"/>
+            <a:ext cx="1219201" cy="406401"/>
+          </a:xfrm>
+          <a:prstGeom prst="rect">
+            <a:avLst/>
+          </a:prstGeom>
+          <a:ln w="12700">
+            <a:miter lim="400000"/>
+          </a:ln>
+        </p:spPr>
+      </p:pic>
+      <p:pic>
+        <p:nvPicPr>
+          <p:cNvPr id="210" name="Image" descr="Image"/>
+          <p:cNvPicPr>
+            <a:picLocks noChangeAspect="1"/>
+          </p:cNvPicPr>
+          <p:nvPr/>
+        </p:nvPicPr>
+        <p:blipFill>
+          <a:blip r:embed="rId7">
+            <a:extLst/>
+          </a:blip>
+          <a:stretch>
+            <a:fillRect/>
+          </a:stretch>
+        </p:blipFill>
+        <p:spPr>
+          <a:xfrm>
+            <a:off x="10843731" y="4661176"/>
+            <a:ext cx="1657839" cy="327713"/>
+          </a:xfrm>
+          <a:prstGeom prst="rect">
+            <a:avLst/>
+          </a:prstGeom>
+          <a:ln w="12700">
+            <a:miter lim="400000"/>
+          </a:ln>
+        </p:spPr>
+      </p:pic>
+      <p:sp>
+        <p:nvSpPr>
+          <p:cNvPr id="211" name="is the length of"/>
+          <p:cNvSpPr txBox="1"/>
+          <p:nvPr/>
+        </p:nvSpPr>
+        <p:spPr>
+          <a:xfrm>
+            <a:off x="6831331" y="4545686"/>
+            <a:ext cx="3772497" cy="558801"/>
+          </a:xfrm>
+          <a:prstGeom prst="rect">
+            <a:avLst/>
+          </a:prstGeom>
+          <a:ln w="12700">
+            <a:miter lim="400000"/>
+          </a:ln>
+          <a:extLst>
+            <a:ext uri="{C572A759-6A51-4108-AA02-DFA0A04FC94B}">
+              <ma14:wrappingTextBoxFlag xmlns:ma14="http://schemas.microsoft.com/office/mac/drawingml/2011/main" val="1"/>
+            </a:ext>
+          </a:extLst>
+        </p:spPr>
+        <p:txBody>
+          <a:bodyPr wrap="none" lIns="50800" tIns="50800" rIns="50800" bIns="50800" anchor="ctr">
+            <a:spAutoFit/>
+          </a:bodyPr>
+          <a:lstStyle>
+            <a:lvl1pPr>
+              <a:defRPr>
+                <a:latin typeface="Courier"/>
+                <a:ea typeface="Courier"/>
+                <a:cs typeface="Courier"/>
+                <a:sym typeface="Courier"/>
+              </a:defRPr>
+            </a:lvl1pPr>
+          </a:lstStyle>
+          <a:p>
+            <a:pPr/>
+            <a:r>
+              <a:t>is the length of</a:t>
+            </a:r>
+          </a:p>
+        </p:txBody>
+      </p:sp>
+      <p:sp>
+        <p:nvSpPr>
+          <p:cNvPr id="212" name="Once  S contains three or more cities, the number of paths through S rises quickly, but only a few such paths need to be examined to find the shortest."/>
+          <p:cNvSpPr txBox="1"/>
+          <p:nvPr/>
+        </p:nvSpPr>
+        <p:spPr>
+          <a:xfrm>
+            <a:off x="1037756" y="5522105"/>
+            <a:ext cx="16981737" cy="406401"/>
+          </a:xfrm>
+          <a:prstGeom prst="rect">
+            <a:avLst/>
+          </a:prstGeom>
+          <a:ln w="12700">
+            <a:miter lim="400000"/>
+          </a:ln>
+          <a:extLst>
+            <a:ext uri="{C572A759-6A51-4108-AA02-DFA0A04FC94B}">
+              <ma14:wrappingTextBoxFlag xmlns:ma14="http://schemas.microsoft.com/office/mac/drawingml/2011/main" val="1"/>
+            </a:ext>
+          </a:extLst>
+        </p:spPr>
+        <p:txBody>
+          <a:bodyPr wrap="none" lIns="50800" tIns="50800" rIns="50800" bIns="50800" anchor="ctr">
+            <a:spAutoFit/>
+          </a:bodyPr>
+          <a:lstStyle>
+            <a:lvl1pPr defTabSz="457200">
+              <a:spcBef>
+                <a:spcPts val="0"/>
+              </a:spcBef>
+              <a:defRPr sz="2000">
+                <a:solidFill>
+                  <a:srgbClr val="202122"/>
+                </a:solidFill>
+                <a:latin typeface="+mn-lt"/>
+                <a:ea typeface="+mn-ea"/>
+                <a:cs typeface="+mn-cs"/>
+                <a:sym typeface="Helvetica"/>
+              </a:defRPr>
+            </a:lvl1pPr>
+          </a:lstStyle>
+          <a:p>
+            <a:pPr/>
+            <a:r>
+              <a:t>Once  S contains three or more cities, the number of paths through S rises quickly, but only a few such paths need to be examined to find the shortest.</a:t>
+            </a:r>
+          </a:p>
+        </p:txBody>
+      </p:sp>
+      <p:pic>
+        <p:nvPicPr>
+          <p:cNvPr id="213" name="Image" descr="Image"/>
+          <p:cNvPicPr>
+            <a:picLocks noChangeAspect="1"/>
+          </p:cNvPicPr>
+          <p:nvPr/>
+        </p:nvPicPr>
+        <p:blipFill>
+          <a:blip r:embed="rId8">
+            <a:extLst/>
+          </a:blip>
+          <a:stretch>
+            <a:fillRect/>
+          </a:stretch>
+        </p:blipFill>
+        <p:spPr>
+          <a:xfrm>
+            <a:off x="1135887" y="6328635"/>
+            <a:ext cx="2646283" cy="362798"/>
+          </a:xfrm>
+          <a:prstGeom prst="rect">
+            <a:avLst/>
+          </a:prstGeom>
+          <a:ln w="12700">
+            <a:miter lim="400000"/>
+          </a:ln>
+        </p:spPr>
+      </p:pic>
+      <p:pic>
+        <p:nvPicPr>
+          <p:cNvPr id="214" name="Image" descr="Image"/>
+          <p:cNvPicPr>
+            <a:picLocks noChangeAspect="1"/>
+          </p:cNvPicPr>
+          <p:nvPr/>
+        </p:nvPicPr>
+        <p:blipFill>
+          <a:blip r:embed="rId9">
+            <a:extLst/>
+          </a:blip>
+          <a:stretch>
+            <a:fillRect/>
+          </a:stretch>
+        </p:blipFill>
+        <p:spPr>
+          <a:xfrm>
+            <a:off x="5056868" y="6346124"/>
+            <a:ext cx="2646283" cy="362797"/>
+          </a:xfrm>
+          <a:prstGeom prst="rect">
+            <a:avLst/>
+          </a:prstGeom>
+          <a:ln w="12700">
+            <a:miter lim="400000"/>
+          </a:ln>
+        </p:spPr>
+      </p:pic>
+      <p:pic>
+        <p:nvPicPr>
+          <p:cNvPr id="215" name="Image" descr="Image"/>
+          <p:cNvPicPr>
+            <a:picLocks noChangeAspect="1"/>
+          </p:cNvPicPr>
+          <p:nvPr/>
+        </p:nvPicPr>
+        <p:blipFill>
+          <a:blip r:embed="rId10">
+            <a:extLst/>
+          </a:blip>
+          <a:stretch>
+            <a:fillRect/>
+          </a:stretch>
+        </p:blipFill>
+        <p:spPr>
+          <a:xfrm>
+            <a:off x="11777598" y="6422324"/>
+            <a:ext cx="3726082" cy="391009"/>
+          </a:xfrm>
+          <a:prstGeom prst="rect">
+            <a:avLst/>
+          </a:prstGeom>
+          <a:ln w="12700">
+            <a:miter lim="400000"/>
+          </a:ln>
+        </p:spPr>
+      </p:pic>
+      <p:pic>
+        <p:nvPicPr>
+          <p:cNvPr id="216" name="Image" descr="Image"/>
+          <p:cNvPicPr>
+            <a:picLocks noChangeAspect="1"/>
+          </p:cNvPicPr>
+          <p:nvPr/>
+        </p:nvPicPr>
+        <p:blipFill>
+          <a:blip r:embed="rId11">
+            <a:extLst/>
+          </a:blip>
+          <a:stretch>
+            <a:fillRect/>
+          </a:stretch>
+        </p:blipFill>
+        <p:spPr>
+          <a:xfrm>
+            <a:off x="17599496" y="6461614"/>
+            <a:ext cx="3123921" cy="327820"/>
+          </a:xfrm>
+          <a:prstGeom prst="rect">
+            <a:avLst/>
+          </a:prstGeom>
+          <a:ln w="12700">
+            <a:miter lim="400000"/>
+          </a:ln>
+        </p:spPr>
+      </p:pic>
+      <p:sp>
+        <p:nvSpPr>
+          <p:cNvPr id="217" name="&lt;"/>
+          <p:cNvSpPr txBox="1"/>
+          <p:nvPr/>
+        </p:nvSpPr>
+        <p:spPr>
+          <a:xfrm>
+            <a:off x="4261980" y="6268733"/>
+            <a:ext cx="342901" cy="482602"/>
+          </a:xfrm>
+          <a:prstGeom prst="rect">
+            <a:avLst/>
+          </a:prstGeom>
+          <a:ln w="12700">
+            <a:miter lim="400000"/>
+          </a:ln>
+          <a:extLst>
+            <a:ext uri="{C572A759-6A51-4108-AA02-DFA0A04FC94B}">
+              <ma14:wrappingTextBoxFlag xmlns:ma14="http://schemas.microsoft.com/office/mac/drawingml/2011/main" val="1"/>
+            </a:ext>
+          </a:extLst>
+        </p:spPr>
+        <p:txBody>
+          <a:bodyPr wrap="none" lIns="50800" tIns="50800" rIns="50800" bIns="50800" anchor="ctr">
+            <a:spAutoFit/>
+          </a:bodyPr>
+          <a:lstStyle/>
+          <a:p>
+            <a:pPr/>
+            <a:r>
+              <a:t>&lt;</a:t>
+            </a:r>
+          </a:p>
+        </p:txBody>
+      </p:sp>
+      <p:sp>
+        <p:nvSpPr>
+          <p:cNvPr id="218" name="&lt;"/>
+          <p:cNvSpPr txBox="1"/>
+          <p:nvPr/>
+        </p:nvSpPr>
+        <p:spPr>
+          <a:xfrm>
+            <a:off x="16532017" y="6376528"/>
+            <a:ext cx="342901" cy="482602"/>
+          </a:xfrm>
+          <a:prstGeom prst="rect">
+            <a:avLst/>
+          </a:prstGeom>
+          <a:ln w="12700">
+            <a:miter lim="400000"/>
+          </a:ln>
+          <a:extLst>
+            <a:ext uri="{C572A759-6A51-4108-AA02-DFA0A04FC94B}">
+              <ma14:wrappingTextBoxFlag xmlns:ma14="http://schemas.microsoft.com/office/mac/drawingml/2011/main" val="1"/>
+            </a:ext>
+          </a:extLst>
+        </p:spPr>
+        <p:txBody>
+          <a:bodyPr wrap="none" lIns="50800" tIns="50800" rIns="50800" bIns="50800" anchor="ctr">
+            <a:spAutoFit/>
+          </a:bodyPr>
+          <a:lstStyle/>
+          <a:p>
+            <a:pPr/>
+            <a:r>
+              <a:t>&lt;</a:t>
+            </a:r>
+          </a:p>
+        </p:txBody>
+      </p:sp>
+      <p:sp>
+        <p:nvSpPr>
+          <p:cNvPr id="219" name="Line"/>
+          <p:cNvSpPr/>
+          <p:nvPr/>
+        </p:nvSpPr>
+        <p:spPr>
+          <a:xfrm>
+            <a:off x="8911501" y="6625524"/>
+            <a:ext cx="1657747" cy="1"/>
+          </a:xfrm>
+          <a:prstGeom prst="line">
+            <a:avLst/>
+          </a:prstGeom>
+          <a:ln w="25400">
+            <a:solidFill>
+              <a:schemeClr val="accent1"/>
+            </a:solidFill>
+            <a:tailEnd type="triangle"/>
+          </a:ln>
+        </p:spPr>
+        <p:txBody>
+          <a:bodyPr lIns="45718" tIns="45718" rIns="45718" bIns="45718"/>
+          <a:lstStyle/>
+          <a:p>
+            <a:pPr>
+              <a:defRPr>
+                <a:solidFill>
+                  <a:srgbClr val="838787"/>
+                </a:solidFill>
+              </a:defRPr>
+            </a:pPr>
+          </a:p>
+        </p:txBody>
+      </p:sp>
+      <p:sp>
+        <p:nvSpPr>
+          <p:cNvPr id="220" name="General"/>
+          <p:cNvSpPr txBox="1"/>
+          <p:nvPr/>
+        </p:nvSpPr>
+        <p:spPr>
+          <a:xfrm>
+            <a:off x="1083899" y="7294496"/>
+            <a:ext cx="1468827" cy="609603"/>
+          </a:xfrm>
+          <a:prstGeom prst="rect">
+            <a:avLst/>
+          </a:prstGeom>
+          <a:ln w="12700">
+            <a:miter lim="400000"/>
+          </a:ln>
+          <a:extLst>
+            <a:ext uri="{C572A759-6A51-4108-AA02-DFA0A04FC94B}">
+              <ma14:wrappingTextBoxFlag xmlns:ma14="http://schemas.microsoft.com/office/mac/drawingml/2011/main" val="1"/>
+            </a:ext>
+          </a:extLst>
+        </p:spPr>
+        <p:txBody>
+          <a:bodyPr lIns="50800" tIns="50800" rIns="50800" bIns="50800" anchor="ctr">
+            <a:spAutoFit/>
+          </a:bodyPr>
+          <a:lstStyle>
+            <a:lvl1pPr>
+              <a:defRPr sz="4000"/>
+            </a:lvl1pPr>
+          </a:lstStyle>
+          <a:p>
+            <a:pPr/>
+            <a:r>
+              <a:t>General</a:t>
+            </a:r>
+          </a:p>
+        </p:txBody>
+      </p:sp>
+      <p:pic>
+        <p:nvPicPr>
+          <p:cNvPr id="221" name="Image" descr="Image"/>
+          <p:cNvPicPr>
+            <a:picLocks noChangeAspect="1"/>
+          </p:cNvPicPr>
+          <p:nvPr/>
+        </p:nvPicPr>
+        <p:blipFill>
+          <a:blip r:embed="rId12">
+            <a:extLst/>
+          </a:blip>
+          <a:stretch>
+            <a:fillRect/>
+          </a:stretch>
+        </p:blipFill>
+        <p:spPr>
+          <a:xfrm>
+            <a:off x="3227718" y="7319897"/>
+            <a:ext cx="3182732" cy="558801"/>
+          </a:xfrm>
+          <a:prstGeom prst="rect">
+            <a:avLst/>
+          </a:prstGeom>
+          <a:ln w="12700">
+            <a:miter lim="400000"/>
+          </a:ln>
+        </p:spPr>
+      </p:pic>
+      <p:pic>
+        <p:nvPicPr>
+          <p:cNvPr id="222" name="Image" descr="Image"/>
+          <p:cNvPicPr>
+            <a:picLocks noChangeAspect="1"/>
+          </p:cNvPicPr>
+          <p:nvPr/>
+        </p:nvPicPr>
+        <p:blipFill>
+          <a:blip r:embed="rId13">
+            <a:extLst/>
+          </a:blip>
+          <a:stretch>
+            <a:fillRect/>
+          </a:stretch>
+        </p:blipFill>
+        <p:spPr>
+          <a:xfrm>
+            <a:off x="7485011" y="7321633"/>
+            <a:ext cx="5041516" cy="635001"/>
+          </a:xfrm>
+          <a:prstGeom prst="rect">
+            <a:avLst/>
+          </a:prstGeom>
+          <a:ln w="12700">
+            <a:miter lim="400000"/>
+          </a:ln>
+        </p:spPr>
+      </p:pic>
+      <p:pic>
+        <p:nvPicPr>
+          <p:cNvPr id="223" name="Image" descr="Image"/>
+          <p:cNvPicPr>
+            <a:picLocks noChangeAspect="1"/>
+          </p:cNvPicPr>
+          <p:nvPr/>
+        </p:nvPicPr>
+        <p:blipFill>
+          <a:blip r:embed="rId14">
+            <a:extLst/>
+          </a:blip>
+          <a:stretch>
+            <a:fillRect/>
+          </a:stretch>
+        </p:blipFill>
+        <p:spPr>
+          <a:xfrm>
+            <a:off x="6410541" y="8489673"/>
+            <a:ext cx="6236167" cy="585437"/>
+          </a:xfrm>
+          <a:prstGeom prst="rect">
+            <a:avLst/>
+          </a:prstGeom>
+          <a:ln w="12700">
+            <a:miter lim="400000"/>
+          </a:ln>
+        </p:spPr>
+      </p:pic>
+      <p:sp>
+        <p:nvSpPr>
+          <p:cNvPr id="224" name="The algorithm finishes when"/>
+          <p:cNvSpPr txBox="1"/>
+          <p:nvPr/>
+        </p:nvSpPr>
+        <p:spPr>
+          <a:xfrm>
+            <a:off x="970450" y="8507162"/>
+            <a:ext cx="4684069" cy="564754"/>
+          </a:xfrm>
+          <a:prstGeom prst="rect">
+            <a:avLst/>
+          </a:prstGeom>
+          <a:ln w="12700">
+            <a:miter lim="400000"/>
+          </a:ln>
+          <a:extLst>
+            <a:ext uri="{C572A759-6A51-4108-AA02-DFA0A04FC94B}">
+              <ma14:wrappingTextBoxFlag xmlns:ma14="http://schemas.microsoft.com/office/mac/drawingml/2011/main" val="1"/>
+            </a:ext>
+          </a:extLst>
+        </p:spPr>
+        <p:txBody>
+          <a:bodyPr wrap="none" lIns="50800" tIns="50800" rIns="50800" bIns="50800" anchor="ctr">
+            <a:spAutoFit/>
+          </a:bodyPr>
+          <a:lstStyle>
+            <a:lvl1pPr>
+              <a:defRPr>
+                <a:latin typeface="Farah Regular"/>
+                <a:ea typeface="Farah Regular"/>
+                <a:cs typeface="Farah Regular"/>
+                <a:sym typeface="Farah Regular"/>
+              </a:defRPr>
+            </a:lvl1pPr>
+          </a:lstStyle>
+          <a:p>
+            <a:pPr/>
+            <a:r>
+              <a:t>The algorithm finishes when </a:t>
+            </a:r>
+          </a:p>
+        </p:txBody>
+      </p:sp>
+      <p:sp>
+        <p:nvSpPr>
+          <p:cNvPr id="225" name="is known for every integer"/>
+          <p:cNvSpPr txBox="1"/>
+          <p:nvPr/>
+        </p:nvSpPr>
+        <p:spPr>
+          <a:xfrm>
+            <a:off x="13039453" y="8502991"/>
+            <a:ext cx="4561285" cy="558801"/>
+          </a:xfrm>
+          <a:prstGeom prst="rect">
+            <a:avLst/>
+          </a:prstGeom>
+          <a:ln w="12700">
+            <a:miter lim="400000"/>
+          </a:ln>
+          <a:extLst>
+            <a:ext uri="{C572A759-6A51-4108-AA02-DFA0A04FC94B}">
+              <ma14:wrappingTextBoxFlag xmlns:ma14="http://schemas.microsoft.com/office/mac/drawingml/2011/main" val="1"/>
+            </a:ext>
+          </a:extLst>
+        </p:spPr>
+        <p:txBody>
+          <a:bodyPr wrap="none" lIns="50800" tIns="50800" rIns="50800" bIns="50800" anchor="ctr">
+            <a:spAutoFit/>
+          </a:bodyPr>
+          <a:lstStyle>
+            <a:lvl1pPr defTabSz="457200">
+              <a:spcBef>
+                <a:spcPts val="0"/>
+              </a:spcBef>
+              <a:defRPr>
+                <a:solidFill>
+                  <a:srgbClr val="202122"/>
+                </a:solidFill>
+                <a:latin typeface="+mn-lt"/>
+                <a:ea typeface="+mn-ea"/>
+                <a:cs typeface="+mn-cs"/>
+                <a:sym typeface="Helvetica"/>
+              </a:defRPr>
+            </a:lvl1pPr>
+          </a:lstStyle>
+          <a:p>
+            <a:pPr/>
+            <a:r>
+              <a:t>is known for every integer </a:t>
+            </a:r>
+          </a:p>
+        </p:txBody>
+      </p:sp>
+      <p:pic>
+        <p:nvPicPr>
+          <p:cNvPr id="226" name="Image" descr="Image"/>
+          <p:cNvPicPr>
+            <a:picLocks noChangeAspect="1"/>
+          </p:cNvPicPr>
+          <p:nvPr/>
+        </p:nvPicPr>
+        <p:blipFill>
+          <a:blip r:embed="rId15">
+            <a:extLst/>
+          </a:blip>
+          <a:stretch>
+            <a:fillRect/>
+          </a:stretch>
+        </p:blipFill>
+        <p:spPr>
+          <a:xfrm>
+            <a:off x="17993483" y="8579191"/>
+            <a:ext cx="1625601" cy="406401"/>
+          </a:xfrm>
+          <a:prstGeom prst="rect">
+            <a:avLst/>
+          </a:prstGeom>
+          <a:ln w="12700">
+            <a:miter lim="400000"/>
+          </a:ln>
+        </p:spPr>
+      </p:pic>
     </p:spTree>
   </p:cSld>
   <p:clrMapOvr>
@@ -5686,10 +6817,10 @@
       </p:grpSpPr>
       <p:sp>
         <p:nvSpPr>
-          <p:cNvPr id="196" name="Approximation Solution using minimum spanning tree"/>
+          <p:cNvPr id="228" name="Approximation Solution using minimum spanning tree"/>
           <p:cNvSpPr txBox="1"/>
           <p:nvPr>
-            <p:ph type="body" idx="21"/>
+            <p:ph type="body" sz="quarter" idx="1"/>
           </p:nvPr>
         </p:nvSpPr>
         <p:spPr>
@@ -5699,7 +6830,11 @@
         </p:spPr>
         <p:txBody>
           <a:bodyPr/>
-          <a:lstStyle/>
+          <a:lstStyle>
+            <a:lvl1pPr>
+              <a:defRPr spc="100"/>
+            </a:lvl1pPr>
+          </a:lstStyle>
           <a:p>
             <a:pPr/>
             <a:r>
@@ -5710,7 +6845,7 @@
       </p:sp>
       <p:pic>
         <p:nvPicPr>
-          <p:cNvPr id="197" name="initial-graph.png" descr="initial-graph.png"/>
+          <p:cNvPr id="229" name="initial-graph.png" descr="initial-graph.png"/>
           <p:cNvPicPr>
             <a:picLocks noChangeAspect="1"/>
           </p:cNvPicPr>
@@ -5726,8 +6861,8 @@
         </p:blipFill>
         <p:spPr>
           <a:xfrm>
-            <a:off x="250914" y="1523633"/>
-            <a:ext cx="9122518" cy="6449497"/>
+            <a:off x="250913" y="1523632"/>
+            <a:ext cx="9122520" cy="6449498"/>
           </a:xfrm>
           <a:prstGeom prst="rect">
             <a:avLst/>
@@ -5739,7 +6874,7 @@
       </p:pic>
       <p:sp>
         <p:nvSpPr>
-          <p:cNvPr id="198" name="Initial graph"/>
+          <p:cNvPr id="230" name="Initial graph"/>
           <p:cNvSpPr txBox="1"/>
           <p:nvPr/>
         </p:nvSpPr>
@@ -5764,7 +6899,19 @@
           <a:bodyPr wrap="none" lIns="50800" tIns="50800" rIns="50800" bIns="50800" anchor="ctr">
             <a:spAutoFit/>
           </a:bodyPr>
-          <a:lstStyle/>
+          <a:lstStyle>
+            <a:lvl1pPr>
+              <a:defRPr>
+                <a:solidFill>
+                  <a:srgbClr val="838787"/>
+                </a:solidFill>
+                <a:latin typeface="Avenir Next Medium"/>
+                <a:ea typeface="Avenir Next Medium"/>
+                <a:cs typeface="Avenir Next Medium"/>
+                <a:sym typeface="Avenir Next Medium"/>
+              </a:defRPr>
+            </a:lvl1pPr>
+          </a:lstStyle>
           <a:p>
             <a:pPr/>
             <a:r>
@@ -5775,14 +6922,14 @@
       </p:sp>
       <p:sp>
         <p:nvSpPr>
-          <p:cNvPr id="199" name="Line"/>
+          <p:cNvPr id="231" name="Line"/>
           <p:cNvSpPr/>
           <p:nvPr/>
         </p:nvSpPr>
         <p:spPr>
           <a:xfrm>
-            <a:off x="8570204" y="4228743"/>
-            <a:ext cx="3006293" cy="1"/>
+            <a:off x="8570204" y="4228742"/>
+            <a:ext cx="3006294" cy="3"/>
           </a:xfrm>
           <a:prstGeom prst="line">
             <a:avLst/>
@@ -5796,21 +6943,14 @@
           </a:ln>
         </p:spPr>
         <p:txBody>
-          <a:bodyPr lIns="50800" tIns="50800" rIns="50800" bIns="50800" anchor="ctr"/>
+          <a:bodyPr lIns="45718" tIns="45718" rIns="45718" bIns="45718"/>
           <a:lstStyle/>
           <a:p>
-            <a:pPr algn="ctr">
-              <a:lnSpc>
-                <a:spcPct val="80000"/>
-              </a:lnSpc>
-              <a:spcBef>
-                <a:spcPts val="0"/>
-              </a:spcBef>
-              <a:defRPr cap="all" sz="4000">
-                <a:latin typeface="+mn-lt"/>
-                <a:ea typeface="+mn-ea"/>
-                <a:cs typeface="+mn-cs"/>
-                <a:sym typeface="DIN Condensed Bold"/>
+            <a:pPr>
+              <a:defRPr>
+                <a:solidFill>
+                  <a:srgbClr val="838787"/>
+                </a:solidFill>
               </a:defRPr>
             </a:pPr>
           </a:p>
@@ -5818,13 +6958,13 @@
       </p:sp>
       <p:sp>
         <p:nvSpPr>
-          <p:cNvPr id="200" name="Step 1"/>
+          <p:cNvPr id="232" name="Step 1"/>
           <p:cNvSpPr txBox="1"/>
           <p:nvPr/>
         </p:nvSpPr>
         <p:spPr>
           <a:xfrm>
-            <a:off x="9462778" y="3779525"/>
+            <a:off x="9462778" y="3779524"/>
             <a:ext cx="862077" cy="444501"/>
           </a:xfrm>
           <a:prstGeom prst="rect">
@@ -5845,7 +6985,15 @@
           </a:bodyPr>
           <a:lstStyle>
             <a:lvl1pPr>
-              <a:defRPr sz="2000"/>
+              <a:defRPr sz="2000">
+                <a:solidFill>
+                  <a:srgbClr val="838787"/>
+                </a:solidFill>
+                <a:latin typeface="Avenir Next Medium"/>
+                <a:ea typeface="Avenir Next Medium"/>
+                <a:cs typeface="Avenir Next Medium"/>
+                <a:sym typeface="Avenir Next Medium"/>
+              </a:defRPr>
             </a:lvl1pPr>
           </a:lstStyle>
           <a:p>
@@ -5858,13 +7006,13 @@
       </p:sp>
       <p:sp>
         <p:nvSpPr>
-          <p:cNvPr id="201" name="Minimum spanning tree"/>
+          <p:cNvPr id="233" name="Minimum spanning tree"/>
           <p:cNvSpPr txBox="1"/>
           <p:nvPr/>
         </p:nvSpPr>
         <p:spPr>
           <a:xfrm>
-            <a:off x="8627455" y="4301806"/>
+            <a:off x="8627454" y="4301805"/>
             <a:ext cx="2891791" cy="444501"/>
           </a:xfrm>
           <a:prstGeom prst="rect">
@@ -5885,7 +7033,15 @@
           </a:bodyPr>
           <a:lstStyle>
             <a:lvl1pPr>
-              <a:defRPr sz="2000"/>
+              <a:defRPr sz="2000">
+                <a:solidFill>
+                  <a:srgbClr val="838787"/>
+                </a:solidFill>
+                <a:latin typeface="Avenir Next Medium"/>
+                <a:ea typeface="Avenir Next Medium"/>
+                <a:cs typeface="Avenir Next Medium"/>
+                <a:sym typeface="Avenir Next Medium"/>
+              </a:defRPr>
             </a:lvl1pPr>
           </a:lstStyle>
           <a:p>
@@ -5898,7 +7054,7 @@
       </p:sp>
       <p:pic>
         <p:nvPicPr>
-          <p:cNvPr id="202" name="minimum-spanning-tree.png" descr="minimum-spanning-tree.png"/>
+          <p:cNvPr id="234" name="minimum-spanning-tree.png" descr="minimum-spanning-tree.png"/>
           <p:cNvPicPr>
             <a:picLocks noChangeAspect="1"/>
           </p:cNvPicPr>
@@ -5914,8 +7070,8 @@
         </p:blipFill>
         <p:spPr>
           <a:xfrm>
-            <a:off x="13714334" y="1523633"/>
-            <a:ext cx="8202028" cy="6252216"/>
+            <a:off x="13714333" y="1523632"/>
+            <a:ext cx="8202029" cy="6252218"/>
           </a:xfrm>
           <a:prstGeom prst="rect">
             <a:avLst/>
@@ -5927,7 +7083,7 @@
       </p:pic>
       <p:pic>
         <p:nvPicPr>
-          <p:cNvPr id="203" name="nodes-connection.png" descr="nodes-connection.png"/>
+          <p:cNvPr id="235" name="nodes-connection.png" descr="nodes-connection.png"/>
           <p:cNvPicPr>
             <a:picLocks noChangeAspect="1"/>
           </p:cNvPicPr>
@@ -5944,7 +7100,7 @@
         <p:spPr>
           <a:xfrm>
             <a:off x="6534591" y="7187486"/>
-            <a:ext cx="8484687" cy="5703399"/>
+            <a:ext cx="8484687" cy="5703400"/>
           </a:xfrm>
           <a:prstGeom prst="rect">
             <a:avLst/>
@@ -5956,7 +7112,7 @@
       </p:pic>
       <p:sp>
         <p:nvSpPr>
-          <p:cNvPr id="204" name="Nodes connected"/>
+          <p:cNvPr id="236" name="Nodes connected"/>
           <p:cNvSpPr txBox="1"/>
           <p:nvPr/>
         </p:nvSpPr>
@@ -5981,7 +7137,19 @@
           <a:bodyPr wrap="none" lIns="50800" tIns="50800" rIns="50800" bIns="50800" anchor="ctr">
             <a:spAutoFit/>
           </a:bodyPr>
-          <a:lstStyle/>
+          <a:lstStyle>
+            <a:lvl1pPr>
+              <a:defRPr>
+                <a:solidFill>
+                  <a:srgbClr val="838787"/>
+                </a:solidFill>
+                <a:latin typeface="Avenir Next Medium"/>
+                <a:ea typeface="Avenir Next Medium"/>
+                <a:cs typeface="Avenir Next Medium"/>
+                <a:sym typeface="Avenir Next Medium"/>
+              </a:defRPr>
+            </a:lvl1pPr>
+          </a:lstStyle>
           <a:p>
             <a:pPr/>
             <a:r>
@@ -5992,7 +7160,7 @@
       </p:sp>
       <p:sp>
         <p:nvSpPr>
-          <p:cNvPr id="205" name="Minimum spanning tree: Prim’s Algorithm"/>
+          <p:cNvPr id="237" name="Minimum spanning tree: Prim’s Algorithm"/>
           <p:cNvSpPr txBox="1"/>
           <p:nvPr/>
         </p:nvSpPr>
@@ -6017,7 +7185,19 @@
           <a:bodyPr wrap="none" lIns="50800" tIns="50800" rIns="50800" bIns="50800" anchor="ctr">
             <a:spAutoFit/>
           </a:bodyPr>
-          <a:lstStyle/>
+          <a:lstStyle>
+            <a:lvl1pPr>
+              <a:defRPr>
+                <a:solidFill>
+                  <a:srgbClr val="838787"/>
+                </a:solidFill>
+                <a:latin typeface="Avenir Next Medium"/>
+                <a:ea typeface="Avenir Next Medium"/>
+                <a:cs typeface="Avenir Next Medium"/>
+                <a:sym typeface="Avenir Next Medium"/>
+              </a:defRPr>
+            </a:lvl1pPr>
+          </a:lstStyle>
           <a:p>
             <a:pPr/>
             <a:r>
@@ -6028,14 +7208,14 @@
       </p:sp>
       <p:sp>
         <p:nvSpPr>
-          <p:cNvPr id="206" name="Line"/>
+          <p:cNvPr id="238" name="Line"/>
           <p:cNvSpPr/>
           <p:nvPr/>
         </p:nvSpPr>
         <p:spPr>
           <a:xfrm flipH="1">
-            <a:off x="12259981" y="5390980"/>
-            <a:ext cx="2401897" cy="2401897"/>
+            <a:off x="12259980" y="5390980"/>
+            <a:ext cx="2401898" cy="2401898"/>
           </a:xfrm>
           <a:prstGeom prst="line">
             <a:avLst/>
@@ -6049,21 +7229,14 @@
           </a:ln>
         </p:spPr>
         <p:txBody>
-          <a:bodyPr lIns="50800" tIns="50800" rIns="50800" bIns="50800" anchor="ctr"/>
+          <a:bodyPr lIns="45718" tIns="45718" rIns="45718" bIns="45718"/>
           <a:lstStyle/>
           <a:p>
-            <a:pPr algn="ctr">
-              <a:lnSpc>
-                <a:spcPct val="80000"/>
-              </a:lnSpc>
-              <a:spcBef>
-                <a:spcPts val="0"/>
-              </a:spcBef>
-              <a:defRPr cap="all" sz="4000">
-                <a:latin typeface="+mn-lt"/>
-                <a:ea typeface="+mn-ea"/>
-                <a:cs typeface="+mn-cs"/>
-                <a:sym typeface="DIN Condensed Bold"/>
+            <a:pPr>
+              <a:defRPr>
+                <a:solidFill>
+                  <a:srgbClr val="838787"/>
+                </a:solidFill>
               </a:defRPr>
             </a:pPr>
           </a:p>
@@ -6071,14 +7244,14 @@
       </p:sp>
       <p:sp>
         <p:nvSpPr>
-          <p:cNvPr id="207" name="Step 2, 3"/>
+          <p:cNvPr id="239" name="Step 2, 3"/>
           <p:cNvSpPr txBox="1"/>
           <p:nvPr/>
         </p:nvSpPr>
         <p:spPr>
           <a:xfrm rot="18900000">
-            <a:off x="12704026" y="6202741"/>
-            <a:ext cx="1181028" cy="444501"/>
+            <a:off x="12704025" y="6202741"/>
+            <a:ext cx="1181029" cy="444501"/>
           </a:xfrm>
           <a:prstGeom prst="rect">
             <a:avLst/>
@@ -6098,7 +7271,15 @@
           </a:bodyPr>
           <a:lstStyle>
             <a:lvl1pPr>
-              <a:defRPr sz="2000"/>
+              <a:defRPr sz="2000">
+                <a:solidFill>
+                  <a:srgbClr val="838787"/>
+                </a:solidFill>
+                <a:latin typeface="Avenir Next Medium"/>
+                <a:ea typeface="Avenir Next Medium"/>
+                <a:cs typeface="Avenir Next Medium"/>
+                <a:sym typeface="Avenir Next Medium"/>
+              </a:defRPr>
             </a:lvl1pPr>
           </a:lstStyle>
           <a:p>
@@ -6111,13 +7292,13 @@
       </p:sp>
       <p:sp>
         <p:nvSpPr>
-          <p:cNvPr id="208" name="DFS and preorder walk"/>
+          <p:cNvPr id="240" name="DFS and preorder walk"/>
           <p:cNvSpPr txBox="1"/>
           <p:nvPr/>
         </p:nvSpPr>
         <p:spPr>
           <a:xfrm rot="18900000">
-            <a:off x="12339688" y="6481680"/>
+            <a:off x="12339687" y="6481680"/>
             <a:ext cx="2802637" cy="444501"/>
           </a:xfrm>
           <a:prstGeom prst="rect">
@@ -6138,7 +7319,15 @@
           </a:bodyPr>
           <a:lstStyle>
             <a:lvl1pPr>
-              <a:defRPr sz="2000"/>
+              <a:defRPr sz="2000">
+                <a:solidFill>
+                  <a:srgbClr val="838787"/>
+                </a:solidFill>
+                <a:latin typeface="Avenir Next Medium"/>
+                <a:ea typeface="Avenir Next Medium"/>
+                <a:cs typeface="Avenir Next Medium"/>
+                <a:sym typeface="Avenir Next Medium"/>
+              </a:defRPr>
             </a:lvl1pPr>
           </a:lstStyle>
           <a:p>
@@ -6151,7 +7340,7 @@
       </p:sp>
       <p:sp>
         <p:nvSpPr>
-          <p:cNvPr id="209" name="Complexities"/>
+          <p:cNvPr id="241" name="Complexities"/>
           <p:cNvSpPr txBox="1"/>
           <p:nvPr/>
         </p:nvSpPr>
@@ -6179,6 +7368,9 @@
           <a:lstStyle>
             <a:lvl1pPr>
               <a:defRPr b="1">
+                <a:solidFill>
+                  <a:srgbClr val="838787"/>
+                </a:solidFill>
                 <a:latin typeface="Avenir Next Regular"/>
                 <a:ea typeface="Avenir Next Regular"/>
                 <a:cs typeface="Avenir Next Regular"/>
@@ -6196,13 +7388,13 @@
       </p:sp>
       <p:sp>
         <p:nvSpPr>
-          <p:cNvPr id="210" name="Time: O(V*V) which is the time complexity for prim’s algorithm"/>
+          <p:cNvPr id="242" name="Time: O(V*V) which is the time complexity for prim’s algorithm"/>
           <p:cNvSpPr txBox="1"/>
           <p:nvPr/>
         </p:nvSpPr>
         <p:spPr>
           <a:xfrm>
-            <a:off x="14324361" y="10492087"/>
+            <a:off x="14324361" y="10492086"/>
             <a:ext cx="9180831" cy="533401"/>
           </a:xfrm>
           <a:prstGeom prst="rect">
@@ -6223,7 +7415,15 @@
           </a:bodyPr>
           <a:lstStyle>
             <a:lvl1pPr>
-              <a:defRPr sz="2500"/>
+              <a:defRPr sz="2500">
+                <a:solidFill>
+                  <a:srgbClr val="838787"/>
+                </a:solidFill>
+                <a:latin typeface="Avenir Next Medium"/>
+                <a:ea typeface="Avenir Next Medium"/>
+                <a:cs typeface="Avenir Next Medium"/>
+                <a:sym typeface="Avenir Next Medium"/>
+              </a:defRPr>
             </a:lvl1pPr>
           </a:lstStyle>
           <a:p>
@@ -6236,7 +7436,7 @@
       </p:sp>
       <p:sp>
         <p:nvSpPr>
-          <p:cNvPr id="211" name="Space: O(V*V)"/>
+          <p:cNvPr id="243" name="Space: O(V*V)"/>
           <p:cNvSpPr txBox="1"/>
           <p:nvPr/>
         </p:nvSpPr>
@@ -6263,7 +7463,15 @@
           </a:bodyPr>
           <a:lstStyle>
             <a:lvl1pPr>
-              <a:defRPr sz="2500"/>
+              <a:defRPr sz="2500">
+                <a:solidFill>
+                  <a:srgbClr val="838787"/>
+                </a:solidFill>
+                <a:latin typeface="Avenir Next Medium"/>
+                <a:ea typeface="Avenir Next Medium"/>
+                <a:cs typeface="Avenir Next Medium"/>
+                <a:sym typeface="Avenir Next Medium"/>
+              </a:defRPr>
             </a:lvl1pPr>
           </a:lstStyle>
           <a:p>
@@ -6302,10 +7510,10 @@
       </p:grpSpPr>
       <p:sp>
         <p:nvSpPr>
-          <p:cNvPr id="213" name="Solution comparisons - Execution time"/>
+          <p:cNvPr id="245" name="Solution comparisons - Execution time"/>
           <p:cNvSpPr txBox="1"/>
           <p:nvPr>
-            <p:ph type="body" idx="21"/>
+            <p:ph type="body" sz="quarter" idx="1"/>
           </p:nvPr>
         </p:nvSpPr>
         <p:spPr>
@@ -6315,7 +7523,11 @@
         </p:spPr>
         <p:txBody>
           <a:bodyPr/>
-          <a:lstStyle/>
+          <a:lstStyle>
+            <a:lvl1pPr>
+              <a:defRPr spc="100"/>
+            </a:lvl1pPr>
+          </a:lstStyle>
           <a:p>
             <a:pPr/>
             <a:r>
@@ -6326,7 +7538,7 @@
       </p:sp>
       <p:pic>
         <p:nvPicPr>
-          <p:cNvPr id="214" name="Screenshot 2022-05-09 at 3.04.42 AM.png" descr="Screenshot 2022-05-09 at 3.04.42 AM.png"/>
+          <p:cNvPr id="246" name="Screenshot 2022-05-09 at 3.04.42 AM.png" descr="Screenshot 2022-05-09 at 3.04.42 AM.png"/>
           <p:cNvPicPr>
             <a:picLocks noChangeAspect="1"/>
           </p:cNvPicPr>
@@ -6342,8 +7554,8 @@
         </p:blipFill>
         <p:spPr>
           <a:xfrm>
-            <a:off x="774551" y="1523633"/>
-            <a:ext cx="6464300" cy="11608071"/>
+            <a:off x="774550" y="1523632"/>
+            <a:ext cx="6464301" cy="11608073"/>
           </a:xfrm>
           <a:prstGeom prst="rect">
             <a:avLst/>
@@ -6355,14 +7567,14 @@
       </p:pic>
       <p:sp>
         <p:nvSpPr>
-          <p:cNvPr id="215" name="Line"/>
+          <p:cNvPr id="247" name="Line"/>
           <p:cNvSpPr/>
           <p:nvPr/>
         </p:nvSpPr>
         <p:spPr>
           <a:xfrm>
             <a:off x="7424152" y="1834783"/>
-            <a:ext cx="685786" cy="1"/>
+            <a:ext cx="685787" cy="2"/>
           </a:xfrm>
           <a:prstGeom prst="line">
             <a:avLst/>
@@ -6375,21 +7587,14 @@
           </a:ln>
         </p:spPr>
         <p:txBody>
-          <a:bodyPr lIns="50800" tIns="50800" rIns="50800" bIns="50800" anchor="ctr"/>
+          <a:bodyPr lIns="45718" tIns="45718" rIns="45718" bIns="45718"/>
           <a:lstStyle/>
           <a:p>
-            <a:pPr algn="ctr">
-              <a:lnSpc>
-                <a:spcPct val="80000"/>
-              </a:lnSpc>
-              <a:spcBef>
-                <a:spcPts val="0"/>
-              </a:spcBef>
-              <a:defRPr cap="all" sz="4000">
-                <a:latin typeface="+mn-lt"/>
-                <a:ea typeface="+mn-ea"/>
-                <a:cs typeface="+mn-cs"/>
-                <a:sym typeface="DIN Condensed Bold"/>
+            <a:pPr>
+              <a:defRPr>
+                <a:solidFill>
+                  <a:srgbClr val="838787"/>
+                </a:solidFill>
               </a:defRPr>
             </a:pPr>
           </a:p>
@@ -6397,7 +7602,7 @@
       </p:sp>
       <p:sp>
         <p:nvSpPr>
-          <p:cNvPr id="216" name="Approximation solution"/>
+          <p:cNvPr id="248" name="Approximation solution"/>
           <p:cNvSpPr txBox="1"/>
           <p:nvPr/>
         </p:nvSpPr>
@@ -6422,7 +7627,19 @@
           <a:bodyPr wrap="none" lIns="50800" tIns="50800" rIns="50800" bIns="50800" anchor="ctr">
             <a:spAutoFit/>
           </a:bodyPr>
-          <a:lstStyle/>
+          <a:lstStyle>
+            <a:lvl1pPr>
+              <a:defRPr>
+                <a:solidFill>
+                  <a:srgbClr val="838787"/>
+                </a:solidFill>
+                <a:latin typeface="Avenir Next Medium"/>
+                <a:ea typeface="Avenir Next Medium"/>
+                <a:cs typeface="Avenir Next Medium"/>
+                <a:sym typeface="Avenir Next Medium"/>
+              </a:defRPr>
+            </a:lvl1pPr>
+          </a:lstStyle>
           <a:p>
             <a:pPr/>
             <a:r>
@@ -6433,45 +7650,34 @@
       </p:sp>
       <p:sp>
         <p:nvSpPr>
-          <p:cNvPr id="217" name="Line"/>
+          <p:cNvPr id="249" name="Line"/>
           <p:cNvSpPr/>
           <p:nvPr/>
         </p:nvSpPr>
         <p:spPr>
           <a:xfrm>
             <a:off x="7442868" y="2539299"/>
-            <a:ext cx="685786" cy="1"/>
+            <a:ext cx="685787" cy="2"/>
           </a:xfrm>
           <a:prstGeom prst="line">
             <a:avLst/>
           </a:prstGeom>
           <a:ln w="50800">
             <a:solidFill>
-              <a:schemeClr val="accent3">
-                <a:hueOff val="1971429"/>
-                <a:satOff val="-6114"/>
-                <a:lumOff val="-25490"/>
-              </a:schemeClr>
+              <a:srgbClr val="316936"/>
             </a:solidFill>
             <a:miter lim="400000"/>
           </a:ln>
         </p:spPr>
         <p:txBody>
-          <a:bodyPr lIns="50800" tIns="50800" rIns="50800" bIns="50800" anchor="ctr"/>
+          <a:bodyPr lIns="45718" tIns="45718" rIns="45718" bIns="45718"/>
           <a:lstStyle/>
           <a:p>
-            <a:pPr algn="ctr">
-              <a:lnSpc>
-                <a:spcPct val="80000"/>
-              </a:lnSpc>
-              <a:spcBef>
-                <a:spcPts val="0"/>
-              </a:spcBef>
-              <a:defRPr cap="all" sz="4000">
-                <a:latin typeface="+mn-lt"/>
-                <a:ea typeface="+mn-ea"/>
-                <a:cs typeface="+mn-cs"/>
-                <a:sym typeface="DIN Condensed Bold"/>
+            <a:pPr>
+              <a:defRPr>
+                <a:solidFill>
+                  <a:srgbClr val="838787"/>
+                </a:solidFill>
               </a:defRPr>
             </a:pPr>
           </a:p>
@@ -6479,7 +7685,7 @@
       </p:sp>
       <p:sp>
         <p:nvSpPr>
-          <p:cNvPr id="218" name="Brute force solution"/>
+          <p:cNvPr id="250" name="Brute force solution"/>
           <p:cNvSpPr txBox="1"/>
           <p:nvPr/>
         </p:nvSpPr>
@@ -6504,7 +7710,19 @@
           <a:bodyPr wrap="none" lIns="50800" tIns="50800" rIns="50800" bIns="50800" anchor="ctr">
             <a:spAutoFit/>
           </a:bodyPr>
-          <a:lstStyle/>
+          <a:lstStyle>
+            <a:lvl1pPr>
+              <a:defRPr>
+                <a:solidFill>
+                  <a:srgbClr val="838787"/>
+                </a:solidFill>
+                <a:latin typeface="Avenir Next Medium"/>
+                <a:ea typeface="Avenir Next Medium"/>
+                <a:cs typeface="Avenir Next Medium"/>
+                <a:sym typeface="Avenir Next Medium"/>
+              </a:defRPr>
+            </a:lvl1pPr>
+          </a:lstStyle>
           <a:p>
             <a:pPr/>
             <a:r>
@@ -6515,45 +7733,34 @@
       </p:sp>
       <p:sp>
         <p:nvSpPr>
-          <p:cNvPr id="219" name="Line"/>
+          <p:cNvPr id="251" name="Line"/>
           <p:cNvSpPr/>
           <p:nvPr/>
         </p:nvSpPr>
         <p:spPr>
           <a:xfrm>
             <a:off x="7478962" y="3243814"/>
-            <a:ext cx="685786" cy="1"/>
+            <a:ext cx="685787" cy="2"/>
           </a:xfrm>
           <a:prstGeom prst="line">
             <a:avLst/>
           </a:prstGeom>
           <a:ln w="50800">
             <a:solidFill>
-              <a:schemeClr val="accent6">
-                <a:hueOff val="-2153150"/>
-                <a:satOff val="-11264"/>
-                <a:lumOff val="-15786"/>
-              </a:schemeClr>
+              <a:srgbClr val="771D76"/>
             </a:solidFill>
             <a:miter lim="400000"/>
           </a:ln>
         </p:spPr>
         <p:txBody>
-          <a:bodyPr lIns="50800" tIns="50800" rIns="50800" bIns="50800" anchor="ctr"/>
+          <a:bodyPr lIns="45718" tIns="45718" rIns="45718" bIns="45718"/>
           <a:lstStyle/>
           <a:p>
-            <a:pPr algn="ctr">
-              <a:lnSpc>
-                <a:spcPct val="80000"/>
-              </a:lnSpc>
-              <a:spcBef>
-                <a:spcPts val="0"/>
-              </a:spcBef>
-              <a:defRPr cap="all" sz="4000">
-                <a:latin typeface="+mn-lt"/>
-                <a:ea typeface="+mn-ea"/>
-                <a:cs typeface="+mn-cs"/>
-                <a:sym typeface="DIN Condensed Bold"/>
+            <a:pPr>
+              <a:defRPr>
+                <a:solidFill>
+                  <a:srgbClr val="838787"/>
+                </a:solidFill>
               </a:defRPr>
             </a:pPr>
           </a:p>
@@ -6561,13 +7768,13 @@
       </p:sp>
       <p:sp>
         <p:nvSpPr>
-          <p:cNvPr id="220" name="Dynamic programming solution"/>
+          <p:cNvPr id="252" name="Dynamic programming solution"/>
           <p:cNvSpPr txBox="1"/>
           <p:nvPr/>
         </p:nvSpPr>
         <p:spPr>
           <a:xfrm>
-            <a:off x="8245979" y="2932664"/>
+            <a:off x="8245978" y="2932664"/>
             <a:ext cx="5662804" cy="622301"/>
           </a:xfrm>
           <a:prstGeom prst="rect">
@@ -6586,7 +7793,19 @@
           <a:bodyPr wrap="none" lIns="50800" tIns="50800" rIns="50800" bIns="50800" anchor="ctr">
             <a:spAutoFit/>
           </a:bodyPr>
-          <a:lstStyle/>
+          <a:lstStyle>
+            <a:lvl1pPr>
+              <a:defRPr>
+                <a:solidFill>
+                  <a:srgbClr val="838787"/>
+                </a:solidFill>
+                <a:latin typeface="Avenir Next Medium"/>
+                <a:ea typeface="Avenir Next Medium"/>
+                <a:cs typeface="Avenir Next Medium"/>
+                <a:sym typeface="Avenir Next Medium"/>
+              </a:defRPr>
+            </a:lvl1pPr>
+          </a:lstStyle>
           <a:p>
             <a:pPr/>
             <a:r>
@@ -6597,14 +7816,14 @@
       </p:sp>
       <p:sp>
         <p:nvSpPr>
-          <p:cNvPr id="221" name="Example: for n = 12…"/>
+          <p:cNvPr id="253" name="Example: for n = 12…"/>
           <p:cNvSpPr txBox="1"/>
           <p:nvPr/>
         </p:nvSpPr>
         <p:spPr>
           <a:xfrm>
             <a:off x="11050730" y="6523439"/>
-            <a:ext cx="8091250" cy="3479801"/>
+            <a:ext cx="8091251" cy="3479801"/>
           </a:xfrm>
           <a:prstGeom prst="rect">
             <a:avLst/>
@@ -6624,297 +7843,67 @@
           </a:bodyPr>
           <a:lstStyle/>
           <a:p>
-            <a:pPr/>
+            <a:pPr>
+              <a:defRPr>
+                <a:solidFill>
+                  <a:srgbClr val="838787"/>
+                </a:solidFill>
+                <a:latin typeface="Avenir Next Medium"/>
+                <a:ea typeface="Avenir Next Medium"/>
+                <a:cs typeface="Avenir Next Medium"/>
+                <a:sym typeface="Avenir Next Medium"/>
+              </a:defRPr>
+            </a:pPr>
             <a:r>
               <a:t>Example: for n = 12</a:t>
             </a:r>
           </a:p>
           <a:p>
-            <a:pPr/>
+            <a:pPr>
+              <a:defRPr>
+                <a:solidFill>
+                  <a:srgbClr val="838787"/>
+                </a:solidFill>
+                <a:latin typeface="Avenir Next Medium"/>
+                <a:ea typeface="Avenir Next Medium"/>
+                <a:cs typeface="Avenir Next Medium"/>
+                <a:sym typeface="Avenir Next Medium"/>
+              </a:defRPr>
+            </a:pPr>
             <a:r>
               <a:t>Brute force: 479001600 operations</a:t>
             </a:r>
           </a:p>
           <a:p>
-            <a:pPr/>
+            <a:pPr>
+              <a:defRPr>
+                <a:solidFill>
+                  <a:srgbClr val="838787"/>
+                </a:solidFill>
+                <a:latin typeface="Avenir Next Medium"/>
+                <a:ea typeface="Avenir Next Medium"/>
+                <a:cs typeface="Avenir Next Medium"/>
+                <a:sym typeface="Avenir Next Medium"/>
+              </a:defRPr>
+            </a:pPr>
             <a:r>
               <a:t>Dynamic programming: 589824 operations</a:t>
             </a:r>
           </a:p>
           <a:p>
-            <a:pPr/>
+            <a:pPr>
+              <a:defRPr>
+                <a:solidFill>
+                  <a:srgbClr val="838787"/>
+                </a:solidFill>
+                <a:latin typeface="Avenir Next Medium"/>
+                <a:ea typeface="Avenir Next Medium"/>
+                <a:cs typeface="Avenir Next Medium"/>
+                <a:sym typeface="Avenir Next Medium"/>
+              </a:defRPr>
+            </a:pPr>
             <a:r>
               <a:t>Approximation: 144 operations</a:t>
-            </a:r>
-          </a:p>
-        </p:txBody>
-      </p:sp>
-    </p:spTree>
-  </p:cSld>
-  <p:clrMapOvr>
-    <a:masterClrMapping/>
-  </p:clrMapOvr>
-  <p:transition xmlns:p14="http://schemas.microsoft.com/office/powerpoint/2010/main" spd="med" advClick="1"/>
-</p:sld>
-</file>
-
-<file path=ppt/slides/slide7.xml><?xml version="1.0" encoding="utf-8"?>
-<p:sld xmlns:a="http://schemas.openxmlformats.org/drawingml/2006/main" xmlns:r="http://schemas.openxmlformats.org/officeDocument/2006/relationships" xmlns:p="http://schemas.openxmlformats.org/presentationml/2006/main" xmlns:m="http://schemas.openxmlformats.org/officeDocument/2006/math" xmlns:a14="http://schemas.microsoft.com/office/drawing/2010/main" showMasterSp="1" showMasterPhAnim="1">
-  <p:cSld>
-    <p:spTree>
-      <p:nvGrpSpPr>
-        <p:cNvPr id="1" name=""/>
-        <p:cNvGrpSpPr/>
-        <p:nvPr/>
-      </p:nvGrpSpPr>
-      <p:grpSpPr>
-        <a:xfrm>
-          <a:off x="0" y="0"/>
-          <a:ext cx="0" cy="0"/>
-          <a:chOff x="0" y="0"/>
-          <a:chExt cx="0" cy="0"/>
-        </a:xfrm>
-      </p:grpSpPr>
-      <p:sp>
-        <p:nvSpPr>
-          <p:cNvPr id="223" name="Cảm ơn bạn!…"/>
-          <p:cNvSpPr txBox="1"/>
-          <p:nvPr>
-            <p:ph type="title"/>
-          </p:nvPr>
-        </p:nvSpPr>
-        <p:spPr>
-          <a:xfrm>
-            <a:off x="848463" y="834692"/>
-            <a:ext cx="6538916" cy="12046616"/>
-          </a:xfrm>
-          <a:prstGeom prst="rect">
-            <a:avLst/>
-          </a:prstGeom>
-        </p:spPr>
-        <p:txBody>
-          <a:bodyPr/>
-          <a:lstStyle/>
-          <a:p>
-            <a:pPr defTabSz="330200">
-              <a:defRPr sz="6000">
-                <a:solidFill>
-                  <a:srgbClr val="FFFFFF"/>
-                </a:solidFill>
-              </a:defRPr>
-            </a:pPr>
-            <a:r>
-              <a:t>Cảm ơn bạn!</a:t>
-            </a:r>
-          </a:p>
-          <a:p>
-            <a:pPr defTabSz="330200">
-              <a:defRPr sz="6000">
-                <a:solidFill>
-                  <a:srgbClr val="FFFFFF"/>
-                </a:solidFill>
-              </a:defRPr>
-            </a:pPr>
-          </a:p>
-          <a:p>
-            <a:pPr defTabSz="330200">
-              <a:defRPr sz="6000">
-                <a:solidFill>
-                  <a:srgbClr val="FFFFFF"/>
-                </a:solidFill>
-              </a:defRPr>
-            </a:pPr>
-            <a:r>
-              <a:t>Thank you!</a:t>
-            </a:r>
-          </a:p>
-          <a:p>
-            <a:pPr defTabSz="330200">
-              <a:defRPr sz="6000">
-                <a:solidFill>
-                  <a:srgbClr val="FFFFFF"/>
-                </a:solidFill>
-              </a:defRPr>
-            </a:pPr>
-          </a:p>
-          <a:p>
-            <a:pPr defTabSz="330200">
-              <a:defRPr sz="6000">
-                <a:solidFill>
-                  <a:srgbClr val="FFFFFF"/>
-                </a:solidFill>
-              </a:defRPr>
-            </a:pPr>
-            <a:r>
-              <a:t>متشکرم!</a:t>
-            </a:r>
-          </a:p>
-          <a:p>
-            <a:pPr defTabSz="330200">
-              <a:defRPr sz="6000">
-                <a:solidFill>
-                  <a:srgbClr val="FFFFFF"/>
-                </a:solidFill>
-              </a:defRPr>
-            </a:pPr>
-          </a:p>
-          <a:p>
-            <a:pPr defTabSz="330200">
-              <a:defRPr sz="6000">
-                <a:solidFill>
-                  <a:srgbClr val="FFFFFF"/>
-                </a:solidFill>
-              </a:defRPr>
-            </a:pPr>
-            <a:r>
-              <a:t>спасибо!</a:t>
-            </a:r>
-          </a:p>
-          <a:p>
-            <a:pPr defTabSz="330200">
-              <a:defRPr sz="6000">
-                <a:solidFill>
-                  <a:srgbClr val="FFFFFF"/>
-                </a:solidFill>
-              </a:defRPr>
-            </a:pPr>
-          </a:p>
-          <a:p>
-            <a:pPr defTabSz="330200">
-              <a:defRPr sz="6000">
-                <a:solidFill>
-                  <a:srgbClr val="FFFFFF"/>
-                </a:solidFill>
-              </a:defRPr>
-            </a:pPr>
-            <a:r>
-              <a:t>¡Gracias!</a:t>
-            </a:r>
-          </a:p>
-          <a:p>
-            <a:pPr defTabSz="330200">
-              <a:defRPr sz="6000">
-                <a:solidFill>
-                  <a:srgbClr val="FFFFFF"/>
-                </a:solidFill>
-              </a:defRPr>
-            </a:pPr>
-          </a:p>
-          <a:p>
-            <a:pPr defTabSz="330200">
-              <a:defRPr sz="6000">
-                <a:solidFill>
-                  <a:srgbClr val="FFFFFF"/>
-                </a:solidFill>
-              </a:defRPr>
-            </a:pPr>
-            <a:r>
-              <a:t>Rahmat!</a:t>
-            </a:r>
-          </a:p>
-          <a:p>
-            <a:pPr defTabSz="330200">
-              <a:defRPr sz="6000">
-                <a:solidFill>
-                  <a:srgbClr val="FFFFFF"/>
-                </a:solidFill>
-              </a:defRPr>
-            </a:pPr>
-          </a:p>
-          <a:p>
-            <a:pPr defTabSz="330200">
-              <a:defRPr sz="6000">
-                <a:solidFill>
-                  <a:srgbClr val="FFFFFF"/>
-                </a:solidFill>
-              </a:defRPr>
-            </a:pPr>
-            <a:r>
-              <a:t>شكرًا!</a:t>
-            </a:r>
-          </a:p>
-          <a:p>
-            <a:pPr defTabSz="330200">
-              <a:defRPr sz="6000">
-                <a:solidFill>
-                  <a:srgbClr val="FFFFFF"/>
-                </a:solidFill>
-              </a:defRPr>
-            </a:pPr>
-          </a:p>
-          <a:p>
-            <a:pPr defTabSz="330200">
-              <a:defRPr sz="6000">
-                <a:solidFill>
-                  <a:srgbClr val="FFFFFF"/>
-                </a:solidFill>
-              </a:defRPr>
-            </a:pPr>
-            <a:r>
-              <a:t>Merci!</a:t>
-            </a:r>
-          </a:p>
-          <a:p>
-            <a:pPr defTabSz="330200">
-              <a:defRPr sz="6000">
-                <a:solidFill>
-                  <a:srgbClr val="FFFFFF"/>
-                </a:solidFill>
-              </a:defRPr>
-            </a:pPr>
-          </a:p>
-        </p:txBody>
-      </p:sp>
-      <p:sp>
-        <p:nvSpPr>
-          <p:cNvPr id="224" name="Any questions ?"/>
-          <p:cNvSpPr txBox="1"/>
-          <p:nvPr/>
-        </p:nvSpPr>
-        <p:spPr>
-          <a:xfrm>
-            <a:off x="7243290" y="5559331"/>
-            <a:ext cx="14895624" cy="2597338"/>
-          </a:xfrm>
-          <a:prstGeom prst="rect">
-            <a:avLst/>
-          </a:prstGeom>
-          <a:ln w="12700">
-            <a:miter lim="400000"/>
-          </a:ln>
-          <a:extLst>
-            <a:ext uri="{C572A759-6A51-4108-AA02-DFA0A04FC94B}">
-              <ma14:wrappingTextBoxFlag xmlns:ma14="http://schemas.microsoft.com/office/mac/drawingml/2011/main" val="1"/>
-            </a:ext>
-          </a:extLst>
-        </p:spPr>
-        <p:txBody>
-          <a:bodyPr lIns="50800" tIns="50800" rIns="50800" bIns="50800">
-            <a:normAutofit fontScale="100000" lnSpcReduction="0"/>
-          </a:bodyPr>
-          <a:lstStyle>
-            <a:lvl1pPr defTabSz="808990">
-              <a:lnSpc>
-                <a:spcPct val="80000"/>
-              </a:lnSpc>
-              <a:spcBef>
-                <a:spcPts val="0"/>
-              </a:spcBef>
-              <a:defRPr cap="all" sz="19600">
-                <a:solidFill>
-                  <a:schemeClr val="accent1"/>
-                </a:solidFill>
-                <a:latin typeface="+mn-lt"/>
-                <a:ea typeface="+mn-ea"/>
-                <a:cs typeface="+mn-cs"/>
-                <a:sym typeface="DIN Condensed Bold"/>
-              </a:defRPr>
-            </a:lvl1pPr>
-          </a:lstStyle>
-          <a:p>
-            <a:pPr/>
-            <a:r>
-              <a:t>Any questions ?</a:t>
             </a:r>
           </a:p>
         </p:txBody>
@@ -6936,13 +7925,13 @@
         <a:srgbClr val="222222"/>
       </a:dk1>
       <a:lt1>
-        <a:srgbClr val="838787"/>
+        <a:srgbClr val="222222"/>
       </a:lt1>
       <a:dk2>
-        <a:srgbClr val="222222"/>
+        <a:srgbClr val="A7A7A7"/>
       </a:dk2>
       <a:lt2>
-        <a:srgbClr val="A6AAA9"/>
+        <a:srgbClr val="535353"/>
       </a:lt2>
       <a:accent1>
         <a:srgbClr val="34A5DA"/>
@@ -6971,14 +7960,14 @@
     </a:clrScheme>
     <a:fontScheme name="New_Template7">
       <a:majorFont>
-        <a:latin typeface="DIN Condensed Bold"/>
-        <a:ea typeface="DIN Condensed Bold"/>
-        <a:cs typeface="DIN Condensed Bold"/>
+        <a:latin typeface="Helvetica Neue"/>
+        <a:ea typeface="Helvetica Neue"/>
+        <a:cs typeface="Helvetica Neue"/>
       </a:majorFont>
       <a:minorFont>
-        <a:latin typeface="DIN Condensed Bold"/>
-        <a:ea typeface="DIN Condensed Bold"/>
-        <a:cs typeface="DIN Condensed Bold"/>
+        <a:latin typeface="Helvetica"/>
+        <a:ea typeface="Helvetica"/>
+        <a:cs typeface="Helvetica"/>
       </a:minorFont>
     </a:fontScheme>
     <a:fmtScheme name="New_Template7">
@@ -7119,11 +8108,14 @@
     <a:spDef>
       <a:spPr>
         <a:solidFill>
-          <a:schemeClr val="accent1"/>
+          <a:srgbClr val="838787"/>
         </a:solidFill>
-        <a:ln w="12700" cap="flat">
-          <a:noFill/>
-          <a:miter lim="400000"/>
+        <a:ln w="25400" cap="flat">
+          <a:solidFill>
+            <a:schemeClr val="accent1"/>
+          </a:solidFill>
+          <a:prstDash val="solid"/>
+          <a:round/>
         </a:ln>
         <a:effectLst/>
         <a:sp3d/>
@@ -7132,12 +8124,12 @@
         <a:spAutoFit/>
       </a:bodyPr>
       <a:lstStyle>
-        <a:defPPr marL="0" marR="0" indent="0" algn="ctr" defTabSz="825500" rtl="0" fontAlgn="auto" latinLnBrk="0" hangingPunct="0">
+        <a:defPPr marL="0" marR="0" indent="0" algn="l" defTabSz="825500" rtl="0" fontAlgn="auto" latinLnBrk="0" hangingPunct="0">
           <a:lnSpc>
-            <a:spcPct val="80000"/>
+            <a:spcPct val="100000"/>
           </a:lnSpc>
           <a:spcBef>
-            <a:spcPts val="0"/>
+            <a:spcPts val="3400"/>
           </a:spcBef>
           <a:spcAft>
             <a:spcPts val="0"/>
@@ -7147,18 +8139,18 @@
           <a:buFontTx/>
           <a:buNone/>
           <a:tabLst/>
-          <a:defRPr b="0" baseline="0" cap="all" i="0" spc="0" strike="noStrike" sz="4000" u="none" kumimoji="0" normalizeH="0">
+          <a:defRPr b="0" baseline="0" cap="none" i="0" spc="0" strike="noStrike" sz="3000" u="none" kumimoji="0" normalizeH="0">
             <a:ln>
               <a:noFill/>
             </a:ln>
             <a:solidFill>
-              <a:srgbClr val="FFFFFF"/>
+              <a:srgbClr val="222222"/>
             </a:solidFill>
             <a:effectLst/>
             <a:uFillTx/>
-            <a:latin typeface="+mn-lt"/>
-            <a:ea typeface="+mn-ea"/>
-            <a:cs typeface="+mn-cs"/>
+            <a:latin typeface="DIN Condensed Bold"/>
+            <a:ea typeface="DIN Condensed Bold"/>
+            <a:cs typeface="DIN Condensed Bold"/>
             <a:sym typeface="DIN Condensed Bold"/>
           </a:defRPr>
         </a:defPPr>
@@ -7412,7 +8404,7 @@
             <a:schemeClr val="accent1"/>
           </a:solidFill>
           <a:prstDash val="solid"/>
-          <a:miter lim="400000"/>
+          <a:round/>
         </a:ln>
         <a:effectLst/>
         <a:sp3d/>
@@ -7723,14 +8715,14 @@
               <a:noFill/>
             </a:ln>
             <a:solidFill>
-              <a:srgbClr val="838787"/>
+              <a:srgbClr val="222222"/>
             </a:solidFill>
             <a:effectLst/>
             <a:uFillTx/>
-            <a:latin typeface="Avenir Next Medium"/>
-            <a:ea typeface="Avenir Next Medium"/>
-            <a:cs typeface="Avenir Next Medium"/>
-            <a:sym typeface="Avenir Next Medium"/>
+            <a:latin typeface="DIN Condensed Bold"/>
+            <a:ea typeface="DIN Condensed Bold"/>
+            <a:cs typeface="DIN Condensed Bold"/>
+            <a:sym typeface="DIN Condensed Bold"/>
           </a:defRPr>
         </a:defPPr>
         <a:lvl1pPr marL="0" marR="0" indent="0" algn="l" defTabSz="914400" rtl="0" fontAlgn="auto" latinLnBrk="1" hangingPunct="0">
@@ -7990,10 +8982,10 @@
         <a:srgbClr val="FFFFFF"/>
       </a:lt1>
       <a:dk2>
-        <a:srgbClr val="222222"/>
+        <a:srgbClr val="A7A7A7"/>
       </a:dk2>
       <a:lt2>
-        <a:srgbClr val="A6AAA9"/>
+        <a:srgbClr val="535353"/>
       </a:lt2>
       <a:accent1>
         <a:srgbClr val="34A5DA"/>
@@ -8022,14 +9014,14 @@
     </a:clrScheme>
     <a:fontScheme name="New_Template7">
       <a:majorFont>
-        <a:latin typeface="DIN Condensed Bold"/>
-        <a:ea typeface="DIN Condensed Bold"/>
-        <a:cs typeface="DIN Condensed Bold"/>
+        <a:latin typeface="Helvetica Neue"/>
+        <a:ea typeface="Helvetica Neue"/>
+        <a:cs typeface="Helvetica Neue"/>
       </a:majorFont>
       <a:minorFont>
-        <a:latin typeface="DIN Condensed Bold"/>
-        <a:ea typeface="DIN Condensed Bold"/>
-        <a:cs typeface="DIN Condensed Bold"/>
+        <a:latin typeface="Helvetica"/>
+        <a:ea typeface="Helvetica"/>
+        <a:cs typeface="Helvetica"/>
       </a:minorFont>
     </a:fontScheme>
     <a:fmtScheme name="New_Template7">
@@ -8170,11 +9162,14 @@
     <a:spDef>
       <a:spPr>
         <a:solidFill>
-          <a:schemeClr val="accent1"/>
+          <a:srgbClr val="838787"/>
         </a:solidFill>
-        <a:ln w="12700" cap="flat">
-          <a:noFill/>
-          <a:miter lim="400000"/>
+        <a:ln w="25400" cap="flat">
+          <a:solidFill>
+            <a:schemeClr val="accent1"/>
+          </a:solidFill>
+          <a:prstDash val="solid"/>
+          <a:round/>
         </a:ln>
         <a:effectLst/>
         <a:sp3d/>
@@ -8183,12 +9178,12 @@
         <a:spAutoFit/>
       </a:bodyPr>
       <a:lstStyle>
-        <a:defPPr marL="0" marR="0" indent="0" algn="ctr" defTabSz="825500" rtl="0" fontAlgn="auto" latinLnBrk="0" hangingPunct="0">
+        <a:defPPr marL="0" marR="0" indent="0" algn="l" defTabSz="825500" rtl="0" fontAlgn="auto" latinLnBrk="0" hangingPunct="0">
           <a:lnSpc>
-            <a:spcPct val="80000"/>
+            <a:spcPct val="100000"/>
           </a:lnSpc>
           <a:spcBef>
-            <a:spcPts val="0"/>
+            <a:spcPts val="3400"/>
           </a:spcBef>
           <a:spcAft>
             <a:spcPts val="0"/>
@@ -8198,18 +9193,18 @@
           <a:buFontTx/>
           <a:buNone/>
           <a:tabLst/>
-          <a:defRPr b="0" baseline="0" cap="all" i="0" spc="0" strike="noStrike" sz="4000" u="none" kumimoji="0" normalizeH="0">
+          <a:defRPr b="0" baseline="0" cap="none" i="0" spc="0" strike="noStrike" sz="3000" u="none" kumimoji="0" normalizeH="0">
             <a:ln>
               <a:noFill/>
             </a:ln>
             <a:solidFill>
-              <a:srgbClr val="FFFFFF"/>
+              <a:srgbClr val="222222"/>
             </a:solidFill>
             <a:effectLst/>
             <a:uFillTx/>
-            <a:latin typeface="+mn-lt"/>
-            <a:ea typeface="+mn-ea"/>
-            <a:cs typeface="+mn-cs"/>
+            <a:latin typeface="DIN Condensed Bold"/>
+            <a:ea typeface="DIN Condensed Bold"/>
+            <a:cs typeface="DIN Condensed Bold"/>
             <a:sym typeface="DIN Condensed Bold"/>
           </a:defRPr>
         </a:defPPr>
@@ -8463,7 +9458,7 @@
             <a:schemeClr val="accent1"/>
           </a:solidFill>
           <a:prstDash val="solid"/>
-          <a:miter lim="400000"/>
+          <a:round/>
         </a:ln>
         <a:effectLst/>
         <a:sp3d/>
@@ -8774,14 +9769,14 @@
               <a:noFill/>
             </a:ln>
             <a:solidFill>
-              <a:srgbClr val="838787"/>
+              <a:srgbClr val="222222"/>
             </a:solidFill>
             <a:effectLst/>
             <a:uFillTx/>
-            <a:latin typeface="Avenir Next Medium"/>
-            <a:ea typeface="Avenir Next Medium"/>
-            <a:cs typeface="Avenir Next Medium"/>
-            <a:sym typeface="Avenir Next Medium"/>
+            <a:latin typeface="DIN Condensed Bold"/>
+            <a:ea typeface="DIN Condensed Bold"/>
+            <a:cs typeface="DIN Condensed Bold"/>
+            <a:sym typeface="DIN Condensed Bold"/>
           </a:defRPr>
         </a:defPPr>
         <a:lvl1pPr marL="0" marR="0" indent="0" algn="l" defTabSz="914400" rtl="0" fontAlgn="auto" latinLnBrk="1" hangingPunct="0">
